--- a/PRESENTACIONTTII.pptx
+++ b/PRESENTACIONTTII.pptx
@@ -3,35 +3,37 @@
 <p:presentation xmlns:a="http://schemas.openxmlformats.org/drawingml/2006/main" xmlns:r="http://schemas.openxmlformats.org/officeDocument/2006/relationships" xmlns:p="http://schemas.openxmlformats.org/presentationml/2006/main" saveSubsetFonts="1">
   <p:sldMasterIdLst>
     <p:sldMasterId id="2147483660" r:id="rId1"/>
+    <p:sldMasterId id="2147483672" r:id="rId2"/>
   </p:sldMasterIdLst>
   <p:sldIdLst>
-    <p:sldId id="256" r:id="rId2"/>
-    <p:sldId id="269" r:id="rId3"/>
-    <p:sldId id="257" r:id="rId4"/>
-    <p:sldId id="262" r:id="rId5"/>
-    <p:sldId id="290" r:id="rId6"/>
-    <p:sldId id="291" r:id="rId7"/>
-    <p:sldId id="292" r:id="rId8"/>
-    <p:sldId id="289" r:id="rId9"/>
-    <p:sldId id="271" r:id="rId10"/>
-    <p:sldId id="277" r:id="rId11"/>
-    <p:sldId id="270" r:id="rId12"/>
-    <p:sldId id="274" r:id="rId13"/>
-    <p:sldId id="293" r:id="rId14"/>
-    <p:sldId id="294" r:id="rId15"/>
-    <p:sldId id="295" r:id="rId16"/>
-    <p:sldId id="296" r:id="rId17"/>
-    <p:sldId id="297" r:id="rId18"/>
-    <p:sldId id="299" r:id="rId19"/>
-    <p:sldId id="281" r:id="rId20"/>
-    <p:sldId id="278" r:id="rId21"/>
-    <p:sldId id="282" r:id="rId22"/>
-    <p:sldId id="280" r:id="rId23"/>
-    <p:sldId id="284" r:id="rId24"/>
-    <p:sldId id="266" r:id="rId25"/>
-    <p:sldId id="268" r:id="rId26"/>
-    <p:sldId id="300" r:id="rId27"/>
-    <p:sldId id="301" r:id="rId28"/>
+    <p:sldId id="256" r:id="rId3"/>
+    <p:sldId id="269" r:id="rId4"/>
+    <p:sldId id="257" r:id="rId5"/>
+    <p:sldId id="262" r:id="rId6"/>
+    <p:sldId id="290" r:id="rId7"/>
+    <p:sldId id="291" r:id="rId8"/>
+    <p:sldId id="292" r:id="rId9"/>
+    <p:sldId id="289" r:id="rId10"/>
+    <p:sldId id="271" r:id="rId11"/>
+    <p:sldId id="277" r:id="rId12"/>
+    <p:sldId id="270" r:id="rId13"/>
+    <p:sldId id="274" r:id="rId14"/>
+    <p:sldId id="293" r:id="rId15"/>
+    <p:sldId id="294" r:id="rId16"/>
+    <p:sldId id="295" r:id="rId17"/>
+    <p:sldId id="302" r:id="rId18"/>
+    <p:sldId id="296" r:id="rId19"/>
+    <p:sldId id="297" r:id="rId20"/>
+    <p:sldId id="299" r:id="rId21"/>
+    <p:sldId id="281" r:id="rId22"/>
+    <p:sldId id="278" r:id="rId23"/>
+    <p:sldId id="282" r:id="rId24"/>
+    <p:sldId id="280" r:id="rId25"/>
+    <p:sldId id="284" r:id="rId26"/>
+    <p:sldId id="266" r:id="rId27"/>
+    <p:sldId id="268" r:id="rId28"/>
+    <p:sldId id="300" r:id="rId29"/>
+    <p:sldId id="301" r:id="rId30"/>
   </p:sldIdLst>
   <p:sldSz cx="12192000" cy="6858000"/>
   <p:notesSz cx="6858000" cy="9144000"/>
@@ -314,7 +316,7 @@
           <a:p>
             <a:fld id="{156F32FC-E0FE-45CF-AE1E-604DAEA3C56A}" type="datetimeFigureOut">
               <a:rPr lang="es-MX" smtClean="0"/>
-              <a:t>07/05/2019</a:t>
+              <a:t>08/05/2019</a:t>
             </a:fld>
             <a:endParaRPr lang="es-MX"/>
           </a:p>
@@ -484,7 +486,7 @@
           <a:p>
             <a:fld id="{156F32FC-E0FE-45CF-AE1E-604DAEA3C56A}" type="datetimeFigureOut">
               <a:rPr lang="es-MX" smtClean="0"/>
-              <a:t>07/05/2019</a:t>
+              <a:t>08/05/2019</a:t>
             </a:fld>
             <a:endParaRPr lang="es-MX"/>
           </a:p>
@@ -707,7 +709,7 @@
           <a:p>
             <a:fld id="{156F32FC-E0FE-45CF-AE1E-604DAEA3C56A}" type="datetimeFigureOut">
               <a:rPr lang="es-MX" smtClean="0"/>
-              <a:t>07/05/2019</a:t>
+              <a:t>08/05/2019</a:t>
             </a:fld>
             <a:endParaRPr lang="es-MX"/>
           </a:p>
@@ -769,6 +771,2428 @@
     <p:extLst>
       <p:ext uri="{BB962C8B-B14F-4D97-AF65-F5344CB8AC3E}">
         <p14:creationId xmlns:p14="http://schemas.microsoft.com/office/powerpoint/2010/main" val="502191606"/>
+      </p:ext>
+    </p:extLst>
+  </p:cSld>
+  <p:clrMapOvr>
+    <a:masterClrMapping/>
+  </p:clrMapOvr>
+</p:sldLayout>
+</file>
+
+<file path=ppt/slideLayouts/slideLayout12.xml><?xml version="1.0" encoding="utf-8"?>
+<p:sldLayout xmlns:a="http://schemas.openxmlformats.org/drawingml/2006/main" xmlns:r="http://schemas.openxmlformats.org/officeDocument/2006/relationships" xmlns:p="http://schemas.openxmlformats.org/presentationml/2006/main" type="title" preserve="1">
+  <p:cSld name="Diapositiva de título">
+    <p:spTree>
+      <p:nvGrpSpPr>
+        <p:cNvPr id="1" name=""/>
+        <p:cNvGrpSpPr/>
+        <p:nvPr/>
+      </p:nvGrpSpPr>
+      <p:grpSpPr>
+        <a:xfrm>
+          <a:off x="0" y="0"/>
+          <a:ext cx="0" cy="0"/>
+          <a:chOff x="0" y="0"/>
+          <a:chExt cx="0" cy="0"/>
+        </a:xfrm>
+      </p:grpSpPr>
+      <p:sp>
+        <p:nvSpPr>
+          <p:cNvPr id="2" name="Title 1"/>
+          <p:cNvSpPr>
+            <a:spLocks noGrp="1"/>
+          </p:cNvSpPr>
+          <p:nvPr>
+            <p:ph type="ctrTitle"/>
+          </p:nvPr>
+        </p:nvSpPr>
+        <p:spPr>
+          <a:xfrm>
+            <a:off x="2589213" y="2514600"/>
+            <a:ext cx="8915399" cy="2262781"/>
+          </a:xfrm>
+        </p:spPr>
+        <p:txBody>
+          <a:bodyPr anchor="b">
+            <a:normAutofit/>
+          </a:bodyPr>
+          <a:lstStyle>
+            <a:lvl1pPr>
+              <a:defRPr sz="5400"/>
+            </a:lvl1pPr>
+          </a:lstStyle>
+          <a:p>
+            <a:r>
+              <a:rPr lang="es-ES"/>
+              <a:t>Haga clic para modificar el estilo de título del patrón</a:t>
+            </a:r>
+            <a:endParaRPr lang="en-US" dirty="0"/>
+          </a:p>
+        </p:txBody>
+      </p:sp>
+      <p:sp>
+        <p:nvSpPr>
+          <p:cNvPr id="3" name="Subtitle 2"/>
+          <p:cNvSpPr>
+            <a:spLocks noGrp="1"/>
+          </p:cNvSpPr>
+          <p:nvPr>
+            <p:ph type="subTitle" idx="1"/>
+          </p:nvPr>
+        </p:nvSpPr>
+        <p:spPr>
+          <a:xfrm>
+            <a:off x="2589213" y="4777379"/>
+            <a:ext cx="8915399" cy="1126283"/>
+          </a:xfrm>
+        </p:spPr>
+        <p:txBody>
+          <a:bodyPr anchor="t"/>
+          <a:lstStyle>
+            <a:lvl1pPr marL="0" indent="0" algn="l">
+              <a:buNone/>
+              <a:defRPr>
+                <a:solidFill>
+                  <a:schemeClr val="tx1">
+                    <a:lumMod val="65000"/>
+                    <a:lumOff val="35000"/>
+                  </a:schemeClr>
+                </a:solidFill>
+              </a:defRPr>
+            </a:lvl1pPr>
+            <a:lvl2pPr marL="457200" indent="0" algn="ctr">
+              <a:buNone/>
+              <a:defRPr>
+                <a:solidFill>
+                  <a:schemeClr val="tx1">
+                    <a:tint val="75000"/>
+                  </a:schemeClr>
+                </a:solidFill>
+              </a:defRPr>
+            </a:lvl2pPr>
+            <a:lvl3pPr marL="914400" indent="0" algn="ctr">
+              <a:buNone/>
+              <a:defRPr>
+                <a:solidFill>
+                  <a:schemeClr val="tx1">
+                    <a:tint val="75000"/>
+                  </a:schemeClr>
+                </a:solidFill>
+              </a:defRPr>
+            </a:lvl3pPr>
+            <a:lvl4pPr marL="1371600" indent="0" algn="ctr">
+              <a:buNone/>
+              <a:defRPr>
+                <a:solidFill>
+                  <a:schemeClr val="tx1">
+                    <a:tint val="75000"/>
+                  </a:schemeClr>
+                </a:solidFill>
+              </a:defRPr>
+            </a:lvl4pPr>
+            <a:lvl5pPr marL="1828800" indent="0" algn="ctr">
+              <a:buNone/>
+              <a:defRPr>
+                <a:solidFill>
+                  <a:schemeClr val="tx1">
+                    <a:tint val="75000"/>
+                  </a:schemeClr>
+                </a:solidFill>
+              </a:defRPr>
+            </a:lvl5pPr>
+            <a:lvl6pPr marL="2286000" indent="0" algn="ctr">
+              <a:buNone/>
+              <a:defRPr>
+                <a:solidFill>
+                  <a:schemeClr val="tx1">
+                    <a:tint val="75000"/>
+                  </a:schemeClr>
+                </a:solidFill>
+              </a:defRPr>
+            </a:lvl6pPr>
+            <a:lvl7pPr marL="2743200" indent="0" algn="ctr">
+              <a:buNone/>
+              <a:defRPr>
+                <a:solidFill>
+                  <a:schemeClr val="tx1">
+                    <a:tint val="75000"/>
+                  </a:schemeClr>
+                </a:solidFill>
+              </a:defRPr>
+            </a:lvl7pPr>
+            <a:lvl8pPr marL="3200400" indent="0" algn="ctr">
+              <a:buNone/>
+              <a:defRPr>
+                <a:solidFill>
+                  <a:schemeClr val="tx1">
+                    <a:tint val="75000"/>
+                  </a:schemeClr>
+                </a:solidFill>
+              </a:defRPr>
+            </a:lvl8pPr>
+            <a:lvl9pPr marL="3657600" indent="0" algn="ctr">
+              <a:buNone/>
+              <a:defRPr>
+                <a:solidFill>
+                  <a:schemeClr val="tx1">
+                    <a:tint val="75000"/>
+                  </a:schemeClr>
+                </a:solidFill>
+              </a:defRPr>
+            </a:lvl9pPr>
+          </a:lstStyle>
+          <a:p>
+            <a:r>
+              <a:rPr lang="es-ES"/>
+              <a:t>Haga clic para modificar el estilo de subtítulo del patrón</a:t>
+            </a:r>
+            <a:endParaRPr lang="en-US" dirty="0"/>
+          </a:p>
+        </p:txBody>
+      </p:sp>
+      <p:sp>
+        <p:nvSpPr>
+          <p:cNvPr id="4" name="Date Placeholder 3"/>
+          <p:cNvSpPr>
+            <a:spLocks noGrp="1"/>
+          </p:cNvSpPr>
+          <p:nvPr>
+            <p:ph type="dt" sz="half" idx="10"/>
+          </p:nvPr>
+        </p:nvSpPr>
+        <p:spPr/>
+        <p:txBody>
+          <a:bodyPr/>
+          <a:lstStyle/>
+          <a:p>
+            <a:fld id="{156F32FC-E0FE-45CF-AE1E-604DAEA3C56A}" type="datetimeFigureOut">
+              <a:rPr lang="es-MX" smtClean="0"/>
+              <a:t>08/05/2019</a:t>
+            </a:fld>
+            <a:endParaRPr lang="es-MX"/>
+          </a:p>
+        </p:txBody>
+      </p:sp>
+      <p:sp>
+        <p:nvSpPr>
+          <p:cNvPr id="5" name="Footer Placeholder 4"/>
+          <p:cNvSpPr>
+            <a:spLocks noGrp="1"/>
+          </p:cNvSpPr>
+          <p:nvPr>
+            <p:ph type="ftr" sz="quarter" idx="11"/>
+          </p:nvPr>
+        </p:nvSpPr>
+        <p:spPr/>
+        <p:txBody>
+          <a:bodyPr/>
+          <a:lstStyle/>
+          <a:p>
+            <a:endParaRPr lang="es-MX"/>
+          </a:p>
+        </p:txBody>
+      </p:sp>
+      <p:sp>
+        <p:nvSpPr>
+          <p:cNvPr id="7" name="Freeform 6"/>
+          <p:cNvSpPr/>
+          <p:nvPr/>
+        </p:nvSpPr>
+        <p:spPr bwMode="auto">
+          <a:xfrm>
+            <a:off x="0" y="4323810"/>
+            <a:ext cx="1744652" cy="778589"/>
+          </a:xfrm>
+          <a:custGeom>
+            <a:avLst/>
+            <a:gdLst/>
+            <a:ahLst/>
+            <a:cxnLst/>
+            <a:rect l="0" t="0" r="r" b="b"/>
+            <a:pathLst>
+              <a:path w="372" h="166">
+                <a:moveTo>
+                  <a:pt x="287" y="166"/>
+                </a:moveTo>
+                <a:cubicBezTo>
+                  <a:pt x="290" y="166"/>
+                  <a:pt x="292" y="165"/>
+                  <a:pt x="293" y="164"/>
+                </a:cubicBezTo>
+                <a:cubicBezTo>
+                  <a:pt x="293" y="163"/>
+                  <a:pt x="294" y="163"/>
+                  <a:pt x="294" y="163"/>
+                </a:cubicBezTo>
+                <a:cubicBezTo>
+                  <a:pt x="370" y="87"/>
+                  <a:pt x="370" y="87"/>
+                  <a:pt x="370" y="87"/>
+                </a:cubicBezTo>
+                <a:cubicBezTo>
+                  <a:pt x="372" y="85"/>
+                  <a:pt x="372" y="81"/>
+                  <a:pt x="370" y="78"/>
+                </a:cubicBezTo>
+                <a:cubicBezTo>
+                  <a:pt x="294" y="3"/>
+                  <a:pt x="294" y="3"/>
+                  <a:pt x="294" y="3"/>
+                </a:cubicBezTo>
+                <a:cubicBezTo>
+                  <a:pt x="294" y="2"/>
+                  <a:pt x="293" y="2"/>
+                  <a:pt x="293" y="2"/>
+                </a:cubicBezTo>
+                <a:cubicBezTo>
+                  <a:pt x="292" y="1"/>
+                  <a:pt x="290" y="0"/>
+                  <a:pt x="287" y="0"/>
+                </a:cubicBezTo>
+                <a:cubicBezTo>
+                  <a:pt x="0" y="0"/>
+                  <a:pt x="0" y="0"/>
+                  <a:pt x="0" y="0"/>
+                </a:cubicBezTo>
+                <a:cubicBezTo>
+                  <a:pt x="0" y="166"/>
+                  <a:pt x="0" y="166"/>
+                  <a:pt x="0" y="166"/>
+                </a:cubicBezTo>
+                <a:lnTo>
+                  <a:pt x="287" y="166"/>
+                </a:lnTo>
+                <a:close/>
+              </a:path>
+            </a:pathLst>
+          </a:custGeom>
+          <a:solidFill>
+            <a:schemeClr val="accent1"/>
+          </a:solidFill>
+          <a:ln>
+            <a:noFill/>
+          </a:ln>
+        </p:spPr>
+      </p:sp>
+      <p:sp>
+        <p:nvSpPr>
+          <p:cNvPr id="6" name="Slide Number Placeholder 5"/>
+          <p:cNvSpPr>
+            <a:spLocks noGrp="1"/>
+          </p:cNvSpPr>
+          <p:nvPr>
+            <p:ph type="sldNum" sz="quarter" idx="12"/>
+          </p:nvPr>
+        </p:nvSpPr>
+        <p:spPr>
+          <a:xfrm>
+            <a:off x="531812" y="4529540"/>
+            <a:ext cx="779767" cy="365125"/>
+          </a:xfrm>
+        </p:spPr>
+        <p:txBody>
+          <a:bodyPr/>
+          <a:lstStyle/>
+          <a:p>
+            <a:fld id="{315E141C-80C7-4D49-948F-B64DEFB3BC22}" type="slidenum">
+              <a:rPr lang="es-MX" smtClean="0"/>
+              <a:t>‹Nº›</a:t>
+            </a:fld>
+            <a:endParaRPr lang="es-MX"/>
+          </a:p>
+        </p:txBody>
+      </p:sp>
+    </p:spTree>
+    <p:extLst>
+      <p:ext uri="{BB962C8B-B14F-4D97-AF65-F5344CB8AC3E}">
+        <p14:creationId xmlns:p14="http://schemas.microsoft.com/office/powerpoint/2010/main" val="1369125031"/>
+      </p:ext>
+    </p:extLst>
+  </p:cSld>
+  <p:clrMapOvr>
+    <a:masterClrMapping/>
+  </p:clrMapOvr>
+</p:sldLayout>
+</file>
+
+<file path=ppt/slideLayouts/slideLayout13.xml><?xml version="1.0" encoding="utf-8"?>
+<p:sldLayout xmlns:a="http://schemas.openxmlformats.org/drawingml/2006/main" xmlns:r="http://schemas.openxmlformats.org/officeDocument/2006/relationships" xmlns:p="http://schemas.openxmlformats.org/presentationml/2006/main" type="obj" preserve="1">
+  <p:cSld name="Título y objetos">
+    <p:spTree>
+      <p:nvGrpSpPr>
+        <p:cNvPr id="1" name=""/>
+        <p:cNvGrpSpPr/>
+        <p:nvPr/>
+      </p:nvGrpSpPr>
+      <p:grpSpPr>
+        <a:xfrm>
+          <a:off x="0" y="0"/>
+          <a:ext cx="0" cy="0"/>
+          <a:chOff x="0" y="0"/>
+          <a:chExt cx="0" cy="0"/>
+        </a:xfrm>
+      </p:grpSpPr>
+      <p:sp>
+        <p:nvSpPr>
+          <p:cNvPr id="2" name="Title 1"/>
+          <p:cNvSpPr>
+            <a:spLocks noGrp="1"/>
+          </p:cNvSpPr>
+          <p:nvPr>
+            <p:ph type="title"/>
+          </p:nvPr>
+        </p:nvSpPr>
+        <p:spPr>
+          <a:xfrm>
+            <a:off x="2592925" y="624110"/>
+            <a:ext cx="8911687" cy="1280890"/>
+          </a:xfrm>
+        </p:spPr>
+        <p:txBody>
+          <a:bodyPr/>
+          <a:lstStyle/>
+          <a:p>
+            <a:r>
+              <a:rPr lang="es-ES"/>
+              <a:t>Haga clic para modificar el estilo de título del patrón</a:t>
+            </a:r>
+            <a:endParaRPr lang="en-US" dirty="0"/>
+          </a:p>
+        </p:txBody>
+      </p:sp>
+      <p:sp>
+        <p:nvSpPr>
+          <p:cNvPr id="3" name="Content Placeholder 2"/>
+          <p:cNvSpPr>
+            <a:spLocks noGrp="1"/>
+          </p:cNvSpPr>
+          <p:nvPr>
+            <p:ph idx="1"/>
+          </p:nvPr>
+        </p:nvSpPr>
+        <p:spPr>
+          <a:xfrm>
+            <a:off x="2589212" y="2133600"/>
+            <a:ext cx="8915400" cy="3777622"/>
+          </a:xfrm>
+        </p:spPr>
+        <p:txBody>
+          <a:bodyPr/>
+          <a:lstStyle/>
+          <a:p>
+            <a:pPr lvl="0"/>
+            <a:r>
+              <a:rPr lang="es-ES"/>
+              <a:t>Haga clic para modificar los estilos de texto del patrón</a:t>
+            </a:r>
+          </a:p>
+          <a:p>
+            <a:pPr lvl="1"/>
+            <a:r>
+              <a:rPr lang="es-ES"/>
+              <a:t>Segundo nivel</a:t>
+            </a:r>
+          </a:p>
+          <a:p>
+            <a:pPr lvl="2"/>
+            <a:r>
+              <a:rPr lang="es-ES"/>
+              <a:t>Tercer nivel</a:t>
+            </a:r>
+          </a:p>
+          <a:p>
+            <a:pPr lvl="3"/>
+            <a:r>
+              <a:rPr lang="es-ES"/>
+              <a:t>Cuarto nivel</a:t>
+            </a:r>
+          </a:p>
+          <a:p>
+            <a:pPr lvl="4"/>
+            <a:r>
+              <a:rPr lang="es-ES"/>
+              <a:t>Quinto nivel</a:t>
+            </a:r>
+            <a:endParaRPr lang="en-US" dirty="0"/>
+          </a:p>
+        </p:txBody>
+      </p:sp>
+      <p:sp>
+        <p:nvSpPr>
+          <p:cNvPr id="4" name="Date Placeholder 3"/>
+          <p:cNvSpPr>
+            <a:spLocks noGrp="1"/>
+          </p:cNvSpPr>
+          <p:nvPr>
+            <p:ph type="dt" sz="half" idx="10"/>
+          </p:nvPr>
+        </p:nvSpPr>
+        <p:spPr/>
+        <p:txBody>
+          <a:bodyPr/>
+          <a:lstStyle/>
+          <a:p>
+            <a:fld id="{156F32FC-E0FE-45CF-AE1E-604DAEA3C56A}" type="datetimeFigureOut">
+              <a:rPr lang="es-MX" smtClean="0"/>
+              <a:t>08/05/2019</a:t>
+            </a:fld>
+            <a:endParaRPr lang="es-MX"/>
+          </a:p>
+        </p:txBody>
+      </p:sp>
+      <p:sp>
+        <p:nvSpPr>
+          <p:cNvPr id="5" name="Footer Placeholder 4"/>
+          <p:cNvSpPr>
+            <a:spLocks noGrp="1"/>
+          </p:cNvSpPr>
+          <p:nvPr>
+            <p:ph type="ftr" sz="quarter" idx="11"/>
+          </p:nvPr>
+        </p:nvSpPr>
+        <p:spPr/>
+        <p:txBody>
+          <a:bodyPr/>
+          <a:lstStyle/>
+          <a:p>
+            <a:endParaRPr lang="es-MX"/>
+          </a:p>
+        </p:txBody>
+      </p:sp>
+      <p:sp>
+        <p:nvSpPr>
+          <p:cNvPr id="8" name="Freeform 11"/>
+          <p:cNvSpPr/>
+          <p:nvPr/>
+        </p:nvSpPr>
+        <p:spPr bwMode="auto">
+          <a:xfrm flipV="1">
+            <a:off x="-4189" y="714375"/>
+            <a:ext cx="1588527" cy="507297"/>
+          </a:xfrm>
+          <a:custGeom>
+            <a:avLst/>
+            <a:gdLst/>
+            <a:ahLst/>
+            <a:cxnLst/>
+            <a:rect l="l" t="t" r="r" b="b"/>
+            <a:pathLst>
+              <a:path w="9248" h="10000">
+                <a:moveTo>
+                  <a:pt x="9248" y="4701"/>
+                </a:moveTo>
+                <a:lnTo>
+                  <a:pt x="7915" y="188"/>
+                </a:lnTo>
+                <a:cubicBezTo>
+                  <a:pt x="7906" y="156"/>
+                  <a:pt x="7895" y="126"/>
+                  <a:pt x="7886" y="94"/>
+                </a:cubicBezTo>
+                <a:cubicBezTo>
+                  <a:pt x="7859" y="0"/>
+                  <a:pt x="7831" y="0"/>
+                  <a:pt x="7803" y="0"/>
+                </a:cubicBezTo>
+                <a:lnTo>
+                  <a:pt x="7275" y="0"/>
+                </a:lnTo>
+                <a:lnTo>
+                  <a:pt x="0" y="70"/>
+                </a:lnTo>
+                <a:cubicBezTo>
+                  <a:pt x="8" y="3380"/>
+                  <a:pt x="17" y="6690"/>
+                  <a:pt x="25" y="10000"/>
+                </a:cubicBezTo>
+                <a:lnTo>
+                  <a:pt x="7275" y="9966"/>
+                </a:lnTo>
+                <a:lnTo>
+                  <a:pt x="7803" y="9966"/>
+                </a:lnTo>
+                <a:cubicBezTo>
+                  <a:pt x="7831" y="9966"/>
+                  <a:pt x="7859" y="9872"/>
+                  <a:pt x="7886" y="9872"/>
+                </a:cubicBezTo>
+                <a:cubicBezTo>
+                  <a:pt x="7886" y="9778"/>
+                  <a:pt x="7915" y="9778"/>
+                  <a:pt x="7915" y="9778"/>
+                </a:cubicBezTo>
+                <a:lnTo>
+                  <a:pt x="9248" y="5265"/>
+                </a:lnTo>
+                <a:cubicBezTo>
+                  <a:pt x="9303" y="5077"/>
+                  <a:pt x="9303" y="4889"/>
+                  <a:pt x="9248" y="4701"/>
+                </a:cubicBezTo>
+                <a:close/>
+              </a:path>
+            </a:pathLst>
+          </a:custGeom>
+          <a:solidFill>
+            <a:schemeClr val="accent1"/>
+          </a:solidFill>
+          <a:ln>
+            <a:noFill/>
+          </a:ln>
+        </p:spPr>
+      </p:sp>
+      <p:sp>
+        <p:nvSpPr>
+          <p:cNvPr id="6" name="Slide Number Placeholder 5"/>
+          <p:cNvSpPr>
+            <a:spLocks noGrp="1"/>
+          </p:cNvSpPr>
+          <p:nvPr>
+            <p:ph type="sldNum" sz="quarter" idx="12"/>
+          </p:nvPr>
+        </p:nvSpPr>
+        <p:spPr/>
+        <p:txBody>
+          <a:bodyPr/>
+          <a:lstStyle/>
+          <a:p>
+            <a:fld id="{315E141C-80C7-4D49-948F-B64DEFB3BC22}" type="slidenum">
+              <a:rPr lang="es-MX" smtClean="0"/>
+              <a:t>‹Nº›</a:t>
+            </a:fld>
+            <a:endParaRPr lang="es-MX"/>
+          </a:p>
+        </p:txBody>
+      </p:sp>
+    </p:spTree>
+    <p:extLst>
+      <p:ext uri="{BB962C8B-B14F-4D97-AF65-F5344CB8AC3E}">
+        <p14:creationId xmlns:p14="http://schemas.microsoft.com/office/powerpoint/2010/main" val="3204153548"/>
+      </p:ext>
+    </p:extLst>
+  </p:cSld>
+  <p:clrMapOvr>
+    <a:masterClrMapping/>
+  </p:clrMapOvr>
+</p:sldLayout>
+</file>
+
+<file path=ppt/slideLayouts/slideLayout14.xml><?xml version="1.0" encoding="utf-8"?>
+<p:sldLayout xmlns:a="http://schemas.openxmlformats.org/drawingml/2006/main" xmlns:r="http://schemas.openxmlformats.org/officeDocument/2006/relationships" xmlns:p="http://schemas.openxmlformats.org/presentationml/2006/main" type="secHead" preserve="1">
+  <p:cSld name="Encabezado de sección">
+    <p:spTree>
+      <p:nvGrpSpPr>
+        <p:cNvPr id="1" name=""/>
+        <p:cNvGrpSpPr/>
+        <p:nvPr/>
+      </p:nvGrpSpPr>
+      <p:grpSpPr>
+        <a:xfrm>
+          <a:off x="0" y="0"/>
+          <a:ext cx="0" cy="0"/>
+          <a:chOff x="0" y="0"/>
+          <a:chExt cx="0" cy="0"/>
+        </a:xfrm>
+      </p:grpSpPr>
+      <p:sp>
+        <p:nvSpPr>
+          <p:cNvPr id="2" name="Title 1"/>
+          <p:cNvSpPr>
+            <a:spLocks noGrp="1"/>
+          </p:cNvSpPr>
+          <p:nvPr>
+            <p:ph type="title"/>
+          </p:nvPr>
+        </p:nvSpPr>
+        <p:spPr>
+          <a:xfrm>
+            <a:off x="2589212" y="2058750"/>
+            <a:ext cx="8915399" cy="1468800"/>
+          </a:xfrm>
+        </p:spPr>
+        <p:txBody>
+          <a:bodyPr anchor="b"/>
+          <a:lstStyle>
+            <a:lvl1pPr algn="l">
+              <a:defRPr sz="4000" b="0" cap="none"/>
+            </a:lvl1pPr>
+          </a:lstStyle>
+          <a:p>
+            <a:r>
+              <a:rPr lang="es-ES"/>
+              <a:t>Haga clic para modificar el estilo de título del patrón</a:t>
+            </a:r>
+            <a:endParaRPr lang="en-US" dirty="0"/>
+          </a:p>
+        </p:txBody>
+      </p:sp>
+      <p:sp>
+        <p:nvSpPr>
+          <p:cNvPr id="3" name="Text Placeholder 2"/>
+          <p:cNvSpPr>
+            <a:spLocks noGrp="1"/>
+          </p:cNvSpPr>
+          <p:nvPr>
+            <p:ph type="body" idx="1"/>
+          </p:nvPr>
+        </p:nvSpPr>
+        <p:spPr>
+          <a:xfrm>
+            <a:off x="2589212" y="3530129"/>
+            <a:ext cx="8915399" cy="860400"/>
+          </a:xfrm>
+        </p:spPr>
+        <p:txBody>
+          <a:bodyPr anchor="t"/>
+          <a:lstStyle>
+            <a:lvl1pPr marL="0" indent="0" algn="l">
+              <a:buNone/>
+              <a:defRPr sz="2000">
+                <a:solidFill>
+                  <a:schemeClr val="tx1">
+                    <a:lumMod val="65000"/>
+                    <a:lumOff val="35000"/>
+                  </a:schemeClr>
+                </a:solidFill>
+              </a:defRPr>
+            </a:lvl1pPr>
+            <a:lvl2pPr marL="457200" indent="0">
+              <a:buNone/>
+              <a:defRPr sz="1800">
+                <a:solidFill>
+                  <a:schemeClr val="tx1">
+                    <a:tint val="75000"/>
+                  </a:schemeClr>
+                </a:solidFill>
+              </a:defRPr>
+            </a:lvl2pPr>
+            <a:lvl3pPr marL="914400" indent="0">
+              <a:buNone/>
+              <a:defRPr sz="1600">
+                <a:solidFill>
+                  <a:schemeClr val="tx1">
+                    <a:tint val="75000"/>
+                  </a:schemeClr>
+                </a:solidFill>
+              </a:defRPr>
+            </a:lvl3pPr>
+            <a:lvl4pPr marL="1371600" indent="0">
+              <a:buNone/>
+              <a:defRPr sz="1400">
+                <a:solidFill>
+                  <a:schemeClr val="tx1">
+                    <a:tint val="75000"/>
+                  </a:schemeClr>
+                </a:solidFill>
+              </a:defRPr>
+            </a:lvl4pPr>
+            <a:lvl5pPr marL="1828800" indent="0">
+              <a:buNone/>
+              <a:defRPr sz="1400">
+                <a:solidFill>
+                  <a:schemeClr val="tx1">
+                    <a:tint val="75000"/>
+                  </a:schemeClr>
+                </a:solidFill>
+              </a:defRPr>
+            </a:lvl5pPr>
+            <a:lvl6pPr marL="2286000" indent="0">
+              <a:buNone/>
+              <a:defRPr sz="1400">
+                <a:solidFill>
+                  <a:schemeClr val="tx1">
+                    <a:tint val="75000"/>
+                  </a:schemeClr>
+                </a:solidFill>
+              </a:defRPr>
+            </a:lvl6pPr>
+            <a:lvl7pPr marL="2743200" indent="0">
+              <a:buNone/>
+              <a:defRPr sz="1400">
+                <a:solidFill>
+                  <a:schemeClr val="tx1">
+                    <a:tint val="75000"/>
+                  </a:schemeClr>
+                </a:solidFill>
+              </a:defRPr>
+            </a:lvl7pPr>
+            <a:lvl8pPr marL="3200400" indent="0">
+              <a:buNone/>
+              <a:defRPr sz="1400">
+                <a:solidFill>
+                  <a:schemeClr val="tx1">
+                    <a:tint val="75000"/>
+                  </a:schemeClr>
+                </a:solidFill>
+              </a:defRPr>
+            </a:lvl8pPr>
+            <a:lvl9pPr marL="3657600" indent="0">
+              <a:buNone/>
+              <a:defRPr sz="1400">
+                <a:solidFill>
+                  <a:schemeClr val="tx1">
+                    <a:tint val="75000"/>
+                  </a:schemeClr>
+                </a:solidFill>
+              </a:defRPr>
+            </a:lvl9pPr>
+          </a:lstStyle>
+          <a:p>
+            <a:pPr lvl="0"/>
+            <a:r>
+              <a:rPr lang="es-ES"/>
+              <a:t>Haga clic para modificar los estilos de texto del patrón</a:t>
+            </a:r>
+          </a:p>
+        </p:txBody>
+      </p:sp>
+      <p:sp>
+        <p:nvSpPr>
+          <p:cNvPr id="4" name="Date Placeholder 3"/>
+          <p:cNvSpPr>
+            <a:spLocks noGrp="1"/>
+          </p:cNvSpPr>
+          <p:nvPr>
+            <p:ph type="dt" sz="half" idx="10"/>
+          </p:nvPr>
+        </p:nvSpPr>
+        <p:spPr/>
+        <p:txBody>
+          <a:bodyPr/>
+          <a:lstStyle/>
+          <a:p>
+            <a:fld id="{156F32FC-E0FE-45CF-AE1E-604DAEA3C56A}" type="datetimeFigureOut">
+              <a:rPr lang="es-MX" smtClean="0"/>
+              <a:t>08/05/2019</a:t>
+            </a:fld>
+            <a:endParaRPr lang="es-MX"/>
+          </a:p>
+        </p:txBody>
+      </p:sp>
+      <p:sp>
+        <p:nvSpPr>
+          <p:cNvPr id="5" name="Footer Placeholder 4"/>
+          <p:cNvSpPr>
+            <a:spLocks noGrp="1"/>
+          </p:cNvSpPr>
+          <p:nvPr>
+            <p:ph type="ftr" sz="quarter" idx="11"/>
+          </p:nvPr>
+        </p:nvSpPr>
+        <p:spPr/>
+        <p:txBody>
+          <a:bodyPr/>
+          <a:lstStyle/>
+          <a:p>
+            <a:endParaRPr lang="es-MX"/>
+          </a:p>
+        </p:txBody>
+      </p:sp>
+      <p:sp>
+        <p:nvSpPr>
+          <p:cNvPr id="9" name="Freeform 11"/>
+          <p:cNvSpPr/>
+          <p:nvPr/>
+        </p:nvSpPr>
+        <p:spPr bwMode="auto">
+          <a:xfrm flipV="1">
+            <a:off x="-4189" y="3178175"/>
+            <a:ext cx="1588527" cy="507297"/>
+          </a:xfrm>
+          <a:custGeom>
+            <a:avLst/>
+            <a:gdLst/>
+            <a:ahLst/>
+            <a:cxnLst/>
+            <a:rect l="l" t="t" r="r" b="b"/>
+            <a:pathLst>
+              <a:path w="9248" h="10000">
+                <a:moveTo>
+                  <a:pt x="9248" y="4701"/>
+                </a:moveTo>
+                <a:lnTo>
+                  <a:pt x="7915" y="188"/>
+                </a:lnTo>
+                <a:cubicBezTo>
+                  <a:pt x="7906" y="156"/>
+                  <a:pt x="7895" y="126"/>
+                  <a:pt x="7886" y="94"/>
+                </a:cubicBezTo>
+                <a:cubicBezTo>
+                  <a:pt x="7859" y="0"/>
+                  <a:pt x="7831" y="0"/>
+                  <a:pt x="7803" y="0"/>
+                </a:cubicBezTo>
+                <a:lnTo>
+                  <a:pt x="7275" y="0"/>
+                </a:lnTo>
+                <a:lnTo>
+                  <a:pt x="0" y="70"/>
+                </a:lnTo>
+                <a:cubicBezTo>
+                  <a:pt x="8" y="3380"/>
+                  <a:pt x="17" y="6690"/>
+                  <a:pt x="25" y="10000"/>
+                </a:cubicBezTo>
+                <a:lnTo>
+                  <a:pt x="7275" y="9966"/>
+                </a:lnTo>
+                <a:lnTo>
+                  <a:pt x="7803" y="9966"/>
+                </a:lnTo>
+                <a:cubicBezTo>
+                  <a:pt x="7831" y="9966"/>
+                  <a:pt x="7859" y="9872"/>
+                  <a:pt x="7886" y="9872"/>
+                </a:cubicBezTo>
+                <a:cubicBezTo>
+                  <a:pt x="7886" y="9778"/>
+                  <a:pt x="7915" y="9778"/>
+                  <a:pt x="7915" y="9778"/>
+                </a:cubicBezTo>
+                <a:lnTo>
+                  <a:pt x="9248" y="5265"/>
+                </a:lnTo>
+                <a:cubicBezTo>
+                  <a:pt x="9303" y="5077"/>
+                  <a:pt x="9303" y="4889"/>
+                  <a:pt x="9248" y="4701"/>
+                </a:cubicBezTo>
+                <a:close/>
+              </a:path>
+            </a:pathLst>
+          </a:custGeom>
+          <a:solidFill>
+            <a:schemeClr val="accent1"/>
+          </a:solidFill>
+          <a:ln>
+            <a:noFill/>
+          </a:ln>
+        </p:spPr>
+      </p:sp>
+      <p:sp>
+        <p:nvSpPr>
+          <p:cNvPr id="6" name="Slide Number Placeholder 5"/>
+          <p:cNvSpPr>
+            <a:spLocks noGrp="1"/>
+          </p:cNvSpPr>
+          <p:nvPr>
+            <p:ph type="sldNum" sz="quarter" idx="12"/>
+          </p:nvPr>
+        </p:nvSpPr>
+        <p:spPr>
+          <a:xfrm>
+            <a:off x="531812" y="3244139"/>
+            <a:ext cx="779767" cy="365125"/>
+          </a:xfrm>
+        </p:spPr>
+        <p:txBody>
+          <a:bodyPr/>
+          <a:lstStyle/>
+          <a:p>
+            <a:fld id="{315E141C-80C7-4D49-948F-B64DEFB3BC22}" type="slidenum">
+              <a:rPr lang="es-MX" smtClean="0"/>
+              <a:t>‹Nº›</a:t>
+            </a:fld>
+            <a:endParaRPr lang="es-MX"/>
+          </a:p>
+        </p:txBody>
+      </p:sp>
+    </p:spTree>
+    <p:extLst>
+      <p:ext uri="{BB962C8B-B14F-4D97-AF65-F5344CB8AC3E}">
+        <p14:creationId xmlns:p14="http://schemas.microsoft.com/office/powerpoint/2010/main" val="1863040961"/>
+      </p:ext>
+    </p:extLst>
+  </p:cSld>
+  <p:clrMapOvr>
+    <a:masterClrMapping/>
+  </p:clrMapOvr>
+</p:sldLayout>
+</file>
+
+<file path=ppt/slideLayouts/slideLayout15.xml><?xml version="1.0" encoding="utf-8"?>
+<p:sldLayout xmlns:a="http://schemas.openxmlformats.org/drawingml/2006/main" xmlns:r="http://schemas.openxmlformats.org/officeDocument/2006/relationships" xmlns:p="http://schemas.openxmlformats.org/presentationml/2006/main" type="twoObj" preserve="1">
+  <p:cSld name="Dos objetos">
+    <p:spTree>
+      <p:nvGrpSpPr>
+        <p:cNvPr id="1" name=""/>
+        <p:cNvGrpSpPr/>
+        <p:nvPr/>
+      </p:nvGrpSpPr>
+      <p:grpSpPr>
+        <a:xfrm>
+          <a:off x="0" y="0"/>
+          <a:ext cx="0" cy="0"/>
+          <a:chOff x="0" y="0"/>
+          <a:chExt cx="0" cy="0"/>
+        </a:xfrm>
+      </p:grpSpPr>
+      <p:sp>
+        <p:nvSpPr>
+          <p:cNvPr id="8" name="Title 7"/>
+          <p:cNvSpPr>
+            <a:spLocks noGrp="1"/>
+          </p:cNvSpPr>
+          <p:nvPr>
+            <p:ph type="title"/>
+          </p:nvPr>
+        </p:nvSpPr>
+        <p:spPr/>
+        <p:txBody>
+          <a:bodyPr/>
+          <a:lstStyle/>
+          <a:p>
+            <a:r>
+              <a:rPr lang="es-ES"/>
+              <a:t>Haga clic para modificar el estilo de título del patrón</a:t>
+            </a:r>
+            <a:endParaRPr lang="en-US" dirty="0"/>
+          </a:p>
+        </p:txBody>
+      </p:sp>
+      <p:sp>
+        <p:nvSpPr>
+          <p:cNvPr id="3" name="Content Placeholder 2"/>
+          <p:cNvSpPr>
+            <a:spLocks noGrp="1"/>
+          </p:cNvSpPr>
+          <p:nvPr>
+            <p:ph sz="half" idx="1"/>
+          </p:nvPr>
+        </p:nvSpPr>
+        <p:spPr>
+          <a:xfrm>
+            <a:off x="2589212" y="2133600"/>
+            <a:ext cx="4313864" cy="3777622"/>
+          </a:xfrm>
+        </p:spPr>
+        <p:txBody>
+          <a:bodyPr>
+            <a:normAutofit/>
+          </a:bodyPr>
+          <a:lstStyle/>
+          <a:p>
+            <a:pPr lvl="0"/>
+            <a:r>
+              <a:rPr lang="es-ES"/>
+              <a:t>Haga clic para modificar los estilos de texto del patrón</a:t>
+            </a:r>
+          </a:p>
+          <a:p>
+            <a:pPr lvl="1"/>
+            <a:r>
+              <a:rPr lang="es-ES"/>
+              <a:t>Segundo nivel</a:t>
+            </a:r>
+          </a:p>
+          <a:p>
+            <a:pPr lvl="2"/>
+            <a:r>
+              <a:rPr lang="es-ES"/>
+              <a:t>Tercer nivel</a:t>
+            </a:r>
+          </a:p>
+          <a:p>
+            <a:pPr lvl="3"/>
+            <a:r>
+              <a:rPr lang="es-ES"/>
+              <a:t>Cuarto nivel</a:t>
+            </a:r>
+          </a:p>
+          <a:p>
+            <a:pPr lvl="4"/>
+            <a:r>
+              <a:rPr lang="es-ES"/>
+              <a:t>Quinto nivel</a:t>
+            </a:r>
+            <a:endParaRPr lang="en-US" dirty="0"/>
+          </a:p>
+        </p:txBody>
+      </p:sp>
+      <p:sp>
+        <p:nvSpPr>
+          <p:cNvPr id="4" name="Content Placeholder 3"/>
+          <p:cNvSpPr>
+            <a:spLocks noGrp="1"/>
+          </p:cNvSpPr>
+          <p:nvPr>
+            <p:ph sz="half" idx="2"/>
+          </p:nvPr>
+        </p:nvSpPr>
+        <p:spPr>
+          <a:xfrm>
+            <a:off x="7190747" y="2126222"/>
+            <a:ext cx="4313864" cy="3777622"/>
+          </a:xfrm>
+        </p:spPr>
+        <p:txBody>
+          <a:bodyPr>
+            <a:normAutofit/>
+          </a:bodyPr>
+          <a:lstStyle/>
+          <a:p>
+            <a:pPr lvl="0"/>
+            <a:r>
+              <a:rPr lang="es-ES"/>
+              <a:t>Haga clic para modificar los estilos de texto del patrón</a:t>
+            </a:r>
+          </a:p>
+          <a:p>
+            <a:pPr lvl="1"/>
+            <a:r>
+              <a:rPr lang="es-ES"/>
+              <a:t>Segundo nivel</a:t>
+            </a:r>
+          </a:p>
+          <a:p>
+            <a:pPr lvl="2"/>
+            <a:r>
+              <a:rPr lang="es-ES"/>
+              <a:t>Tercer nivel</a:t>
+            </a:r>
+          </a:p>
+          <a:p>
+            <a:pPr lvl="3"/>
+            <a:r>
+              <a:rPr lang="es-ES"/>
+              <a:t>Cuarto nivel</a:t>
+            </a:r>
+          </a:p>
+          <a:p>
+            <a:pPr lvl="4"/>
+            <a:r>
+              <a:rPr lang="es-ES"/>
+              <a:t>Quinto nivel</a:t>
+            </a:r>
+            <a:endParaRPr lang="en-US" dirty="0"/>
+          </a:p>
+        </p:txBody>
+      </p:sp>
+      <p:sp>
+        <p:nvSpPr>
+          <p:cNvPr id="5" name="Date Placeholder 4"/>
+          <p:cNvSpPr>
+            <a:spLocks noGrp="1"/>
+          </p:cNvSpPr>
+          <p:nvPr>
+            <p:ph type="dt" sz="half" idx="10"/>
+          </p:nvPr>
+        </p:nvSpPr>
+        <p:spPr/>
+        <p:txBody>
+          <a:bodyPr/>
+          <a:lstStyle/>
+          <a:p>
+            <a:fld id="{156F32FC-E0FE-45CF-AE1E-604DAEA3C56A}" type="datetimeFigureOut">
+              <a:rPr lang="es-MX" smtClean="0"/>
+              <a:t>08/05/2019</a:t>
+            </a:fld>
+            <a:endParaRPr lang="es-MX"/>
+          </a:p>
+        </p:txBody>
+      </p:sp>
+      <p:sp>
+        <p:nvSpPr>
+          <p:cNvPr id="6" name="Footer Placeholder 5"/>
+          <p:cNvSpPr>
+            <a:spLocks noGrp="1"/>
+          </p:cNvSpPr>
+          <p:nvPr>
+            <p:ph type="ftr" sz="quarter" idx="11"/>
+          </p:nvPr>
+        </p:nvSpPr>
+        <p:spPr/>
+        <p:txBody>
+          <a:bodyPr/>
+          <a:lstStyle/>
+          <a:p>
+            <a:endParaRPr lang="es-MX"/>
+          </a:p>
+        </p:txBody>
+      </p:sp>
+      <p:sp>
+        <p:nvSpPr>
+          <p:cNvPr id="10" name="Freeform 11"/>
+          <p:cNvSpPr/>
+          <p:nvPr/>
+        </p:nvSpPr>
+        <p:spPr bwMode="auto">
+          <a:xfrm flipV="1">
+            <a:off x="-4189" y="714375"/>
+            <a:ext cx="1588527" cy="507297"/>
+          </a:xfrm>
+          <a:custGeom>
+            <a:avLst/>
+            <a:gdLst/>
+            <a:ahLst/>
+            <a:cxnLst/>
+            <a:rect l="l" t="t" r="r" b="b"/>
+            <a:pathLst>
+              <a:path w="9248" h="10000">
+                <a:moveTo>
+                  <a:pt x="9248" y="4701"/>
+                </a:moveTo>
+                <a:lnTo>
+                  <a:pt x="7915" y="188"/>
+                </a:lnTo>
+                <a:cubicBezTo>
+                  <a:pt x="7906" y="156"/>
+                  <a:pt x="7895" y="126"/>
+                  <a:pt x="7886" y="94"/>
+                </a:cubicBezTo>
+                <a:cubicBezTo>
+                  <a:pt x="7859" y="0"/>
+                  <a:pt x="7831" y="0"/>
+                  <a:pt x="7803" y="0"/>
+                </a:cubicBezTo>
+                <a:lnTo>
+                  <a:pt x="7275" y="0"/>
+                </a:lnTo>
+                <a:lnTo>
+                  <a:pt x="0" y="70"/>
+                </a:lnTo>
+                <a:cubicBezTo>
+                  <a:pt x="8" y="3380"/>
+                  <a:pt x="17" y="6690"/>
+                  <a:pt x="25" y="10000"/>
+                </a:cubicBezTo>
+                <a:lnTo>
+                  <a:pt x="7275" y="9966"/>
+                </a:lnTo>
+                <a:lnTo>
+                  <a:pt x="7803" y="9966"/>
+                </a:lnTo>
+                <a:cubicBezTo>
+                  <a:pt x="7831" y="9966"/>
+                  <a:pt x="7859" y="9872"/>
+                  <a:pt x="7886" y="9872"/>
+                </a:cubicBezTo>
+                <a:cubicBezTo>
+                  <a:pt x="7886" y="9778"/>
+                  <a:pt x="7915" y="9778"/>
+                  <a:pt x="7915" y="9778"/>
+                </a:cubicBezTo>
+                <a:lnTo>
+                  <a:pt x="9248" y="5265"/>
+                </a:lnTo>
+                <a:cubicBezTo>
+                  <a:pt x="9303" y="5077"/>
+                  <a:pt x="9303" y="4889"/>
+                  <a:pt x="9248" y="4701"/>
+                </a:cubicBezTo>
+                <a:close/>
+              </a:path>
+            </a:pathLst>
+          </a:custGeom>
+          <a:solidFill>
+            <a:schemeClr val="accent1"/>
+          </a:solidFill>
+          <a:ln>
+            <a:noFill/>
+          </a:ln>
+        </p:spPr>
+      </p:sp>
+      <p:sp>
+        <p:nvSpPr>
+          <p:cNvPr id="11" name="Slide Number Placeholder 5"/>
+          <p:cNvSpPr>
+            <a:spLocks noGrp="1"/>
+          </p:cNvSpPr>
+          <p:nvPr>
+            <p:ph type="sldNum" sz="quarter" idx="12"/>
+          </p:nvPr>
+        </p:nvSpPr>
+        <p:spPr>
+          <a:xfrm>
+            <a:off x="531812" y="787782"/>
+            <a:ext cx="779767" cy="365125"/>
+          </a:xfrm>
+        </p:spPr>
+        <p:txBody>
+          <a:bodyPr/>
+          <a:lstStyle/>
+          <a:p>
+            <a:fld id="{315E141C-80C7-4D49-948F-B64DEFB3BC22}" type="slidenum">
+              <a:rPr lang="es-MX" smtClean="0"/>
+              <a:t>‹Nº›</a:t>
+            </a:fld>
+            <a:endParaRPr lang="es-MX"/>
+          </a:p>
+        </p:txBody>
+      </p:sp>
+    </p:spTree>
+    <p:extLst>
+      <p:ext uri="{BB962C8B-B14F-4D97-AF65-F5344CB8AC3E}">
+        <p14:creationId xmlns:p14="http://schemas.microsoft.com/office/powerpoint/2010/main" val="1235416667"/>
+      </p:ext>
+    </p:extLst>
+  </p:cSld>
+  <p:clrMapOvr>
+    <a:masterClrMapping/>
+  </p:clrMapOvr>
+</p:sldLayout>
+</file>
+
+<file path=ppt/slideLayouts/slideLayout16.xml><?xml version="1.0" encoding="utf-8"?>
+<p:sldLayout xmlns:a="http://schemas.openxmlformats.org/drawingml/2006/main" xmlns:r="http://schemas.openxmlformats.org/officeDocument/2006/relationships" xmlns:p="http://schemas.openxmlformats.org/presentationml/2006/main" type="twoTxTwoObj" preserve="1">
+  <p:cSld name="Comparación">
+    <p:spTree>
+      <p:nvGrpSpPr>
+        <p:cNvPr id="1" name=""/>
+        <p:cNvGrpSpPr/>
+        <p:nvPr/>
+      </p:nvGrpSpPr>
+      <p:grpSpPr>
+        <a:xfrm>
+          <a:off x="0" y="0"/>
+          <a:ext cx="0" cy="0"/>
+          <a:chOff x="0" y="0"/>
+          <a:chExt cx="0" cy="0"/>
+        </a:xfrm>
+      </p:grpSpPr>
+      <p:sp>
+        <p:nvSpPr>
+          <p:cNvPr id="10" name="Title 9"/>
+          <p:cNvSpPr>
+            <a:spLocks noGrp="1"/>
+          </p:cNvSpPr>
+          <p:nvPr>
+            <p:ph type="title"/>
+          </p:nvPr>
+        </p:nvSpPr>
+        <p:spPr/>
+        <p:txBody>
+          <a:bodyPr/>
+          <a:lstStyle/>
+          <a:p>
+            <a:r>
+              <a:rPr lang="es-ES"/>
+              <a:t>Haga clic para modificar el estilo de título del patrón</a:t>
+            </a:r>
+            <a:endParaRPr lang="en-US" dirty="0"/>
+          </a:p>
+        </p:txBody>
+      </p:sp>
+      <p:sp>
+        <p:nvSpPr>
+          <p:cNvPr id="3" name="Text Placeholder 2"/>
+          <p:cNvSpPr>
+            <a:spLocks noGrp="1"/>
+          </p:cNvSpPr>
+          <p:nvPr>
+            <p:ph type="body" idx="1"/>
+          </p:nvPr>
+        </p:nvSpPr>
+        <p:spPr>
+          <a:xfrm>
+            <a:off x="2939373" y="1972703"/>
+            <a:ext cx="3992732" cy="576262"/>
+          </a:xfrm>
+        </p:spPr>
+        <p:txBody>
+          <a:bodyPr anchor="b">
+            <a:noAutofit/>
+          </a:bodyPr>
+          <a:lstStyle>
+            <a:lvl1pPr marL="0" indent="0">
+              <a:buNone/>
+              <a:defRPr sz="2400" b="0"/>
+            </a:lvl1pPr>
+            <a:lvl2pPr marL="457200" indent="0">
+              <a:buNone/>
+              <a:defRPr sz="2000" b="1"/>
+            </a:lvl2pPr>
+            <a:lvl3pPr marL="914400" indent="0">
+              <a:buNone/>
+              <a:defRPr sz="1800" b="1"/>
+            </a:lvl3pPr>
+            <a:lvl4pPr marL="1371600" indent="0">
+              <a:buNone/>
+              <a:defRPr sz="1600" b="1"/>
+            </a:lvl4pPr>
+            <a:lvl5pPr marL="1828800" indent="0">
+              <a:buNone/>
+              <a:defRPr sz="1600" b="1"/>
+            </a:lvl5pPr>
+            <a:lvl6pPr marL="2286000" indent="0">
+              <a:buNone/>
+              <a:defRPr sz="1600" b="1"/>
+            </a:lvl6pPr>
+            <a:lvl7pPr marL="2743200" indent="0">
+              <a:buNone/>
+              <a:defRPr sz="1600" b="1"/>
+            </a:lvl7pPr>
+            <a:lvl8pPr marL="3200400" indent="0">
+              <a:buNone/>
+              <a:defRPr sz="1600" b="1"/>
+            </a:lvl8pPr>
+            <a:lvl9pPr marL="3657600" indent="0">
+              <a:buNone/>
+              <a:defRPr sz="1600" b="1"/>
+            </a:lvl9pPr>
+          </a:lstStyle>
+          <a:p>
+            <a:pPr lvl="0"/>
+            <a:r>
+              <a:rPr lang="es-ES"/>
+              <a:t>Haga clic para modificar los estilos de texto del patrón</a:t>
+            </a:r>
+          </a:p>
+        </p:txBody>
+      </p:sp>
+      <p:sp>
+        <p:nvSpPr>
+          <p:cNvPr id="4" name="Content Placeholder 3"/>
+          <p:cNvSpPr>
+            <a:spLocks noGrp="1"/>
+          </p:cNvSpPr>
+          <p:nvPr>
+            <p:ph sz="half" idx="2"/>
+          </p:nvPr>
+        </p:nvSpPr>
+        <p:spPr>
+          <a:xfrm>
+            <a:off x="2589212" y="2548966"/>
+            <a:ext cx="4342893" cy="3354060"/>
+          </a:xfrm>
+        </p:spPr>
+        <p:txBody>
+          <a:bodyPr>
+            <a:normAutofit/>
+          </a:bodyPr>
+          <a:lstStyle/>
+          <a:p>
+            <a:pPr lvl="0"/>
+            <a:r>
+              <a:rPr lang="es-ES"/>
+              <a:t>Haga clic para modificar los estilos de texto del patrón</a:t>
+            </a:r>
+          </a:p>
+          <a:p>
+            <a:pPr lvl="1"/>
+            <a:r>
+              <a:rPr lang="es-ES"/>
+              <a:t>Segundo nivel</a:t>
+            </a:r>
+          </a:p>
+          <a:p>
+            <a:pPr lvl="2"/>
+            <a:r>
+              <a:rPr lang="es-ES"/>
+              <a:t>Tercer nivel</a:t>
+            </a:r>
+          </a:p>
+          <a:p>
+            <a:pPr lvl="3"/>
+            <a:r>
+              <a:rPr lang="es-ES"/>
+              <a:t>Cuarto nivel</a:t>
+            </a:r>
+          </a:p>
+          <a:p>
+            <a:pPr lvl="4"/>
+            <a:r>
+              <a:rPr lang="es-ES"/>
+              <a:t>Quinto nivel</a:t>
+            </a:r>
+            <a:endParaRPr lang="en-US" dirty="0"/>
+          </a:p>
+        </p:txBody>
+      </p:sp>
+      <p:sp>
+        <p:nvSpPr>
+          <p:cNvPr id="5" name="Text Placeholder 4"/>
+          <p:cNvSpPr>
+            <a:spLocks noGrp="1"/>
+          </p:cNvSpPr>
+          <p:nvPr>
+            <p:ph type="body" sz="quarter" idx="3"/>
+          </p:nvPr>
+        </p:nvSpPr>
+        <p:spPr>
+          <a:xfrm>
+            <a:off x="7506629" y="1969475"/>
+            <a:ext cx="3999001" cy="576262"/>
+          </a:xfrm>
+        </p:spPr>
+        <p:txBody>
+          <a:bodyPr anchor="b">
+            <a:noAutofit/>
+          </a:bodyPr>
+          <a:lstStyle>
+            <a:lvl1pPr marL="0" indent="0">
+              <a:buNone/>
+              <a:defRPr sz="2400" b="0"/>
+            </a:lvl1pPr>
+            <a:lvl2pPr marL="457200" indent="0">
+              <a:buNone/>
+              <a:defRPr sz="2000" b="1"/>
+            </a:lvl2pPr>
+            <a:lvl3pPr marL="914400" indent="0">
+              <a:buNone/>
+              <a:defRPr sz="1800" b="1"/>
+            </a:lvl3pPr>
+            <a:lvl4pPr marL="1371600" indent="0">
+              <a:buNone/>
+              <a:defRPr sz="1600" b="1"/>
+            </a:lvl4pPr>
+            <a:lvl5pPr marL="1828800" indent="0">
+              <a:buNone/>
+              <a:defRPr sz="1600" b="1"/>
+            </a:lvl5pPr>
+            <a:lvl6pPr marL="2286000" indent="0">
+              <a:buNone/>
+              <a:defRPr sz="1600" b="1"/>
+            </a:lvl6pPr>
+            <a:lvl7pPr marL="2743200" indent="0">
+              <a:buNone/>
+              <a:defRPr sz="1600" b="1"/>
+            </a:lvl7pPr>
+            <a:lvl8pPr marL="3200400" indent="0">
+              <a:buNone/>
+              <a:defRPr sz="1600" b="1"/>
+            </a:lvl8pPr>
+            <a:lvl9pPr marL="3657600" indent="0">
+              <a:buNone/>
+              <a:defRPr sz="1600" b="1"/>
+            </a:lvl9pPr>
+          </a:lstStyle>
+          <a:p>
+            <a:pPr lvl="0"/>
+            <a:r>
+              <a:rPr lang="es-ES"/>
+              <a:t>Haga clic para modificar los estilos de texto del patrón</a:t>
+            </a:r>
+          </a:p>
+        </p:txBody>
+      </p:sp>
+      <p:sp>
+        <p:nvSpPr>
+          <p:cNvPr id="6" name="Content Placeholder 5"/>
+          <p:cNvSpPr>
+            <a:spLocks noGrp="1"/>
+          </p:cNvSpPr>
+          <p:nvPr>
+            <p:ph sz="quarter" idx="4"/>
+          </p:nvPr>
+        </p:nvSpPr>
+        <p:spPr>
+          <a:xfrm>
+            <a:off x="7166957" y="2545738"/>
+            <a:ext cx="4338674" cy="3354060"/>
+          </a:xfrm>
+        </p:spPr>
+        <p:txBody>
+          <a:bodyPr>
+            <a:normAutofit/>
+          </a:bodyPr>
+          <a:lstStyle/>
+          <a:p>
+            <a:pPr lvl="0"/>
+            <a:r>
+              <a:rPr lang="es-ES"/>
+              <a:t>Haga clic para modificar los estilos de texto del patrón</a:t>
+            </a:r>
+          </a:p>
+          <a:p>
+            <a:pPr lvl="1"/>
+            <a:r>
+              <a:rPr lang="es-ES"/>
+              <a:t>Segundo nivel</a:t>
+            </a:r>
+          </a:p>
+          <a:p>
+            <a:pPr lvl="2"/>
+            <a:r>
+              <a:rPr lang="es-ES"/>
+              <a:t>Tercer nivel</a:t>
+            </a:r>
+          </a:p>
+          <a:p>
+            <a:pPr lvl="3"/>
+            <a:r>
+              <a:rPr lang="es-ES"/>
+              <a:t>Cuarto nivel</a:t>
+            </a:r>
+          </a:p>
+          <a:p>
+            <a:pPr lvl="4"/>
+            <a:r>
+              <a:rPr lang="es-ES"/>
+              <a:t>Quinto nivel</a:t>
+            </a:r>
+            <a:endParaRPr lang="en-US" dirty="0"/>
+          </a:p>
+        </p:txBody>
+      </p:sp>
+      <p:sp>
+        <p:nvSpPr>
+          <p:cNvPr id="7" name="Date Placeholder 6"/>
+          <p:cNvSpPr>
+            <a:spLocks noGrp="1"/>
+          </p:cNvSpPr>
+          <p:nvPr>
+            <p:ph type="dt" sz="half" idx="10"/>
+          </p:nvPr>
+        </p:nvSpPr>
+        <p:spPr/>
+        <p:txBody>
+          <a:bodyPr/>
+          <a:lstStyle/>
+          <a:p>
+            <a:fld id="{156F32FC-E0FE-45CF-AE1E-604DAEA3C56A}" type="datetimeFigureOut">
+              <a:rPr lang="es-MX" smtClean="0"/>
+              <a:t>08/05/2019</a:t>
+            </a:fld>
+            <a:endParaRPr lang="es-MX"/>
+          </a:p>
+        </p:txBody>
+      </p:sp>
+      <p:sp>
+        <p:nvSpPr>
+          <p:cNvPr id="8" name="Footer Placeholder 7"/>
+          <p:cNvSpPr>
+            <a:spLocks noGrp="1"/>
+          </p:cNvSpPr>
+          <p:nvPr>
+            <p:ph type="ftr" sz="quarter" idx="11"/>
+          </p:nvPr>
+        </p:nvSpPr>
+        <p:spPr/>
+        <p:txBody>
+          <a:bodyPr/>
+          <a:lstStyle/>
+          <a:p>
+            <a:endParaRPr lang="es-MX"/>
+          </a:p>
+        </p:txBody>
+      </p:sp>
+      <p:sp>
+        <p:nvSpPr>
+          <p:cNvPr id="12" name="Freeform 11"/>
+          <p:cNvSpPr/>
+          <p:nvPr/>
+        </p:nvSpPr>
+        <p:spPr bwMode="auto">
+          <a:xfrm flipV="1">
+            <a:off x="-4189" y="714375"/>
+            <a:ext cx="1588527" cy="507297"/>
+          </a:xfrm>
+          <a:custGeom>
+            <a:avLst/>
+            <a:gdLst/>
+            <a:ahLst/>
+            <a:cxnLst/>
+            <a:rect l="l" t="t" r="r" b="b"/>
+            <a:pathLst>
+              <a:path w="9248" h="10000">
+                <a:moveTo>
+                  <a:pt x="9248" y="4701"/>
+                </a:moveTo>
+                <a:lnTo>
+                  <a:pt x="7915" y="188"/>
+                </a:lnTo>
+                <a:cubicBezTo>
+                  <a:pt x="7906" y="156"/>
+                  <a:pt x="7895" y="126"/>
+                  <a:pt x="7886" y="94"/>
+                </a:cubicBezTo>
+                <a:cubicBezTo>
+                  <a:pt x="7859" y="0"/>
+                  <a:pt x="7831" y="0"/>
+                  <a:pt x="7803" y="0"/>
+                </a:cubicBezTo>
+                <a:lnTo>
+                  <a:pt x="7275" y="0"/>
+                </a:lnTo>
+                <a:lnTo>
+                  <a:pt x="0" y="70"/>
+                </a:lnTo>
+                <a:cubicBezTo>
+                  <a:pt x="8" y="3380"/>
+                  <a:pt x="17" y="6690"/>
+                  <a:pt x="25" y="10000"/>
+                </a:cubicBezTo>
+                <a:lnTo>
+                  <a:pt x="7275" y="9966"/>
+                </a:lnTo>
+                <a:lnTo>
+                  <a:pt x="7803" y="9966"/>
+                </a:lnTo>
+                <a:cubicBezTo>
+                  <a:pt x="7831" y="9966"/>
+                  <a:pt x="7859" y="9872"/>
+                  <a:pt x="7886" y="9872"/>
+                </a:cubicBezTo>
+                <a:cubicBezTo>
+                  <a:pt x="7886" y="9778"/>
+                  <a:pt x="7915" y="9778"/>
+                  <a:pt x="7915" y="9778"/>
+                </a:cubicBezTo>
+                <a:lnTo>
+                  <a:pt x="9248" y="5265"/>
+                </a:lnTo>
+                <a:cubicBezTo>
+                  <a:pt x="9303" y="5077"/>
+                  <a:pt x="9303" y="4889"/>
+                  <a:pt x="9248" y="4701"/>
+                </a:cubicBezTo>
+                <a:close/>
+              </a:path>
+            </a:pathLst>
+          </a:custGeom>
+          <a:solidFill>
+            <a:schemeClr val="accent1"/>
+          </a:solidFill>
+          <a:ln>
+            <a:noFill/>
+          </a:ln>
+        </p:spPr>
+      </p:sp>
+      <p:sp>
+        <p:nvSpPr>
+          <p:cNvPr id="13" name="Slide Number Placeholder 5"/>
+          <p:cNvSpPr>
+            <a:spLocks noGrp="1"/>
+          </p:cNvSpPr>
+          <p:nvPr>
+            <p:ph type="sldNum" sz="quarter" idx="12"/>
+          </p:nvPr>
+        </p:nvSpPr>
+        <p:spPr>
+          <a:xfrm>
+            <a:off x="531812" y="787782"/>
+            <a:ext cx="779767" cy="365125"/>
+          </a:xfrm>
+        </p:spPr>
+        <p:txBody>
+          <a:bodyPr/>
+          <a:lstStyle/>
+          <a:p>
+            <a:fld id="{315E141C-80C7-4D49-948F-B64DEFB3BC22}" type="slidenum">
+              <a:rPr lang="es-MX" smtClean="0"/>
+              <a:t>‹Nº›</a:t>
+            </a:fld>
+            <a:endParaRPr lang="es-MX"/>
+          </a:p>
+        </p:txBody>
+      </p:sp>
+    </p:spTree>
+    <p:extLst>
+      <p:ext uri="{BB962C8B-B14F-4D97-AF65-F5344CB8AC3E}">
+        <p14:creationId xmlns:p14="http://schemas.microsoft.com/office/powerpoint/2010/main" val="1772185959"/>
+      </p:ext>
+    </p:extLst>
+  </p:cSld>
+  <p:clrMapOvr>
+    <a:masterClrMapping/>
+  </p:clrMapOvr>
+</p:sldLayout>
+</file>
+
+<file path=ppt/slideLayouts/slideLayout17.xml><?xml version="1.0" encoding="utf-8"?>
+<p:sldLayout xmlns:a="http://schemas.openxmlformats.org/drawingml/2006/main" xmlns:r="http://schemas.openxmlformats.org/officeDocument/2006/relationships" xmlns:p="http://schemas.openxmlformats.org/presentationml/2006/main" type="titleOnly" preserve="1">
+  <p:cSld name="Solo el título">
+    <p:spTree>
+      <p:nvGrpSpPr>
+        <p:cNvPr id="1" name=""/>
+        <p:cNvGrpSpPr/>
+        <p:nvPr/>
+      </p:nvGrpSpPr>
+      <p:grpSpPr>
+        <a:xfrm>
+          <a:off x="0" y="0"/>
+          <a:ext cx="0" cy="0"/>
+          <a:chOff x="0" y="0"/>
+          <a:chExt cx="0" cy="0"/>
+        </a:xfrm>
+      </p:grpSpPr>
+      <p:sp>
+        <p:nvSpPr>
+          <p:cNvPr id="2" name="Title 1"/>
+          <p:cNvSpPr>
+            <a:spLocks noGrp="1"/>
+          </p:cNvSpPr>
+          <p:nvPr>
+            <p:ph type="title"/>
+          </p:nvPr>
+        </p:nvSpPr>
+        <p:spPr/>
+        <p:txBody>
+          <a:bodyPr/>
+          <a:lstStyle/>
+          <a:p>
+            <a:r>
+              <a:rPr lang="es-ES"/>
+              <a:t>Haga clic para modificar el estilo de título del patrón</a:t>
+            </a:r>
+            <a:endParaRPr lang="en-US" dirty="0"/>
+          </a:p>
+        </p:txBody>
+      </p:sp>
+      <p:sp>
+        <p:nvSpPr>
+          <p:cNvPr id="3" name="Date Placeholder 2"/>
+          <p:cNvSpPr>
+            <a:spLocks noGrp="1"/>
+          </p:cNvSpPr>
+          <p:nvPr>
+            <p:ph type="dt" sz="half" idx="10"/>
+          </p:nvPr>
+        </p:nvSpPr>
+        <p:spPr/>
+        <p:txBody>
+          <a:bodyPr/>
+          <a:lstStyle/>
+          <a:p>
+            <a:fld id="{156F32FC-E0FE-45CF-AE1E-604DAEA3C56A}" type="datetimeFigureOut">
+              <a:rPr lang="es-MX" smtClean="0"/>
+              <a:t>08/05/2019</a:t>
+            </a:fld>
+            <a:endParaRPr lang="es-MX"/>
+          </a:p>
+        </p:txBody>
+      </p:sp>
+      <p:sp>
+        <p:nvSpPr>
+          <p:cNvPr id="4" name="Footer Placeholder 3"/>
+          <p:cNvSpPr>
+            <a:spLocks noGrp="1"/>
+          </p:cNvSpPr>
+          <p:nvPr>
+            <p:ph type="ftr" sz="quarter" idx="11"/>
+          </p:nvPr>
+        </p:nvSpPr>
+        <p:spPr/>
+        <p:txBody>
+          <a:bodyPr/>
+          <a:lstStyle/>
+          <a:p>
+            <a:endParaRPr lang="es-MX"/>
+          </a:p>
+        </p:txBody>
+      </p:sp>
+      <p:sp>
+        <p:nvSpPr>
+          <p:cNvPr id="7" name="Freeform 11"/>
+          <p:cNvSpPr/>
+          <p:nvPr/>
+        </p:nvSpPr>
+        <p:spPr bwMode="auto">
+          <a:xfrm flipV="1">
+            <a:off x="-4189" y="714375"/>
+            <a:ext cx="1588527" cy="507297"/>
+          </a:xfrm>
+          <a:custGeom>
+            <a:avLst/>
+            <a:gdLst/>
+            <a:ahLst/>
+            <a:cxnLst/>
+            <a:rect l="l" t="t" r="r" b="b"/>
+            <a:pathLst>
+              <a:path w="9248" h="10000">
+                <a:moveTo>
+                  <a:pt x="9248" y="4701"/>
+                </a:moveTo>
+                <a:lnTo>
+                  <a:pt x="7915" y="188"/>
+                </a:lnTo>
+                <a:cubicBezTo>
+                  <a:pt x="7906" y="156"/>
+                  <a:pt x="7895" y="126"/>
+                  <a:pt x="7886" y="94"/>
+                </a:cubicBezTo>
+                <a:cubicBezTo>
+                  <a:pt x="7859" y="0"/>
+                  <a:pt x="7831" y="0"/>
+                  <a:pt x="7803" y="0"/>
+                </a:cubicBezTo>
+                <a:lnTo>
+                  <a:pt x="7275" y="0"/>
+                </a:lnTo>
+                <a:lnTo>
+                  <a:pt x="0" y="70"/>
+                </a:lnTo>
+                <a:cubicBezTo>
+                  <a:pt x="8" y="3380"/>
+                  <a:pt x="17" y="6690"/>
+                  <a:pt x="25" y="10000"/>
+                </a:cubicBezTo>
+                <a:lnTo>
+                  <a:pt x="7275" y="9966"/>
+                </a:lnTo>
+                <a:lnTo>
+                  <a:pt x="7803" y="9966"/>
+                </a:lnTo>
+                <a:cubicBezTo>
+                  <a:pt x="7831" y="9966"/>
+                  <a:pt x="7859" y="9872"/>
+                  <a:pt x="7886" y="9872"/>
+                </a:cubicBezTo>
+                <a:cubicBezTo>
+                  <a:pt x="7886" y="9778"/>
+                  <a:pt x="7915" y="9778"/>
+                  <a:pt x="7915" y="9778"/>
+                </a:cubicBezTo>
+                <a:lnTo>
+                  <a:pt x="9248" y="5265"/>
+                </a:lnTo>
+                <a:cubicBezTo>
+                  <a:pt x="9303" y="5077"/>
+                  <a:pt x="9303" y="4889"/>
+                  <a:pt x="9248" y="4701"/>
+                </a:cubicBezTo>
+                <a:close/>
+              </a:path>
+            </a:pathLst>
+          </a:custGeom>
+          <a:solidFill>
+            <a:schemeClr val="accent1"/>
+          </a:solidFill>
+          <a:ln>
+            <a:noFill/>
+          </a:ln>
+        </p:spPr>
+      </p:sp>
+      <p:sp>
+        <p:nvSpPr>
+          <p:cNvPr id="5" name="Slide Number Placeholder 4"/>
+          <p:cNvSpPr>
+            <a:spLocks noGrp="1"/>
+          </p:cNvSpPr>
+          <p:nvPr>
+            <p:ph type="sldNum" sz="quarter" idx="12"/>
+          </p:nvPr>
+        </p:nvSpPr>
+        <p:spPr/>
+        <p:txBody>
+          <a:bodyPr/>
+          <a:lstStyle/>
+          <a:p>
+            <a:fld id="{315E141C-80C7-4D49-948F-B64DEFB3BC22}" type="slidenum">
+              <a:rPr lang="es-MX" smtClean="0"/>
+              <a:t>‹Nº›</a:t>
+            </a:fld>
+            <a:endParaRPr lang="es-MX"/>
+          </a:p>
+        </p:txBody>
+      </p:sp>
+    </p:spTree>
+    <p:extLst>
+      <p:ext uri="{BB962C8B-B14F-4D97-AF65-F5344CB8AC3E}">
+        <p14:creationId xmlns:p14="http://schemas.microsoft.com/office/powerpoint/2010/main" val="1624765469"/>
+      </p:ext>
+    </p:extLst>
+  </p:cSld>
+  <p:clrMapOvr>
+    <a:masterClrMapping/>
+  </p:clrMapOvr>
+</p:sldLayout>
+</file>
+
+<file path=ppt/slideLayouts/slideLayout18.xml><?xml version="1.0" encoding="utf-8"?>
+<p:sldLayout xmlns:a="http://schemas.openxmlformats.org/drawingml/2006/main" xmlns:r="http://schemas.openxmlformats.org/officeDocument/2006/relationships" xmlns:p="http://schemas.openxmlformats.org/presentationml/2006/main" type="blank" preserve="1">
+  <p:cSld name="En blanco">
+    <p:spTree>
+      <p:nvGrpSpPr>
+        <p:cNvPr id="1" name=""/>
+        <p:cNvGrpSpPr/>
+        <p:nvPr/>
+      </p:nvGrpSpPr>
+      <p:grpSpPr>
+        <a:xfrm>
+          <a:off x="0" y="0"/>
+          <a:ext cx="0" cy="0"/>
+          <a:chOff x="0" y="0"/>
+          <a:chExt cx="0" cy="0"/>
+        </a:xfrm>
+      </p:grpSpPr>
+      <p:sp>
+        <p:nvSpPr>
+          <p:cNvPr id="2" name="Date Placeholder 1"/>
+          <p:cNvSpPr>
+            <a:spLocks noGrp="1"/>
+          </p:cNvSpPr>
+          <p:nvPr>
+            <p:ph type="dt" sz="half" idx="10"/>
+          </p:nvPr>
+        </p:nvSpPr>
+        <p:spPr/>
+        <p:txBody>
+          <a:bodyPr/>
+          <a:lstStyle/>
+          <a:p>
+            <a:fld id="{156F32FC-E0FE-45CF-AE1E-604DAEA3C56A}" type="datetimeFigureOut">
+              <a:rPr lang="es-MX" smtClean="0"/>
+              <a:t>08/05/2019</a:t>
+            </a:fld>
+            <a:endParaRPr lang="es-MX"/>
+          </a:p>
+        </p:txBody>
+      </p:sp>
+      <p:sp>
+        <p:nvSpPr>
+          <p:cNvPr id="3" name="Footer Placeholder 2"/>
+          <p:cNvSpPr>
+            <a:spLocks noGrp="1"/>
+          </p:cNvSpPr>
+          <p:nvPr>
+            <p:ph type="ftr" sz="quarter" idx="11"/>
+          </p:nvPr>
+        </p:nvSpPr>
+        <p:spPr/>
+        <p:txBody>
+          <a:bodyPr/>
+          <a:lstStyle/>
+          <a:p>
+            <a:endParaRPr lang="es-MX"/>
+          </a:p>
+        </p:txBody>
+      </p:sp>
+      <p:sp>
+        <p:nvSpPr>
+          <p:cNvPr id="6" name="Freeform 11"/>
+          <p:cNvSpPr/>
+          <p:nvPr/>
+        </p:nvSpPr>
+        <p:spPr bwMode="auto">
+          <a:xfrm flipV="1">
+            <a:off x="-4189" y="714375"/>
+            <a:ext cx="1588527" cy="507297"/>
+          </a:xfrm>
+          <a:custGeom>
+            <a:avLst/>
+            <a:gdLst/>
+            <a:ahLst/>
+            <a:cxnLst/>
+            <a:rect l="l" t="t" r="r" b="b"/>
+            <a:pathLst>
+              <a:path w="9248" h="10000">
+                <a:moveTo>
+                  <a:pt x="9248" y="4701"/>
+                </a:moveTo>
+                <a:lnTo>
+                  <a:pt x="7915" y="188"/>
+                </a:lnTo>
+                <a:cubicBezTo>
+                  <a:pt x="7906" y="156"/>
+                  <a:pt x="7895" y="126"/>
+                  <a:pt x="7886" y="94"/>
+                </a:cubicBezTo>
+                <a:cubicBezTo>
+                  <a:pt x="7859" y="0"/>
+                  <a:pt x="7831" y="0"/>
+                  <a:pt x="7803" y="0"/>
+                </a:cubicBezTo>
+                <a:lnTo>
+                  <a:pt x="7275" y="0"/>
+                </a:lnTo>
+                <a:lnTo>
+                  <a:pt x="0" y="70"/>
+                </a:lnTo>
+                <a:cubicBezTo>
+                  <a:pt x="8" y="3380"/>
+                  <a:pt x="17" y="6690"/>
+                  <a:pt x="25" y="10000"/>
+                </a:cubicBezTo>
+                <a:lnTo>
+                  <a:pt x="7275" y="9966"/>
+                </a:lnTo>
+                <a:lnTo>
+                  <a:pt x="7803" y="9966"/>
+                </a:lnTo>
+                <a:cubicBezTo>
+                  <a:pt x="7831" y="9966"/>
+                  <a:pt x="7859" y="9872"/>
+                  <a:pt x="7886" y="9872"/>
+                </a:cubicBezTo>
+                <a:cubicBezTo>
+                  <a:pt x="7886" y="9778"/>
+                  <a:pt x="7915" y="9778"/>
+                  <a:pt x="7915" y="9778"/>
+                </a:cubicBezTo>
+                <a:lnTo>
+                  <a:pt x="9248" y="5265"/>
+                </a:lnTo>
+                <a:cubicBezTo>
+                  <a:pt x="9303" y="5077"/>
+                  <a:pt x="9303" y="4889"/>
+                  <a:pt x="9248" y="4701"/>
+                </a:cubicBezTo>
+                <a:close/>
+              </a:path>
+            </a:pathLst>
+          </a:custGeom>
+          <a:solidFill>
+            <a:schemeClr val="accent1"/>
+          </a:solidFill>
+          <a:ln>
+            <a:noFill/>
+          </a:ln>
+        </p:spPr>
+      </p:sp>
+      <p:sp>
+        <p:nvSpPr>
+          <p:cNvPr id="4" name="Slide Number Placeholder 3"/>
+          <p:cNvSpPr>
+            <a:spLocks noGrp="1"/>
+          </p:cNvSpPr>
+          <p:nvPr>
+            <p:ph type="sldNum" sz="quarter" idx="12"/>
+          </p:nvPr>
+        </p:nvSpPr>
+        <p:spPr/>
+        <p:txBody>
+          <a:bodyPr/>
+          <a:lstStyle/>
+          <a:p>
+            <a:fld id="{315E141C-80C7-4D49-948F-B64DEFB3BC22}" type="slidenum">
+              <a:rPr lang="es-MX" smtClean="0"/>
+              <a:t>‹Nº›</a:t>
+            </a:fld>
+            <a:endParaRPr lang="es-MX"/>
+          </a:p>
+        </p:txBody>
+      </p:sp>
+    </p:spTree>
+    <p:extLst>
+      <p:ext uri="{BB962C8B-B14F-4D97-AF65-F5344CB8AC3E}">
+        <p14:creationId xmlns:p14="http://schemas.microsoft.com/office/powerpoint/2010/main" val="1233407296"/>
+      </p:ext>
+    </p:extLst>
+  </p:cSld>
+  <p:clrMapOvr>
+    <a:masterClrMapping/>
+  </p:clrMapOvr>
+</p:sldLayout>
+</file>
+
+<file path=ppt/slideLayouts/slideLayout19.xml><?xml version="1.0" encoding="utf-8"?>
+<p:sldLayout xmlns:a="http://schemas.openxmlformats.org/drawingml/2006/main" xmlns:r="http://schemas.openxmlformats.org/officeDocument/2006/relationships" xmlns:p="http://schemas.openxmlformats.org/presentationml/2006/main" type="objTx" preserve="1">
+  <p:cSld name="Contenido con título">
+    <p:spTree>
+      <p:nvGrpSpPr>
+        <p:cNvPr id="1" name=""/>
+        <p:cNvGrpSpPr/>
+        <p:nvPr/>
+      </p:nvGrpSpPr>
+      <p:grpSpPr>
+        <a:xfrm>
+          <a:off x="0" y="0"/>
+          <a:ext cx="0" cy="0"/>
+          <a:chOff x="0" y="0"/>
+          <a:chExt cx="0" cy="0"/>
+        </a:xfrm>
+      </p:grpSpPr>
+      <p:sp>
+        <p:nvSpPr>
+          <p:cNvPr id="2" name="Title 1"/>
+          <p:cNvSpPr>
+            <a:spLocks noGrp="1"/>
+          </p:cNvSpPr>
+          <p:nvPr>
+            <p:ph type="title"/>
+          </p:nvPr>
+        </p:nvSpPr>
+        <p:spPr>
+          <a:xfrm>
+            <a:off x="2589212" y="446088"/>
+            <a:ext cx="3505199" cy="976312"/>
+          </a:xfrm>
+        </p:spPr>
+        <p:txBody>
+          <a:bodyPr anchor="b"/>
+          <a:lstStyle>
+            <a:lvl1pPr algn="l">
+              <a:defRPr sz="2000" b="0"/>
+            </a:lvl1pPr>
+          </a:lstStyle>
+          <a:p>
+            <a:r>
+              <a:rPr lang="es-ES"/>
+              <a:t>Haga clic para modificar el estilo de título del patrón</a:t>
+            </a:r>
+            <a:endParaRPr lang="en-US" dirty="0"/>
+          </a:p>
+        </p:txBody>
+      </p:sp>
+      <p:sp>
+        <p:nvSpPr>
+          <p:cNvPr id="3" name="Content Placeholder 2"/>
+          <p:cNvSpPr>
+            <a:spLocks noGrp="1"/>
+          </p:cNvSpPr>
+          <p:nvPr>
+            <p:ph idx="1"/>
+          </p:nvPr>
+        </p:nvSpPr>
+        <p:spPr>
+          <a:xfrm>
+            <a:off x="6323012" y="446088"/>
+            <a:ext cx="5181600" cy="5414963"/>
+          </a:xfrm>
+        </p:spPr>
+        <p:txBody>
+          <a:bodyPr anchor="ctr">
+            <a:normAutofit/>
+          </a:bodyPr>
+          <a:lstStyle/>
+          <a:p>
+            <a:pPr lvl="0"/>
+            <a:r>
+              <a:rPr lang="es-ES"/>
+              <a:t>Haga clic para modificar los estilos de texto del patrón</a:t>
+            </a:r>
+          </a:p>
+          <a:p>
+            <a:pPr lvl="1"/>
+            <a:r>
+              <a:rPr lang="es-ES"/>
+              <a:t>Segundo nivel</a:t>
+            </a:r>
+          </a:p>
+          <a:p>
+            <a:pPr lvl="2"/>
+            <a:r>
+              <a:rPr lang="es-ES"/>
+              <a:t>Tercer nivel</a:t>
+            </a:r>
+          </a:p>
+          <a:p>
+            <a:pPr lvl="3"/>
+            <a:r>
+              <a:rPr lang="es-ES"/>
+              <a:t>Cuarto nivel</a:t>
+            </a:r>
+          </a:p>
+          <a:p>
+            <a:pPr lvl="4"/>
+            <a:r>
+              <a:rPr lang="es-ES"/>
+              <a:t>Quinto nivel</a:t>
+            </a:r>
+            <a:endParaRPr lang="en-US" dirty="0"/>
+          </a:p>
+        </p:txBody>
+      </p:sp>
+      <p:sp>
+        <p:nvSpPr>
+          <p:cNvPr id="4" name="Text Placeholder 3"/>
+          <p:cNvSpPr>
+            <a:spLocks noGrp="1"/>
+          </p:cNvSpPr>
+          <p:nvPr>
+            <p:ph type="body" sz="half" idx="2"/>
+          </p:nvPr>
+        </p:nvSpPr>
+        <p:spPr>
+          <a:xfrm>
+            <a:off x="2589212" y="1598613"/>
+            <a:ext cx="3505199" cy="4262436"/>
+          </a:xfrm>
+        </p:spPr>
+        <p:txBody>
+          <a:bodyPr/>
+          <a:lstStyle>
+            <a:lvl1pPr marL="0" indent="0">
+              <a:buNone/>
+              <a:defRPr sz="1400"/>
+            </a:lvl1pPr>
+            <a:lvl2pPr marL="457200" indent="0">
+              <a:buNone/>
+              <a:defRPr sz="1200"/>
+            </a:lvl2pPr>
+            <a:lvl3pPr marL="914400" indent="0">
+              <a:buNone/>
+              <a:defRPr sz="1000"/>
+            </a:lvl3pPr>
+            <a:lvl4pPr marL="1371600" indent="0">
+              <a:buNone/>
+              <a:defRPr sz="900"/>
+            </a:lvl4pPr>
+            <a:lvl5pPr marL="1828800" indent="0">
+              <a:buNone/>
+              <a:defRPr sz="900"/>
+            </a:lvl5pPr>
+            <a:lvl6pPr marL="2286000" indent="0">
+              <a:buNone/>
+              <a:defRPr sz="900"/>
+            </a:lvl6pPr>
+            <a:lvl7pPr marL="2743200" indent="0">
+              <a:buNone/>
+              <a:defRPr sz="900"/>
+            </a:lvl7pPr>
+            <a:lvl8pPr marL="3200400" indent="0">
+              <a:buNone/>
+              <a:defRPr sz="900"/>
+            </a:lvl8pPr>
+            <a:lvl9pPr marL="3657600" indent="0">
+              <a:buNone/>
+              <a:defRPr sz="900"/>
+            </a:lvl9pPr>
+          </a:lstStyle>
+          <a:p>
+            <a:pPr lvl="0"/>
+            <a:r>
+              <a:rPr lang="es-ES"/>
+              <a:t>Haga clic para modificar los estilos de texto del patrón</a:t>
+            </a:r>
+          </a:p>
+        </p:txBody>
+      </p:sp>
+      <p:sp>
+        <p:nvSpPr>
+          <p:cNvPr id="5" name="Date Placeholder 4"/>
+          <p:cNvSpPr>
+            <a:spLocks noGrp="1"/>
+          </p:cNvSpPr>
+          <p:nvPr>
+            <p:ph type="dt" sz="half" idx="10"/>
+          </p:nvPr>
+        </p:nvSpPr>
+        <p:spPr/>
+        <p:txBody>
+          <a:bodyPr/>
+          <a:lstStyle/>
+          <a:p>
+            <a:fld id="{156F32FC-E0FE-45CF-AE1E-604DAEA3C56A}" type="datetimeFigureOut">
+              <a:rPr lang="es-MX" smtClean="0"/>
+              <a:t>08/05/2019</a:t>
+            </a:fld>
+            <a:endParaRPr lang="es-MX"/>
+          </a:p>
+        </p:txBody>
+      </p:sp>
+      <p:sp>
+        <p:nvSpPr>
+          <p:cNvPr id="6" name="Footer Placeholder 5"/>
+          <p:cNvSpPr>
+            <a:spLocks noGrp="1"/>
+          </p:cNvSpPr>
+          <p:nvPr>
+            <p:ph type="ftr" sz="quarter" idx="11"/>
+          </p:nvPr>
+        </p:nvSpPr>
+        <p:spPr/>
+        <p:txBody>
+          <a:bodyPr/>
+          <a:lstStyle/>
+          <a:p>
+            <a:endParaRPr lang="es-MX"/>
+          </a:p>
+        </p:txBody>
+      </p:sp>
+      <p:sp>
+        <p:nvSpPr>
+          <p:cNvPr id="9" name="Freeform 11"/>
+          <p:cNvSpPr/>
+          <p:nvPr/>
+        </p:nvSpPr>
+        <p:spPr bwMode="auto">
+          <a:xfrm flipV="1">
+            <a:off x="-4189" y="714375"/>
+            <a:ext cx="1588527" cy="507297"/>
+          </a:xfrm>
+          <a:custGeom>
+            <a:avLst/>
+            <a:gdLst/>
+            <a:ahLst/>
+            <a:cxnLst/>
+            <a:rect l="l" t="t" r="r" b="b"/>
+            <a:pathLst>
+              <a:path w="9248" h="10000">
+                <a:moveTo>
+                  <a:pt x="9248" y="4701"/>
+                </a:moveTo>
+                <a:lnTo>
+                  <a:pt x="7915" y="188"/>
+                </a:lnTo>
+                <a:cubicBezTo>
+                  <a:pt x="7906" y="156"/>
+                  <a:pt x="7895" y="126"/>
+                  <a:pt x="7886" y="94"/>
+                </a:cubicBezTo>
+                <a:cubicBezTo>
+                  <a:pt x="7859" y="0"/>
+                  <a:pt x="7831" y="0"/>
+                  <a:pt x="7803" y="0"/>
+                </a:cubicBezTo>
+                <a:lnTo>
+                  <a:pt x="7275" y="0"/>
+                </a:lnTo>
+                <a:lnTo>
+                  <a:pt x="0" y="70"/>
+                </a:lnTo>
+                <a:cubicBezTo>
+                  <a:pt x="8" y="3380"/>
+                  <a:pt x="17" y="6690"/>
+                  <a:pt x="25" y="10000"/>
+                </a:cubicBezTo>
+                <a:lnTo>
+                  <a:pt x="7275" y="9966"/>
+                </a:lnTo>
+                <a:lnTo>
+                  <a:pt x="7803" y="9966"/>
+                </a:lnTo>
+                <a:cubicBezTo>
+                  <a:pt x="7831" y="9966"/>
+                  <a:pt x="7859" y="9872"/>
+                  <a:pt x="7886" y="9872"/>
+                </a:cubicBezTo>
+                <a:cubicBezTo>
+                  <a:pt x="7886" y="9778"/>
+                  <a:pt x="7915" y="9778"/>
+                  <a:pt x="7915" y="9778"/>
+                </a:cubicBezTo>
+                <a:lnTo>
+                  <a:pt x="9248" y="5265"/>
+                </a:lnTo>
+                <a:cubicBezTo>
+                  <a:pt x="9303" y="5077"/>
+                  <a:pt x="9303" y="4889"/>
+                  <a:pt x="9248" y="4701"/>
+                </a:cubicBezTo>
+                <a:close/>
+              </a:path>
+            </a:pathLst>
+          </a:custGeom>
+          <a:solidFill>
+            <a:schemeClr val="accent1"/>
+          </a:solidFill>
+          <a:ln>
+            <a:noFill/>
+          </a:ln>
+        </p:spPr>
+      </p:sp>
+      <p:sp>
+        <p:nvSpPr>
+          <p:cNvPr id="7" name="Slide Number Placeholder 6"/>
+          <p:cNvSpPr>
+            <a:spLocks noGrp="1"/>
+          </p:cNvSpPr>
+          <p:nvPr>
+            <p:ph type="sldNum" sz="quarter" idx="12"/>
+          </p:nvPr>
+        </p:nvSpPr>
+        <p:spPr/>
+        <p:txBody>
+          <a:bodyPr/>
+          <a:lstStyle/>
+          <a:p>
+            <a:fld id="{315E141C-80C7-4D49-948F-B64DEFB3BC22}" type="slidenum">
+              <a:rPr lang="es-MX" smtClean="0"/>
+              <a:t>‹Nº›</a:t>
+            </a:fld>
+            <a:endParaRPr lang="es-MX"/>
+          </a:p>
+        </p:txBody>
+      </p:sp>
+    </p:spTree>
+    <p:extLst>
+      <p:ext uri="{BB962C8B-B14F-4D97-AF65-F5344CB8AC3E}">
+        <p14:creationId xmlns:p14="http://schemas.microsoft.com/office/powerpoint/2010/main" val="1206492919"/>
       </p:ext>
     </p:extLst>
   </p:cSld>
@@ -887,7 +3311,7 @@
           <a:p>
             <a:fld id="{156F32FC-E0FE-45CF-AE1E-604DAEA3C56A}" type="datetimeFigureOut">
               <a:rPr lang="es-MX" smtClean="0"/>
-              <a:t>07/05/2019</a:t>
+              <a:t>08/05/2019</a:t>
             </a:fld>
             <a:endParaRPr lang="es-MX"/>
           </a:p>
@@ -939,6 +3363,2661 @@
     <p:extLst>
       <p:ext uri="{BB962C8B-B14F-4D97-AF65-F5344CB8AC3E}">
         <p14:creationId xmlns:p14="http://schemas.microsoft.com/office/powerpoint/2010/main" val="3303662997"/>
+      </p:ext>
+    </p:extLst>
+  </p:cSld>
+  <p:clrMapOvr>
+    <a:masterClrMapping/>
+  </p:clrMapOvr>
+</p:sldLayout>
+</file>
+
+<file path=ppt/slideLayouts/slideLayout20.xml><?xml version="1.0" encoding="utf-8"?>
+<p:sldLayout xmlns:a="http://schemas.openxmlformats.org/drawingml/2006/main" xmlns:r="http://schemas.openxmlformats.org/officeDocument/2006/relationships" xmlns:p="http://schemas.openxmlformats.org/presentationml/2006/main" type="picTx" preserve="1">
+  <p:cSld name="Imagen con título">
+    <p:spTree>
+      <p:nvGrpSpPr>
+        <p:cNvPr id="1" name=""/>
+        <p:cNvGrpSpPr/>
+        <p:nvPr/>
+      </p:nvGrpSpPr>
+      <p:grpSpPr>
+        <a:xfrm>
+          <a:off x="0" y="0"/>
+          <a:ext cx="0" cy="0"/>
+          <a:chOff x="0" y="0"/>
+          <a:chExt cx="0" cy="0"/>
+        </a:xfrm>
+      </p:grpSpPr>
+      <p:sp>
+        <p:nvSpPr>
+          <p:cNvPr id="2" name="Title 1"/>
+          <p:cNvSpPr>
+            <a:spLocks noGrp="1"/>
+          </p:cNvSpPr>
+          <p:nvPr>
+            <p:ph type="title"/>
+          </p:nvPr>
+        </p:nvSpPr>
+        <p:spPr>
+          <a:xfrm>
+            <a:off x="2589213" y="4800600"/>
+            <a:ext cx="8915400" cy="566738"/>
+          </a:xfrm>
+        </p:spPr>
+        <p:txBody>
+          <a:bodyPr anchor="b">
+            <a:normAutofit/>
+          </a:bodyPr>
+          <a:lstStyle>
+            <a:lvl1pPr algn="l">
+              <a:defRPr sz="2400" b="0"/>
+            </a:lvl1pPr>
+          </a:lstStyle>
+          <a:p>
+            <a:r>
+              <a:rPr lang="es-ES"/>
+              <a:t>Haga clic para modificar el estilo de título del patrón</a:t>
+            </a:r>
+            <a:endParaRPr lang="en-US" dirty="0"/>
+          </a:p>
+        </p:txBody>
+      </p:sp>
+      <p:sp>
+        <p:nvSpPr>
+          <p:cNvPr id="3" name="Picture Placeholder 2"/>
+          <p:cNvSpPr>
+            <a:spLocks noGrp="1" noChangeAspect="1"/>
+          </p:cNvSpPr>
+          <p:nvPr>
+            <p:ph type="pic" idx="1"/>
+          </p:nvPr>
+        </p:nvSpPr>
+        <p:spPr>
+          <a:xfrm>
+            <a:off x="2589212" y="634965"/>
+            <a:ext cx="8915400" cy="3854970"/>
+          </a:xfrm>
+        </p:spPr>
+        <p:txBody>
+          <a:bodyPr anchor="t">
+            <a:normAutofit/>
+          </a:bodyPr>
+          <a:lstStyle>
+            <a:lvl1pPr marL="0" indent="0" algn="ctr">
+              <a:buNone/>
+              <a:defRPr sz="1600"/>
+            </a:lvl1pPr>
+            <a:lvl2pPr marL="457200" indent="0">
+              <a:buNone/>
+              <a:defRPr sz="1600"/>
+            </a:lvl2pPr>
+            <a:lvl3pPr marL="914400" indent="0">
+              <a:buNone/>
+              <a:defRPr sz="1600"/>
+            </a:lvl3pPr>
+            <a:lvl4pPr marL="1371600" indent="0">
+              <a:buNone/>
+              <a:defRPr sz="1600"/>
+            </a:lvl4pPr>
+            <a:lvl5pPr marL="1828800" indent="0">
+              <a:buNone/>
+              <a:defRPr sz="1600"/>
+            </a:lvl5pPr>
+            <a:lvl6pPr marL="2286000" indent="0">
+              <a:buNone/>
+              <a:defRPr sz="1600"/>
+            </a:lvl6pPr>
+            <a:lvl7pPr marL="2743200" indent="0">
+              <a:buNone/>
+              <a:defRPr sz="1600"/>
+            </a:lvl7pPr>
+            <a:lvl8pPr marL="3200400" indent="0">
+              <a:buNone/>
+              <a:defRPr sz="1600"/>
+            </a:lvl8pPr>
+            <a:lvl9pPr marL="3657600" indent="0">
+              <a:buNone/>
+              <a:defRPr sz="1600"/>
+            </a:lvl9pPr>
+          </a:lstStyle>
+          <a:p>
+            <a:r>
+              <a:rPr lang="es-ES"/>
+              <a:t>Haga clic en el icono para agregar una imagen</a:t>
+            </a:r>
+            <a:endParaRPr lang="en-US" dirty="0"/>
+          </a:p>
+        </p:txBody>
+      </p:sp>
+      <p:sp>
+        <p:nvSpPr>
+          <p:cNvPr id="4" name="Text Placeholder 3"/>
+          <p:cNvSpPr>
+            <a:spLocks noGrp="1"/>
+          </p:cNvSpPr>
+          <p:nvPr>
+            <p:ph type="body" sz="half" idx="2"/>
+          </p:nvPr>
+        </p:nvSpPr>
+        <p:spPr>
+          <a:xfrm>
+            <a:off x="2589213" y="5367338"/>
+            <a:ext cx="8915400" cy="493712"/>
+          </a:xfrm>
+        </p:spPr>
+        <p:txBody>
+          <a:bodyPr>
+            <a:normAutofit/>
+          </a:bodyPr>
+          <a:lstStyle>
+            <a:lvl1pPr marL="0" indent="0">
+              <a:buNone/>
+              <a:defRPr sz="1200"/>
+            </a:lvl1pPr>
+            <a:lvl2pPr marL="457200" indent="0">
+              <a:buNone/>
+              <a:defRPr sz="1200"/>
+            </a:lvl2pPr>
+            <a:lvl3pPr marL="914400" indent="0">
+              <a:buNone/>
+              <a:defRPr sz="1000"/>
+            </a:lvl3pPr>
+            <a:lvl4pPr marL="1371600" indent="0">
+              <a:buNone/>
+              <a:defRPr sz="900"/>
+            </a:lvl4pPr>
+            <a:lvl5pPr marL="1828800" indent="0">
+              <a:buNone/>
+              <a:defRPr sz="900"/>
+            </a:lvl5pPr>
+            <a:lvl6pPr marL="2286000" indent="0">
+              <a:buNone/>
+              <a:defRPr sz="900"/>
+            </a:lvl6pPr>
+            <a:lvl7pPr marL="2743200" indent="0">
+              <a:buNone/>
+              <a:defRPr sz="900"/>
+            </a:lvl7pPr>
+            <a:lvl8pPr marL="3200400" indent="0">
+              <a:buNone/>
+              <a:defRPr sz="900"/>
+            </a:lvl8pPr>
+            <a:lvl9pPr marL="3657600" indent="0">
+              <a:buNone/>
+              <a:defRPr sz="900"/>
+            </a:lvl9pPr>
+          </a:lstStyle>
+          <a:p>
+            <a:pPr lvl="0"/>
+            <a:r>
+              <a:rPr lang="es-ES"/>
+              <a:t>Haga clic para modificar los estilos de texto del patrón</a:t>
+            </a:r>
+          </a:p>
+        </p:txBody>
+      </p:sp>
+      <p:sp>
+        <p:nvSpPr>
+          <p:cNvPr id="5" name="Date Placeholder 4"/>
+          <p:cNvSpPr>
+            <a:spLocks noGrp="1"/>
+          </p:cNvSpPr>
+          <p:nvPr>
+            <p:ph type="dt" sz="half" idx="10"/>
+          </p:nvPr>
+        </p:nvSpPr>
+        <p:spPr/>
+        <p:txBody>
+          <a:bodyPr/>
+          <a:lstStyle/>
+          <a:p>
+            <a:fld id="{156F32FC-E0FE-45CF-AE1E-604DAEA3C56A}" type="datetimeFigureOut">
+              <a:rPr lang="es-MX" smtClean="0"/>
+              <a:t>08/05/2019</a:t>
+            </a:fld>
+            <a:endParaRPr lang="es-MX"/>
+          </a:p>
+        </p:txBody>
+      </p:sp>
+      <p:sp>
+        <p:nvSpPr>
+          <p:cNvPr id="6" name="Footer Placeholder 5"/>
+          <p:cNvSpPr>
+            <a:spLocks noGrp="1"/>
+          </p:cNvSpPr>
+          <p:nvPr>
+            <p:ph type="ftr" sz="quarter" idx="11"/>
+          </p:nvPr>
+        </p:nvSpPr>
+        <p:spPr/>
+        <p:txBody>
+          <a:bodyPr/>
+          <a:lstStyle/>
+          <a:p>
+            <a:endParaRPr lang="es-MX"/>
+          </a:p>
+        </p:txBody>
+      </p:sp>
+      <p:sp>
+        <p:nvSpPr>
+          <p:cNvPr id="9" name="Freeform 11"/>
+          <p:cNvSpPr/>
+          <p:nvPr/>
+        </p:nvSpPr>
+        <p:spPr bwMode="auto">
+          <a:xfrm flipV="1">
+            <a:off x="-4189" y="4911725"/>
+            <a:ext cx="1588527" cy="507297"/>
+          </a:xfrm>
+          <a:custGeom>
+            <a:avLst/>
+            <a:gdLst/>
+            <a:ahLst/>
+            <a:cxnLst/>
+            <a:rect l="l" t="t" r="r" b="b"/>
+            <a:pathLst>
+              <a:path w="9248" h="10000">
+                <a:moveTo>
+                  <a:pt x="9248" y="4701"/>
+                </a:moveTo>
+                <a:lnTo>
+                  <a:pt x="7915" y="188"/>
+                </a:lnTo>
+                <a:cubicBezTo>
+                  <a:pt x="7906" y="156"/>
+                  <a:pt x="7895" y="126"/>
+                  <a:pt x="7886" y="94"/>
+                </a:cubicBezTo>
+                <a:cubicBezTo>
+                  <a:pt x="7859" y="0"/>
+                  <a:pt x="7831" y="0"/>
+                  <a:pt x="7803" y="0"/>
+                </a:cubicBezTo>
+                <a:lnTo>
+                  <a:pt x="7275" y="0"/>
+                </a:lnTo>
+                <a:lnTo>
+                  <a:pt x="0" y="70"/>
+                </a:lnTo>
+                <a:cubicBezTo>
+                  <a:pt x="8" y="3380"/>
+                  <a:pt x="17" y="6690"/>
+                  <a:pt x="25" y="10000"/>
+                </a:cubicBezTo>
+                <a:lnTo>
+                  <a:pt x="7275" y="9966"/>
+                </a:lnTo>
+                <a:lnTo>
+                  <a:pt x="7803" y="9966"/>
+                </a:lnTo>
+                <a:cubicBezTo>
+                  <a:pt x="7831" y="9966"/>
+                  <a:pt x="7859" y="9872"/>
+                  <a:pt x="7886" y="9872"/>
+                </a:cubicBezTo>
+                <a:cubicBezTo>
+                  <a:pt x="7886" y="9778"/>
+                  <a:pt x="7915" y="9778"/>
+                  <a:pt x="7915" y="9778"/>
+                </a:cubicBezTo>
+                <a:lnTo>
+                  <a:pt x="9248" y="5265"/>
+                </a:lnTo>
+                <a:cubicBezTo>
+                  <a:pt x="9303" y="5077"/>
+                  <a:pt x="9303" y="4889"/>
+                  <a:pt x="9248" y="4701"/>
+                </a:cubicBezTo>
+                <a:close/>
+              </a:path>
+            </a:pathLst>
+          </a:custGeom>
+          <a:solidFill>
+            <a:schemeClr val="accent1"/>
+          </a:solidFill>
+          <a:ln>
+            <a:noFill/>
+          </a:ln>
+        </p:spPr>
+      </p:sp>
+      <p:sp>
+        <p:nvSpPr>
+          <p:cNvPr id="7" name="Slide Number Placeholder 6"/>
+          <p:cNvSpPr>
+            <a:spLocks noGrp="1"/>
+          </p:cNvSpPr>
+          <p:nvPr>
+            <p:ph type="sldNum" sz="quarter" idx="12"/>
+          </p:nvPr>
+        </p:nvSpPr>
+        <p:spPr>
+          <a:xfrm>
+            <a:off x="531812" y="4983087"/>
+            <a:ext cx="779767" cy="365125"/>
+          </a:xfrm>
+        </p:spPr>
+        <p:txBody>
+          <a:bodyPr/>
+          <a:lstStyle/>
+          <a:p>
+            <a:fld id="{315E141C-80C7-4D49-948F-B64DEFB3BC22}" type="slidenum">
+              <a:rPr lang="es-MX" smtClean="0"/>
+              <a:t>‹Nº›</a:t>
+            </a:fld>
+            <a:endParaRPr lang="es-MX"/>
+          </a:p>
+        </p:txBody>
+      </p:sp>
+    </p:spTree>
+    <p:extLst>
+      <p:ext uri="{BB962C8B-B14F-4D97-AF65-F5344CB8AC3E}">
+        <p14:creationId xmlns:p14="http://schemas.microsoft.com/office/powerpoint/2010/main" val="2652948859"/>
+      </p:ext>
+    </p:extLst>
+  </p:cSld>
+  <p:clrMapOvr>
+    <a:masterClrMapping/>
+  </p:clrMapOvr>
+</p:sldLayout>
+</file>
+
+<file path=ppt/slideLayouts/slideLayout21.xml><?xml version="1.0" encoding="utf-8"?>
+<p:sldLayout xmlns:a="http://schemas.openxmlformats.org/drawingml/2006/main" xmlns:r="http://schemas.openxmlformats.org/officeDocument/2006/relationships" xmlns:p="http://schemas.openxmlformats.org/presentationml/2006/main" preserve="1">
+  <p:cSld name="Título y descripción">
+    <p:spTree>
+      <p:nvGrpSpPr>
+        <p:cNvPr id="1" name=""/>
+        <p:cNvGrpSpPr/>
+        <p:nvPr/>
+      </p:nvGrpSpPr>
+      <p:grpSpPr>
+        <a:xfrm>
+          <a:off x="0" y="0"/>
+          <a:ext cx="0" cy="0"/>
+          <a:chOff x="0" y="0"/>
+          <a:chExt cx="0" cy="0"/>
+        </a:xfrm>
+      </p:grpSpPr>
+      <p:sp>
+        <p:nvSpPr>
+          <p:cNvPr id="2" name="Title 1"/>
+          <p:cNvSpPr>
+            <a:spLocks noGrp="1"/>
+          </p:cNvSpPr>
+          <p:nvPr>
+            <p:ph type="title"/>
+          </p:nvPr>
+        </p:nvSpPr>
+        <p:spPr>
+          <a:xfrm>
+            <a:off x="2589212" y="609600"/>
+            <a:ext cx="8915399" cy="3117040"/>
+          </a:xfrm>
+        </p:spPr>
+        <p:txBody>
+          <a:bodyPr anchor="ctr">
+            <a:normAutofit/>
+          </a:bodyPr>
+          <a:lstStyle>
+            <a:lvl1pPr algn="l">
+              <a:defRPr sz="4800" b="0" cap="none"/>
+            </a:lvl1pPr>
+          </a:lstStyle>
+          <a:p>
+            <a:r>
+              <a:rPr lang="es-ES"/>
+              <a:t>Haga clic para modificar el estilo de título del patrón</a:t>
+            </a:r>
+            <a:endParaRPr lang="en-US" dirty="0"/>
+          </a:p>
+        </p:txBody>
+      </p:sp>
+      <p:sp>
+        <p:nvSpPr>
+          <p:cNvPr id="3" name="Text Placeholder 2"/>
+          <p:cNvSpPr>
+            <a:spLocks noGrp="1"/>
+          </p:cNvSpPr>
+          <p:nvPr>
+            <p:ph type="body" idx="1"/>
+          </p:nvPr>
+        </p:nvSpPr>
+        <p:spPr>
+          <a:xfrm>
+            <a:off x="2589212" y="4354046"/>
+            <a:ext cx="8915399" cy="1555864"/>
+          </a:xfrm>
+        </p:spPr>
+        <p:txBody>
+          <a:bodyPr anchor="ctr">
+            <a:normAutofit/>
+          </a:bodyPr>
+          <a:lstStyle>
+            <a:lvl1pPr marL="0" indent="0" algn="l">
+              <a:buNone/>
+              <a:defRPr sz="1800">
+                <a:solidFill>
+                  <a:schemeClr val="tx1">
+                    <a:lumMod val="65000"/>
+                    <a:lumOff val="35000"/>
+                  </a:schemeClr>
+                </a:solidFill>
+              </a:defRPr>
+            </a:lvl1pPr>
+            <a:lvl2pPr marL="457200" indent="0">
+              <a:buNone/>
+              <a:defRPr sz="1800">
+                <a:solidFill>
+                  <a:schemeClr val="tx1">
+                    <a:tint val="75000"/>
+                  </a:schemeClr>
+                </a:solidFill>
+              </a:defRPr>
+            </a:lvl2pPr>
+            <a:lvl3pPr marL="914400" indent="0">
+              <a:buNone/>
+              <a:defRPr sz="1600">
+                <a:solidFill>
+                  <a:schemeClr val="tx1">
+                    <a:tint val="75000"/>
+                  </a:schemeClr>
+                </a:solidFill>
+              </a:defRPr>
+            </a:lvl3pPr>
+            <a:lvl4pPr marL="1371600" indent="0">
+              <a:buNone/>
+              <a:defRPr sz="1400">
+                <a:solidFill>
+                  <a:schemeClr val="tx1">
+                    <a:tint val="75000"/>
+                  </a:schemeClr>
+                </a:solidFill>
+              </a:defRPr>
+            </a:lvl4pPr>
+            <a:lvl5pPr marL="1828800" indent="0">
+              <a:buNone/>
+              <a:defRPr sz="1400">
+                <a:solidFill>
+                  <a:schemeClr val="tx1">
+                    <a:tint val="75000"/>
+                  </a:schemeClr>
+                </a:solidFill>
+              </a:defRPr>
+            </a:lvl5pPr>
+            <a:lvl6pPr marL="2286000" indent="0">
+              <a:buNone/>
+              <a:defRPr sz="1400">
+                <a:solidFill>
+                  <a:schemeClr val="tx1">
+                    <a:tint val="75000"/>
+                  </a:schemeClr>
+                </a:solidFill>
+              </a:defRPr>
+            </a:lvl6pPr>
+            <a:lvl7pPr marL="2743200" indent="0">
+              <a:buNone/>
+              <a:defRPr sz="1400">
+                <a:solidFill>
+                  <a:schemeClr val="tx1">
+                    <a:tint val="75000"/>
+                  </a:schemeClr>
+                </a:solidFill>
+              </a:defRPr>
+            </a:lvl7pPr>
+            <a:lvl8pPr marL="3200400" indent="0">
+              <a:buNone/>
+              <a:defRPr sz="1400">
+                <a:solidFill>
+                  <a:schemeClr val="tx1">
+                    <a:tint val="75000"/>
+                  </a:schemeClr>
+                </a:solidFill>
+              </a:defRPr>
+            </a:lvl8pPr>
+            <a:lvl9pPr marL="3657600" indent="0">
+              <a:buNone/>
+              <a:defRPr sz="1400">
+                <a:solidFill>
+                  <a:schemeClr val="tx1">
+                    <a:tint val="75000"/>
+                  </a:schemeClr>
+                </a:solidFill>
+              </a:defRPr>
+            </a:lvl9pPr>
+          </a:lstStyle>
+          <a:p>
+            <a:pPr lvl="0"/>
+            <a:r>
+              <a:rPr lang="es-ES"/>
+              <a:t>Haga clic para modificar los estilos de texto del patrón</a:t>
+            </a:r>
+          </a:p>
+        </p:txBody>
+      </p:sp>
+      <p:sp>
+        <p:nvSpPr>
+          <p:cNvPr id="4" name="Date Placeholder 3"/>
+          <p:cNvSpPr>
+            <a:spLocks noGrp="1"/>
+          </p:cNvSpPr>
+          <p:nvPr>
+            <p:ph type="dt" sz="half" idx="10"/>
+          </p:nvPr>
+        </p:nvSpPr>
+        <p:spPr/>
+        <p:txBody>
+          <a:bodyPr/>
+          <a:lstStyle/>
+          <a:p>
+            <a:fld id="{156F32FC-E0FE-45CF-AE1E-604DAEA3C56A}" type="datetimeFigureOut">
+              <a:rPr lang="es-MX" smtClean="0"/>
+              <a:t>08/05/2019</a:t>
+            </a:fld>
+            <a:endParaRPr lang="es-MX"/>
+          </a:p>
+        </p:txBody>
+      </p:sp>
+      <p:sp>
+        <p:nvSpPr>
+          <p:cNvPr id="5" name="Footer Placeholder 4"/>
+          <p:cNvSpPr>
+            <a:spLocks noGrp="1"/>
+          </p:cNvSpPr>
+          <p:nvPr>
+            <p:ph type="ftr" sz="quarter" idx="11"/>
+          </p:nvPr>
+        </p:nvSpPr>
+        <p:spPr/>
+        <p:txBody>
+          <a:bodyPr/>
+          <a:lstStyle/>
+          <a:p>
+            <a:endParaRPr lang="es-MX"/>
+          </a:p>
+        </p:txBody>
+      </p:sp>
+      <p:sp>
+        <p:nvSpPr>
+          <p:cNvPr id="9" name="Freeform 11"/>
+          <p:cNvSpPr/>
+          <p:nvPr/>
+        </p:nvSpPr>
+        <p:spPr bwMode="auto">
+          <a:xfrm flipV="1">
+            <a:off x="-4189" y="3178175"/>
+            <a:ext cx="1588527" cy="507297"/>
+          </a:xfrm>
+          <a:custGeom>
+            <a:avLst/>
+            <a:gdLst/>
+            <a:ahLst/>
+            <a:cxnLst/>
+            <a:rect l="l" t="t" r="r" b="b"/>
+            <a:pathLst>
+              <a:path w="9248" h="10000">
+                <a:moveTo>
+                  <a:pt x="9248" y="4701"/>
+                </a:moveTo>
+                <a:lnTo>
+                  <a:pt x="7915" y="188"/>
+                </a:lnTo>
+                <a:cubicBezTo>
+                  <a:pt x="7906" y="156"/>
+                  <a:pt x="7895" y="126"/>
+                  <a:pt x="7886" y="94"/>
+                </a:cubicBezTo>
+                <a:cubicBezTo>
+                  <a:pt x="7859" y="0"/>
+                  <a:pt x="7831" y="0"/>
+                  <a:pt x="7803" y="0"/>
+                </a:cubicBezTo>
+                <a:lnTo>
+                  <a:pt x="7275" y="0"/>
+                </a:lnTo>
+                <a:lnTo>
+                  <a:pt x="0" y="70"/>
+                </a:lnTo>
+                <a:cubicBezTo>
+                  <a:pt x="8" y="3380"/>
+                  <a:pt x="17" y="6690"/>
+                  <a:pt x="25" y="10000"/>
+                </a:cubicBezTo>
+                <a:lnTo>
+                  <a:pt x="7275" y="9966"/>
+                </a:lnTo>
+                <a:lnTo>
+                  <a:pt x="7803" y="9966"/>
+                </a:lnTo>
+                <a:cubicBezTo>
+                  <a:pt x="7831" y="9966"/>
+                  <a:pt x="7859" y="9872"/>
+                  <a:pt x="7886" y="9872"/>
+                </a:cubicBezTo>
+                <a:cubicBezTo>
+                  <a:pt x="7886" y="9778"/>
+                  <a:pt x="7915" y="9778"/>
+                  <a:pt x="7915" y="9778"/>
+                </a:cubicBezTo>
+                <a:lnTo>
+                  <a:pt x="9248" y="5265"/>
+                </a:lnTo>
+                <a:cubicBezTo>
+                  <a:pt x="9303" y="5077"/>
+                  <a:pt x="9303" y="4889"/>
+                  <a:pt x="9248" y="4701"/>
+                </a:cubicBezTo>
+                <a:close/>
+              </a:path>
+            </a:pathLst>
+          </a:custGeom>
+          <a:solidFill>
+            <a:schemeClr val="accent1"/>
+          </a:solidFill>
+          <a:ln>
+            <a:noFill/>
+          </a:ln>
+        </p:spPr>
+      </p:sp>
+      <p:sp>
+        <p:nvSpPr>
+          <p:cNvPr id="6" name="Slide Number Placeholder 5"/>
+          <p:cNvSpPr>
+            <a:spLocks noGrp="1"/>
+          </p:cNvSpPr>
+          <p:nvPr>
+            <p:ph type="sldNum" sz="quarter" idx="12"/>
+          </p:nvPr>
+        </p:nvSpPr>
+        <p:spPr>
+          <a:xfrm>
+            <a:off x="531812" y="3244139"/>
+            <a:ext cx="779767" cy="365125"/>
+          </a:xfrm>
+        </p:spPr>
+        <p:txBody>
+          <a:bodyPr/>
+          <a:lstStyle/>
+          <a:p>
+            <a:fld id="{315E141C-80C7-4D49-948F-B64DEFB3BC22}" type="slidenum">
+              <a:rPr lang="es-MX" smtClean="0"/>
+              <a:t>‹Nº›</a:t>
+            </a:fld>
+            <a:endParaRPr lang="es-MX"/>
+          </a:p>
+        </p:txBody>
+      </p:sp>
+    </p:spTree>
+    <p:extLst>
+      <p:ext uri="{BB962C8B-B14F-4D97-AF65-F5344CB8AC3E}">
+        <p14:creationId xmlns:p14="http://schemas.microsoft.com/office/powerpoint/2010/main" val="3000738632"/>
+      </p:ext>
+    </p:extLst>
+  </p:cSld>
+  <p:clrMapOvr>
+    <a:masterClrMapping/>
+  </p:clrMapOvr>
+</p:sldLayout>
+</file>
+
+<file path=ppt/slideLayouts/slideLayout22.xml><?xml version="1.0" encoding="utf-8"?>
+<p:sldLayout xmlns:a="http://schemas.openxmlformats.org/drawingml/2006/main" xmlns:r="http://schemas.openxmlformats.org/officeDocument/2006/relationships" xmlns:p="http://schemas.openxmlformats.org/presentationml/2006/main" preserve="1">
+  <p:cSld name="Cita con descripción">
+    <p:spTree>
+      <p:nvGrpSpPr>
+        <p:cNvPr id="1" name=""/>
+        <p:cNvGrpSpPr/>
+        <p:nvPr/>
+      </p:nvGrpSpPr>
+      <p:grpSpPr>
+        <a:xfrm>
+          <a:off x="0" y="0"/>
+          <a:ext cx="0" cy="0"/>
+          <a:chOff x="0" y="0"/>
+          <a:chExt cx="0" cy="0"/>
+        </a:xfrm>
+      </p:grpSpPr>
+      <p:sp>
+        <p:nvSpPr>
+          <p:cNvPr id="2" name="Title 1"/>
+          <p:cNvSpPr>
+            <a:spLocks noGrp="1"/>
+          </p:cNvSpPr>
+          <p:nvPr>
+            <p:ph type="title"/>
+          </p:nvPr>
+        </p:nvSpPr>
+        <p:spPr>
+          <a:xfrm>
+            <a:off x="2849949" y="609600"/>
+            <a:ext cx="8393926" cy="2895600"/>
+          </a:xfrm>
+        </p:spPr>
+        <p:txBody>
+          <a:bodyPr anchor="ctr">
+            <a:normAutofit/>
+          </a:bodyPr>
+          <a:lstStyle>
+            <a:lvl1pPr algn="l">
+              <a:defRPr sz="4800" b="0" cap="none"/>
+            </a:lvl1pPr>
+          </a:lstStyle>
+          <a:p>
+            <a:r>
+              <a:rPr lang="es-ES"/>
+              <a:t>Haga clic para modificar el estilo de título del patrón</a:t>
+            </a:r>
+            <a:endParaRPr lang="en-US" dirty="0"/>
+          </a:p>
+        </p:txBody>
+      </p:sp>
+      <p:sp>
+        <p:nvSpPr>
+          <p:cNvPr id="13" name="Text Placeholder 9"/>
+          <p:cNvSpPr>
+            <a:spLocks noGrp="1"/>
+          </p:cNvSpPr>
+          <p:nvPr>
+            <p:ph type="body" sz="quarter" idx="13"/>
+          </p:nvPr>
+        </p:nvSpPr>
+        <p:spPr>
+          <a:xfrm>
+            <a:off x="3275012" y="3505200"/>
+            <a:ext cx="7536554" cy="381000"/>
+          </a:xfrm>
+        </p:spPr>
+        <p:txBody>
+          <a:bodyPr anchor="ctr">
+            <a:noAutofit/>
+          </a:bodyPr>
+          <a:lstStyle>
+            <a:lvl1pPr marL="0" indent="0">
+              <a:buFontTx/>
+              <a:buNone/>
+              <a:defRPr sz="1600">
+                <a:solidFill>
+                  <a:schemeClr val="tx1">
+                    <a:lumMod val="50000"/>
+                    <a:lumOff val="50000"/>
+                  </a:schemeClr>
+                </a:solidFill>
+              </a:defRPr>
+            </a:lvl1pPr>
+            <a:lvl2pPr marL="457200" indent="0">
+              <a:buFontTx/>
+              <a:buNone/>
+              <a:defRPr/>
+            </a:lvl2pPr>
+            <a:lvl3pPr marL="914400" indent="0">
+              <a:buFontTx/>
+              <a:buNone/>
+              <a:defRPr/>
+            </a:lvl3pPr>
+            <a:lvl4pPr marL="1371600" indent="0">
+              <a:buFontTx/>
+              <a:buNone/>
+              <a:defRPr/>
+            </a:lvl4pPr>
+            <a:lvl5pPr marL="1828800" indent="0">
+              <a:buFontTx/>
+              <a:buNone/>
+              <a:defRPr/>
+            </a:lvl5pPr>
+          </a:lstStyle>
+          <a:p>
+            <a:pPr lvl="0"/>
+            <a:r>
+              <a:rPr lang="es-ES"/>
+              <a:t>Haga clic para modificar los estilos de texto del patrón</a:t>
+            </a:r>
+          </a:p>
+        </p:txBody>
+      </p:sp>
+      <p:sp>
+        <p:nvSpPr>
+          <p:cNvPr id="3" name="Text Placeholder 2"/>
+          <p:cNvSpPr>
+            <a:spLocks noGrp="1"/>
+          </p:cNvSpPr>
+          <p:nvPr>
+            <p:ph type="body" idx="1"/>
+          </p:nvPr>
+        </p:nvSpPr>
+        <p:spPr>
+          <a:xfrm>
+            <a:off x="2589212" y="4354046"/>
+            <a:ext cx="8915399" cy="1555864"/>
+          </a:xfrm>
+        </p:spPr>
+        <p:txBody>
+          <a:bodyPr anchor="ctr">
+            <a:normAutofit/>
+          </a:bodyPr>
+          <a:lstStyle>
+            <a:lvl1pPr marL="0" indent="0" algn="l">
+              <a:buNone/>
+              <a:defRPr sz="1800">
+                <a:solidFill>
+                  <a:schemeClr val="tx1">
+                    <a:lumMod val="65000"/>
+                    <a:lumOff val="35000"/>
+                  </a:schemeClr>
+                </a:solidFill>
+              </a:defRPr>
+            </a:lvl1pPr>
+            <a:lvl2pPr marL="457200" indent="0">
+              <a:buNone/>
+              <a:defRPr sz="1800">
+                <a:solidFill>
+                  <a:schemeClr val="tx1">
+                    <a:tint val="75000"/>
+                  </a:schemeClr>
+                </a:solidFill>
+              </a:defRPr>
+            </a:lvl2pPr>
+            <a:lvl3pPr marL="914400" indent="0">
+              <a:buNone/>
+              <a:defRPr sz="1600">
+                <a:solidFill>
+                  <a:schemeClr val="tx1">
+                    <a:tint val="75000"/>
+                  </a:schemeClr>
+                </a:solidFill>
+              </a:defRPr>
+            </a:lvl3pPr>
+            <a:lvl4pPr marL="1371600" indent="0">
+              <a:buNone/>
+              <a:defRPr sz="1400">
+                <a:solidFill>
+                  <a:schemeClr val="tx1">
+                    <a:tint val="75000"/>
+                  </a:schemeClr>
+                </a:solidFill>
+              </a:defRPr>
+            </a:lvl4pPr>
+            <a:lvl5pPr marL="1828800" indent="0">
+              <a:buNone/>
+              <a:defRPr sz="1400">
+                <a:solidFill>
+                  <a:schemeClr val="tx1">
+                    <a:tint val="75000"/>
+                  </a:schemeClr>
+                </a:solidFill>
+              </a:defRPr>
+            </a:lvl5pPr>
+            <a:lvl6pPr marL="2286000" indent="0">
+              <a:buNone/>
+              <a:defRPr sz="1400">
+                <a:solidFill>
+                  <a:schemeClr val="tx1">
+                    <a:tint val="75000"/>
+                  </a:schemeClr>
+                </a:solidFill>
+              </a:defRPr>
+            </a:lvl6pPr>
+            <a:lvl7pPr marL="2743200" indent="0">
+              <a:buNone/>
+              <a:defRPr sz="1400">
+                <a:solidFill>
+                  <a:schemeClr val="tx1">
+                    <a:tint val="75000"/>
+                  </a:schemeClr>
+                </a:solidFill>
+              </a:defRPr>
+            </a:lvl7pPr>
+            <a:lvl8pPr marL="3200400" indent="0">
+              <a:buNone/>
+              <a:defRPr sz="1400">
+                <a:solidFill>
+                  <a:schemeClr val="tx1">
+                    <a:tint val="75000"/>
+                  </a:schemeClr>
+                </a:solidFill>
+              </a:defRPr>
+            </a:lvl8pPr>
+            <a:lvl9pPr marL="3657600" indent="0">
+              <a:buNone/>
+              <a:defRPr sz="1400">
+                <a:solidFill>
+                  <a:schemeClr val="tx1">
+                    <a:tint val="75000"/>
+                  </a:schemeClr>
+                </a:solidFill>
+              </a:defRPr>
+            </a:lvl9pPr>
+          </a:lstStyle>
+          <a:p>
+            <a:pPr lvl="0"/>
+            <a:r>
+              <a:rPr lang="es-ES"/>
+              <a:t>Haga clic para modificar los estilos de texto del patrón</a:t>
+            </a:r>
+          </a:p>
+        </p:txBody>
+      </p:sp>
+      <p:sp>
+        <p:nvSpPr>
+          <p:cNvPr id="4" name="Date Placeholder 3"/>
+          <p:cNvSpPr>
+            <a:spLocks noGrp="1"/>
+          </p:cNvSpPr>
+          <p:nvPr>
+            <p:ph type="dt" sz="half" idx="10"/>
+          </p:nvPr>
+        </p:nvSpPr>
+        <p:spPr/>
+        <p:txBody>
+          <a:bodyPr/>
+          <a:lstStyle/>
+          <a:p>
+            <a:fld id="{156F32FC-E0FE-45CF-AE1E-604DAEA3C56A}" type="datetimeFigureOut">
+              <a:rPr lang="es-MX" smtClean="0"/>
+              <a:t>08/05/2019</a:t>
+            </a:fld>
+            <a:endParaRPr lang="es-MX"/>
+          </a:p>
+        </p:txBody>
+      </p:sp>
+      <p:sp>
+        <p:nvSpPr>
+          <p:cNvPr id="5" name="Footer Placeholder 4"/>
+          <p:cNvSpPr>
+            <a:spLocks noGrp="1"/>
+          </p:cNvSpPr>
+          <p:nvPr>
+            <p:ph type="ftr" sz="quarter" idx="11"/>
+          </p:nvPr>
+        </p:nvSpPr>
+        <p:spPr/>
+        <p:txBody>
+          <a:bodyPr/>
+          <a:lstStyle/>
+          <a:p>
+            <a:endParaRPr lang="es-MX"/>
+          </a:p>
+        </p:txBody>
+      </p:sp>
+      <p:sp>
+        <p:nvSpPr>
+          <p:cNvPr id="11" name="Freeform 11"/>
+          <p:cNvSpPr/>
+          <p:nvPr/>
+        </p:nvSpPr>
+        <p:spPr bwMode="auto">
+          <a:xfrm flipV="1">
+            <a:off x="-4189" y="3178175"/>
+            <a:ext cx="1588527" cy="507297"/>
+          </a:xfrm>
+          <a:custGeom>
+            <a:avLst/>
+            <a:gdLst/>
+            <a:ahLst/>
+            <a:cxnLst/>
+            <a:rect l="l" t="t" r="r" b="b"/>
+            <a:pathLst>
+              <a:path w="9248" h="10000">
+                <a:moveTo>
+                  <a:pt x="9248" y="4701"/>
+                </a:moveTo>
+                <a:lnTo>
+                  <a:pt x="7915" y="188"/>
+                </a:lnTo>
+                <a:cubicBezTo>
+                  <a:pt x="7906" y="156"/>
+                  <a:pt x="7895" y="126"/>
+                  <a:pt x="7886" y="94"/>
+                </a:cubicBezTo>
+                <a:cubicBezTo>
+                  <a:pt x="7859" y="0"/>
+                  <a:pt x="7831" y="0"/>
+                  <a:pt x="7803" y="0"/>
+                </a:cubicBezTo>
+                <a:lnTo>
+                  <a:pt x="7275" y="0"/>
+                </a:lnTo>
+                <a:lnTo>
+                  <a:pt x="0" y="70"/>
+                </a:lnTo>
+                <a:cubicBezTo>
+                  <a:pt x="8" y="3380"/>
+                  <a:pt x="17" y="6690"/>
+                  <a:pt x="25" y="10000"/>
+                </a:cubicBezTo>
+                <a:lnTo>
+                  <a:pt x="7275" y="9966"/>
+                </a:lnTo>
+                <a:lnTo>
+                  <a:pt x="7803" y="9966"/>
+                </a:lnTo>
+                <a:cubicBezTo>
+                  <a:pt x="7831" y="9966"/>
+                  <a:pt x="7859" y="9872"/>
+                  <a:pt x="7886" y="9872"/>
+                </a:cubicBezTo>
+                <a:cubicBezTo>
+                  <a:pt x="7886" y="9778"/>
+                  <a:pt x="7915" y="9778"/>
+                  <a:pt x="7915" y="9778"/>
+                </a:cubicBezTo>
+                <a:lnTo>
+                  <a:pt x="9248" y="5265"/>
+                </a:lnTo>
+                <a:cubicBezTo>
+                  <a:pt x="9303" y="5077"/>
+                  <a:pt x="9303" y="4889"/>
+                  <a:pt x="9248" y="4701"/>
+                </a:cubicBezTo>
+                <a:close/>
+              </a:path>
+            </a:pathLst>
+          </a:custGeom>
+          <a:solidFill>
+            <a:schemeClr val="accent1"/>
+          </a:solidFill>
+          <a:ln>
+            <a:noFill/>
+          </a:ln>
+        </p:spPr>
+      </p:sp>
+      <p:sp>
+        <p:nvSpPr>
+          <p:cNvPr id="6" name="Slide Number Placeholder 5"/>
+          <p:cNvSpPr>
+            <a:spLocks noGrp="1"/>
+          </p:cNvSpPr>
+          <p:nvPr>
+            <p:ph type="sldNum" sz="quarter" idx="12"/>
+          </p:nvPr>
+        </p:nvSpPr>
+        <p:spPr>
+          <a:xfrm>
+            <a:off x="531812" y="3244139"/>
+            <a:ext cx="779767" cy="365125"/>
+          </a:xfrm>
+        </p:spPr>
+        <p:txBody>
+          <a:bodyPr/>
+          <a:lstStyle/>
+          <a:p>
+            <a:fld id="{315E141C-80C7-4D49-948F-B64DEFB3BC22}" type="slidenum">
+              <a:rPr lang="es-MX" smtClean="0"/>
+              <a:t>‹Nº›</a:t>
+            </a:fld>
+            <a:endParaRPr lang="es-MX"/>
+          </a:p>
+        </p:txBody>
+      </p:sp>
+      <p:sp>
+        <p:nvSpPr>
+          <p:cNvPr id="14" name="TextBox 13"/>
+          <p:cNvSpPr txBox="1"/>
+          <p:nvPr/>
+        </p:nvSpPr>
+        <p:spPr>
+          <a:xfrm>
+            <a:off x="2467652" y="648005"/>
+            <a:ext cx="609600" cy="584776"/>
+          </a:xfrm>
+          <a:prstGeom prst="rect">
+            <a:avLst/>
+          </a:prstGeom>
+        </p:spPr>
+        <p:txBody>
+          <a:bodyPr vert="horz" lIns="91440" tIns="45720" rIns="91440" bIns="45720" rtlCol="0" anchor="ctr">
+            <a:noAutofit/>
+          </a:bodyPr>
+          <a:lstStyle/>
+          <a:p>
+            <a:pPr lvl="0"/>
+            <a:r>
+              <a:rPr lang="en-US" sz="8000" baseline="0" dirty="0">
+                <a:ln w="3175" cmpd="sng">
+                  <a:noFill/>
+                </a:ln>
+                <a:solidFill>
+                  <a:schemeClr val="accent1"/>
+                </a:solidFill>
+                <a:effectLst/>
+                <a:latin typeface="Arial"/>
+              </a:rPr>
+              <a:t>“</a:t>
+            </a:r>
+          </a:p>
+        </p:txBody>
+      </p:sp>
+      <p:sp>
+        <p:nvSpPr>
+          <p:cNvPr id="15" name="TextBox 14"/>
+          <p:cNvSpPr txBox="1"/>
+          <p:nvPr/>
+        </p:nvSpPr>
+        <p:spPr>
+          <a:xfrm>
+            <a:off x="11114852" y="2905306"/>
+            <a:ext cx="609600" cy="584776"/>
+          </a:xfrm>
+          <a:prstGeom prst="rect">
+            <a:avLst/>
+          </a:prstGeom>
+        </p:spPr>
+        <p:txBody>
+          <a:bodyPr vert="horz" lIns="91440" tIns="45720" rIns="91440" bIns="45720" rtlCol="0" anchor="ctr">
+            <a:noAutofit/>
+          </a:bodyPr>
+          <a:lstStyle/>
+          <a:p>
+            <a:pPr lvl="0"/>
+            <a:r>
+              <a:rPr lang="en-US" sz="8000" baseline="0" dirty="0">
+                <a:ln w="3175" cmpd="sng">
+                  <a:noFill/>
+                </a:ln>
+                <a:solidFill>
+                  <a:schemeClr val="accent1"/>
+                </a:solidFill>
+                <a:effectLst/>
+                <a:latin typeface="Arial"/>
+              </a:rPr>
+              <a:t>”</a:t>
+            </a:r>
+          </a:p>
+        </p:txBody>
+      </p:sp>
+    </p:spTree>
+    <p:extLst>
+      <p:ext uri="{BB962C8B-B14F-4D97-AF65-F5344CB8AC3E}">
+        <p14:creationId xmlns:p14="http://schemas.microsoft.com/office/powerpoint/2010/main" val="2062799809"/>
+      </p:ext>
+    </p:extLst>
+  </p:cSld>
+  <p:clrMapOvr>
+    <a:masterClrMapping/>
+  </p:clrMapOvr>
+</p:sldLayout>
+</file>
+
+<file path=ppt/slideLayouts/slideLayout23.xml><?xml version="1.0" encoding="utf-8"?>
+<p:sldLayout xmlns:a="http://schemas.openxmlformats.org/drawingml/2006/main" xmlns:r="http://schemas.openxmlformats.org/officeDocument/2006/relationships" xmlns:p="http://schemas.openxmlformats.org/presentationml/2006/main" preserve="1">
+  <p:cSld name="Tarjeta de nombre">
+    <p:spTree>
+      <p:nvGrpSpPr>
+        <p:cNvPr id="1" name=""/>
+        <p:cNvGrpSpPr/>
+        <p:nvPr/>
+      </p:nvGrpSpPr>
+      <p:grpSpPr>
+        <a:xfrm>
+          <a:off x="0" y="0"/>
+          <a:ext cx="0" cy="0"/>
+          <a:chOff x="0" y="0"/>
+          <a:chExt cx="0" cy="0"/>
+        </a:xfrm>
+      </p:grpSpPr>
+      <p:sp>
+        <p:nvSpPr>
+          <p:cNvPr id="2" name="Title 1"/>
+          <p:cNvSpPr>
+            <a:spLocks noGrp="1"/>
+          </p:cNvSpPr>
+          <p:nvPr>
+            <p:ph type="title"/>
+          </p:nvPr>
+        </p:nvSpPr>
+        <p:spPr>
+          <a:xfrm>
+            <a:off x="2589213" y="2438400"/>
+            <a:ext cx="8915400" cy="2724845"/>
+          </a:xfrm>
+        </p:spPr>
+        <p:txBody>
+          <a:bodyPr anchor="b">
+            <a:normAutofit/>
+          </a:bodyPr>
+          <a:lstStyle>
+            <a:lvl1pPr algn="l">
+              <a:defRPr sz="4800" b="0"/>
+            </a:lvl1pPr>
+          </a:lstStyle>
+          <a:p>
+            <a:r>
+              <a:rPr lang="es-ES"/>
+              <a:t>Haga clic para modificar el estilo de título del patrón</a:t>
+            </a:r>
+            <a:endParaRPr lang="en-US" dirty="0"/>
+          </a:p>
+        </p:txBody>
+      </p:sp>
+      <p:sp>
+        <p:nvSpPr>
+          <p:cNvPr id="4" name="Text Placeholder 3"/>
+          <p:cNvSpPr>
+            <a:spLocks noGrp="1"/>
+          </p:cNvSpPr>
+          <p:nvPr>
+            <p:ph type="body" sz="half" idx="2"/>
+          </p:nvPr>
+        </p:nvSpPr>
+        <p:spPr>
+          <a:xfrm>
+            <a:off x="2589213" y="5181600"/>
+            <a:ext cx="8915400" cy="729622"/>
+          </a:xfrm>
+        </p:spPr>
+        <p:txBody>
+          <a:bodyPr vert="horz" lIns="91440" tIns="45720" rIns="91440" bIns="45720" rtlCol="0" anchor="t">
+            <a:normAutofit/>
+          </a:bodyPr>
+          <a:lstStyle>
+            <a:lvl1pPr>
+              <a:buNone/>
+              <a:defRPr lang="en-US">
+                <a:solidFill>
+                  <a:schemeClr val="tx1">
+                    <a:lumMod val="65000"/>
+                    <a:lumOff val="35000"/>
+                  </a:schemeClr>
+                </a:solidFill>
+              </a:defRPr>
+            </a:lvl1pPr>
+          </a:lstStyle>
+          <a:p>
+            <a:pPr marL="0" lvl="0" indent="0">
+              <a:buNone/>
+            </a:pPr>
+            <a:r>
+              <a:rPr lang="es-ES"/>
+              <a:t>Haga clic para modificar los estilos de texto del patrón</a:t>
+            </a:r>
+          </a:p>
+        </p:txBody>
+      </p:sp>
+      <p:sp>
+        <p:nvSpPr>
+          <p:cNvPr id="5" name="Date Placeholder 4"/>
+          <p:cNvSpPr>
+            <a:spLocks noGrp="1"/>
+          </p:cNvSpPr>
+          <p:nvPr>
+            <p:ph type="dt" sz="half" idx="10"/>
+          </p:nvPr>
+        </p:nvSpPr>
+        <p:spPr/>
+        <p:txBody>
+          <a:bodyPr/>
+          <a:lstStyle/>
+          <a:p>
+            <a:fld id="{156F32FC-E0FE-45CF-AE1E-604DAEA3C56A}" type="datetimeFigureOut">
+              <a:rPr lang="es-MX" smtClean="0"/>
+              <a:t>08/05/2019</a:t>
+            </a:fld>
+            <a:endParaRPr lang="es-MX"/>
+          </a:p>
+        </p:txBody>
+      </p:sp>
+      <p:sp>
+        <p:nvSpPr>
+          <p:cNvPr id="6" name="Footer Placeholder 5"/>
+          <p:cNvSpPr>
+            <a:spLocks noGrp="1"/>
+          </p:cNvSpPr>
+          <p:nvPr>
+            <p:ph type="ftr" sz="quarter" idx="11"/>
+          </p:nvPr>
+        </p:nvSpPr>
+        <p:spPr/>
+        <p:txBody>
+          <a:bodyPr/>
+          <a:lstStyle/>
+          <a:p>
+            <a:endParaRPr lang="es-MX"/>
+          </a:p>
+        </p:txBody>
+      </p:sp>
+      <p:sp>
+        <p:nvSpPr>
+          <p:cNvPr id="9" name="Freeform 11"/>
+          <p:cNvSpPr/>
+          <p:nvPr/>
+        </p:nvSpPr>
+        <p:spPr bwMode="auto">
+          <a:xfrm flipV="1">
+            <a:off x="-4189" y="4911725"/>
+            <a:ext cx="1588527" cy="507297"/>
+          </a:xfrm>
+          <a:custGeom>
+            <a:avLst/>
+            <a:gdLst/>
+            <a:ahLst/>
+            <a:cxnLst/>
+            <a:rect l="l" t="t" r="r" b="b"/>
+            <a:pathLst>
+              <a:path w="9248" h="10000">
+                <a:moveTo>
+                  <a:pt x="9248" y="4701"/>
+                </a:moveTo>
+                <a:lnTo>
+                  <a:pt x="7915" y="188"/>
+                </a:lnTo>
+                <a:cubicBezTo>
+                  <a:pt x="7906" y="156"/>
+                  <a:pt x="7895" y="126"/>
+                  <a:pt x="7886" y="94"/>
+                </a:cubicBezTo>
+                <a:cubicBezTo>
+                  <a:pt x="7859" y="0"/>
+                  <a:pt x="7831" y="0"/>
+                  <a:pt x="7803" y="0"/>
+                </a:cubicBezTo>
+                <a:lnTo>
+                  <a:pt x="7275" y="0"/>
+                </a:lnTo>
+                <a:lnTo>
+                  <a:pt x="0" y="70"/>
+                </a:lnTo>
+                <a:cubicBezTo>
+                  <a:pt x="8" y="3380"/>
+                  <a:pt x="17" y="6690"/>
+                  <a:pt x="25" y="10000"/>
+                </a:cubicBezTo>
+                <a:lnTo>
+                  <a:pt x="7275" y="9966"/>
+                </a:lnTo>
+                <a:lnTo>
+                  <a:pt x="7803" y="9966"/>
+                </a:lnTo>
+                <a:cubicBezTo>
+                  <a:pt x="7831" y="9966"/>
+                  <a:pt x="7859" y="9872"/>
+                  <a:pt x="7886" y="9872"/>
+                </a:cubicBezTo>
+                <a:cubicBezTo>
+                  <a:pt x="7886" y="9778"/>
+                  <a:pt x="7915" y="9778"/>
+                  <a:pt x="7915" y="9778"/>
+                </a:cubicBezTo>
+                <a:lnTo>
+                  <a:pt x="9248" y="5265"/>
+                </a:lnTo>
+                <a:cubicBezTo>
+                  <a:pt x="9303" y="5077"/>
+                  <a:pt x="9303" y="4889"/>
+                  <a:pt x="9248" y="4701"/>
+                </a:cubicBezTo>
+                <a:close/>
+              </a:path>
+            </a:pathLst>
+          </a:custGeom>
+          <a:solidFill>
+            <a:schemeClr val="accent1"/>
+          </a:solidFill>
+          <a:ln>
+            <a:noFill/>
+          </a:ln>
+        </p:spPr>
+      </p:sp>
+      <p:sp>
+        <p:nvSpPr>
+          <p:cNvPr id="7" name="Slide Number Placeholder 6"/>
+          <p:cNvSpPr>
+            <a:spLocks noGrp="1"/>
+          </p:cNvSpPr>
+          <p:nvPr>
+            <p:ph type="sldNum" sz="quarter" idx="12"/>
+          </p:nvPr>
+        </p:nvSpPr>
+        <p:spPr>
+          <a:xfrm>
+            <a:off x="531812" y="4983087"/>
+            <a:ext cx="779767" cy="365125"/>
+          </a:xfrm>
+        </p:spPr>
+        <p:txBody>
+          <a:bodyPr/>
+          <a:lstStyle/>
+          <a:p>
+            <a:fld id="{315E141C-80C7-4D49-948F-B64DEFB3BC22}" type="slidenum">
+              <a:rPr lang="es-MX" smtClean="0"/>
+              <a:t>‹Nº›</a:t>
+            </a:fld>
+            <a:endParaRPr lang="es-MX"/>
+          </a:p>
+        </p:txBody>
+      </p:sp>
+    </p:spTree>
+    <p:extLst>
+      <p:ext uri="{BB962C8B-B14F-4D97-AF65-F5344CB8AC3E}">
+        <p14:creationId xmlns:p14="http://schemas.microsoft.com/office/powerpoint/2010/main" val="2323711688"/>
+      </p:ext>
+    </p:extLst>
+  </p:cSld>
+  <p:clrMapOvr>
+    <a:masterClrMapping/>
+  </p:clrMapOvr>
+</p:sldLayout>
+</file>
+
+<file path=ppt/slideLayouts/slideLayout24.xml><?xml version="1.0" encoding="utf-8"?>
+<p:sldLayout xmlns:a="http://schemas.openxmlformats.org/drawingml/2006/main" xmlns:r="http://schemas.openxmlformats.org/officeDocument/2006/relationships" xmlns:p="http://schemas.openxmlformats.org/presentationml/2006/main" preserve="1">
+  <p:cSld name="Citar la tarjeta de nombre">
+    <p:spTree>
+      <p:nvGrpSpPr>
+        <p:cNvPr id="1" name=""/>
+        <p:cNvGrpSpPr/>
+        <p:nvPr/>
+      </p:nvGrpSpPr>
+      <p:grpSpPr>
+        <a:xfrm>
+          <a:off x="0" y="0"/>
+          <a:ext cx="0" cy="0"/>
+          <a:chOff x="0" y="0"/>
+          <a:chExt cx="0" cy="0"/>
+        </a:xfrm>
+      </p:grpSpPr>
+      <p:sp>
+        <p:nvSpPr>
+          <p:cNvPr id="12" name="Title 1"/>
+          <p:cNvSpPr>
+            <a:spLocks noGrp="1"/>
+          </p:cNvSpPr>
+          <p:nvPr>
+            <p:ph type="title"/>
+          </p:nvPr>
+        </p:nvSpPr>
+        <p:spPr>
+          <a:xfrm>
+            <a:off x="2849949" y="609600"/>
+            <a:ext cx="8393926" cy="2895600"/>
+          </a:xfrm>
+        </p:spPr>
+        <p:txBody>
+          <a:bodyPr anchor="ctr">
+            <a:normAutofit/>
+          </a:bodyPr>
+          <a:lstStyle>
+            <a:lvl1pPr algn="l">
+              <a:defRPr sz="4800" b="0" cap="none"/>
+            </a:lvl1pPr>
+          </a:lstStyle>
+          <a:p>
+            <a:r>
+              <a:rPr lang="es-ES"/>
+              <a:t>Haga clic para modificar el estilo de título del patrón</a:t>
+            </a:r>
+            <a:endParaRPr lang="en-US" dirty="0"/>
+          </a:p>
+        </p:txBody>
+      </p:sp>
+      <p:sp>
+        <p:nvSpPr>
+          <p:cNvPr id="21" name="Text Placeholder 9"/>
+          <p:cNvSpPr>
+            <a:spLocks noGrp="1"/>
+          </p:cNvSpPr>
+          <p:nvPr>
+            <p:ph type="body" sz="quarter" idx="13"/>
+          </p:nvPr>
+        </p:nvSpPr>
+        <p:spPr>
+          <a:xfrm>
+            <a:off x="2589212" y="4343400"/>
+            <a:ext cx="8915400" cy="838200"/>
+          </a:xfrm>
+        </p:spPr>
+        <p:txBody>
+          <a:bodyPr anchor="b">
+            <a:noAutofit/>
+          </a:bodyPr>
+          <a:lstStyle>
+            <a:lvl1pPr marL="0" indent="0">
+              <a:buFontTx/>
+              <a:buNone/>
+              <a:defRPr sz="2400">
+                <a:solidFill>
+                  <a:schemeClr val="accent1"/>
+                </a:solidFill>
+              </a:defRPr>
+            </a:lvl1pPr>
+            <a:lvl2pPr marL="457200" indent="0">
+              <a:buFontTx/>
+              <a:buNone/>
+              <a:defRPr/>
+            </a:lvl2pPr>
+            <a:lvl3pPr marL="914400" indent="0">
+              <a:buFontTx/>
+              <a:buNone/>
+              <a:defRPr/>
+            </a:lvl3pPr>
+            <a:lvl4pPr marL="1371600" indent="0">
+              <a:buFontTx/>
+              <a:buNone/>
+              <a:defRPr/>
+            </a:lvl4pPr>
+            <a:lvl5pPr marL="1828800" indent="0">
+              <a:buFontTx/>
+              <a:buNone/>
+              <a:defRPr/>
+            </a:lvl5pPr>
+          </a:lstStyle>
+          <a:p>
+            <a:pPr lvl="0"/>
+            <a:r>
+              <a:rPr lang="es-ES"/>
+              <a:t>Haga clic para modificar los estilos de texto del patrón</a:t>
+            </a:r>
+          </a:p>
+        </p:txBody>
+      </p:sp>
+      <p:sp>
+        <p:nvSpPr>
+          <p:cNvPr id="4" name="Text Placeholder 3"/>
+          <p:cNvSpPr>
+            <a:spLocks noGrp="1"/>
+          </p:cNvSpPr>
+          <p:nvPr>
+            <p:ph type="body" sz="half" idx="2"/>
+          </p:nvPr>
+        </p:nvSpPr>
+        <p:spPr>
+          <a:xfrm>
+            <a:off x="2589213" y="5181600"/>
+            <a:ext cx="8915400" cy="729622"/>
+          </a:xfrm>
+        </p:spPr>
+        <p:txBody>
+          <a:bodyPr vert="horz" lIns="91440" tIns="45720" rIns="91440" bIns="45720" rtlCol="0" anchor="t">
+            <a:normAutofit/>
+          </a:bodyPr>
+          <a:lstStyle>
+            <a:lvl1pPr>
+              <a:buNone/>
+              <a:defRPr lang="en-US">
+                <a:solidFill>
+                  <a:schemeClr val="tx1">
+                    <a:lumMod val="65000"/>
+                    <a:lumOff val="35000"/>
+                  </a:schemeClr>
+                </a:solidFill>
+              </a:defRPr>
+            </a:lvl1pPr>
+          </a:lstStyle>
+          <a:p>
+            <a:pPr marL="0" lvl="0" indent="0">
+              <a:buNone/>
+            </a:pPr>
+            <a:r>
+              <a:rPr lang="es-ES"/>
+              <a:t>Haga clic para modificar los estilos de texto del patrón</a:t>
+            </a:r>
+          </a:p>
+        </p:txBody>
+      </p:sp>
+      <p:sp>
+        <p:nvSpPr>
+          <p:cNvPr id="5" name="Date Placeholder 4"/>
+          <p:cNvSpPr>
+            <a:spLocks noGrp="1"/>
+          </p:cNvSpPr>
+          <p:nvPr>
+            <p:ph type="dt" sz="half" idx="10"/>
+          </p:nvPr>
+        </p:nvSpPr>
+        <p:spPr/>
+        <p:txBody>
+          <a:bodyPr/>
+          <a:lstStyle/>
+          <a:p>
+            <a:fld id="{156F32FC-E0FE-45CF-AE1E-604DAEA3C56A}" type="datetimeFigureOut">
+              <a:rPr lang="es-MX" smtClean="0"/>
+              <a:t>08/05/2019</a:t>
+            </a:fld>
+            <a:endParaRPr lang="es-MX"/>
+          </a:p>
+        </p:txBody>
+      </p:sp>
+      <p:sp>
+        <p:nvSpPr>
+          <p:cNvPr id="6" name="Footer Placeholder 5"/>
+          <p:cNvSpPr>
+            <a:spLocks noGrp="1"/>
+          </p:cNvSpPr>
+          <p:nvPr>
+            <p:ph type="ftr" sz="quarter" idx="11"/>
+          </p:nvPr>
+        </p:nvSpPr>
+        <p:spPr/>
+        <p:txBody>
+          <a:bodyPr/>
+          <a:lstStyle/>
+          <a:p>
+            <a:endParaRPr lang="es-MX"/>
+          </a:p>
+        </p:txBody>
+      </p:sp>
+      <p:sp>
+        <p:nvSpPr>
+          <p:cNvPr id="11" name="Freeform 11"/>
+          <p:cNvSpPr/>
+          <p:nvPr/>
+        </p:nvSpPr>
+        <p:spPr bwMode="auto">
+          <a:xfrm flipV="1">
+            <a:off x="-4189" y="4911725"/>
+            <a:ext cx="1588527" cy="507297"/>
+          </a:xfrm>
+          <a:custGeom>
+            <a:avLst/>
+            <a:gdLst/>
+            <a:ahLst/>
+            <a:cxnLst/>
+            <a:rect l="l" t="t" r="r" b="b"/>
+            <a:pathLst>
+              <a:path w="9248" h="10000">
+                <a:moveTo>
+                  <a:pt x="9248" y="4701"/>
+                </a:moveTo>
+                <a:lnTo>
+                  <a:pt x="7915" y="188"/>
+                </a:lnTo>
+                <a:cubicBezTo>
+                  <a:pt x="7906" y="156"/>
+                  <a:pt x="7895" y="126"/>
+                  <a:pt x="7886" y="94"/>
+                </a:cubicBezTo>
+                <a:cubicBezTo>
+                  <a:pt x="7859" y="0"/>
+                  <a:pt x="7831" y="0"/>
+                  <a:pt x="7803" y="0"/>
+                </a:cubicBezTo>
+                <a:lnTo>
+                  <a:pt x="7275" y="0"/>
+                </a:lnTo>
+                <a:lnTo>
+                  <a:pt x="0" y="70"/>
+                </a:lnTo>
+                <a:cubicBezTo>
+                  <a:pt x="8" y="3380"/>
+                  <a:pt x="17" y="6690"/>
+                  <a:pt x="25" y="10000"/>
+                </a:cubicBezTo>
+                <a:lnTo>
+                  <a:pt x="7275" y="9966"/>
+                </a:lnTo>
+                <a:lnTo>
+                  <a:pt x="7803" y="9966"/>
+                </a:lnTo>
+                <a:cubicBezTo>
+                  <a:pt x="7831" y="9966"/>
+                  <a:pt x="7859" y="9872"/>
+                  <a:pt x="7886" y="9872"/>
+                </a:cubicBezTo>
+                <a:cubicBezTo>
+                  <a:pt x="7886" y="9778"/>
+                  <a:pt x="7915" y="9778"/>
+                  <a:pt x="7915" y="9778"/>
+                </a:cubicBezTo>
+                <a:lnTo>
+                  <a:pt x="9248" y="5265"/>
+                </a:lnTo>
+                <a:cubicBezTo>
+                  <a:pt x="9303" y="5077"/>
+                  <a:pt x="9303" y="4889"/>
+                  <a:pt x="9248" y="4701"/>
+                </a:cubicBezTo>
+                <a:close/>
+              </a:path>
+            </a:pathLst>
+          </a:custGeom>
+          <a:solidFill>
+            <a:schemeClr val="accent1"/>
+          </a:solidFill>
+          <a:ln>
+            <a:noFill/>
+          </a:ln>
+        </p:spPr>
+      </p:sp>
+      <p:sp>
+        <p:nvSpPr>
+          <p:cNvPr id="7" name="Slide Number Placeholder 6"/>
+          <p:cNvSpPr>
+            <a:spLocks noGrp="1"/>
+          </p:cNvSpPr>
+          <p:nvPr>
+            <p:ph type="sldNum" sz="quarter" idx="12"/>
+          </p:nvPr>
+        </p:nvSpPr>
+        <p:spPr>
+          <a:xfrm>
+            <a:off x="531812" y="4983087"/>
+            <a:ext cx="779767" cy="365125"/>
+          </a:xfrm>
+        </p:spPr>
+        <p:txBody>
+          <a:bodyPr/>
+          <a:lstStyle/>
+          <a:p>
+            <a:fld id="{315E141C-80C7-4D49-948F-B64DEFB3BC22}" type="slidenum">
+              <a:rPr lang="es-MX" smtClean="0"/>
+              <a:t>‹Nº›</a:t>
+            </a:fld>
+            <a:endParaRPr lang="es-MX"/>
+          </a:p>
+        </p:txBody>
+      </p:sp>
+      <p:sp>
+        <p:nvSpPr>
+          <p:cNvPr id="17" name="TextBox 16"/>
+          <p:cNvSpPr txBox="1"/>
+          <p:nvPr/>
+        </p:nvSpPr>
+        <p:spPr>
+          <a:xfrm>
+            <a:off x="2467652" y="648005"/>
+            <a:ext cx="609600" cy="584776"/>
+          </a:xfrm>
+          <a:prstGeom prst="rect">
+            <a:avLst/>
+          </a:prstGeom>
+        </p:spPr>
+        <p:txBody>
+          <a:bodyPr vert="horz" lIns="91440" tIns="45720" rIns="91440" bIns="45720" rtlCol="0" anchor="ctr">
+            <a:noAutofit/>
+          </a:bodyPr>
+          <a:lstStyle/>
+          <a:p>
+            <a:pPr lvl="0"/>
+            <a:r>
+              <a:rPr lang="en-US" sz="8000" baseline="0" dirty="0">
+                <a:ln w="3175" cmpd="sng">
+                  <a:noFill/>
+                </a:ln>
+                <a:solidFill>
+                  <a:schemeClr val="accent1"/>
+                </a:solidFill>
+                <a:effectLst/>
+                <a:latin typeface="Arial"/>
+              </a:rPr>
+              <a:t>“</a:t>
+            </a:r>
+          </a:p>
+        </p:txBody>
+      </p:sp>
+      <p:sp>
+        <p:nvSpPr>
+          <p:cNvPr id="18" name="TextBox 17"/>
+          <p:cNvSpPr txBox="1"/>
+          <p:nvPr/>
+        </p:nvSpPr>
+        <p:spPr>
+          <a:xfrm>
+            <a:off x="11114852" y="2905306"/>
+            <a:ext cx="609600" cy="584776"/>
+          </a:xfrm>
+          <a:prstGeom prst="rect">
+            <a:avLst/>
+          </a:prstGeom>
+        </p:spPr>
+        <p:txBody>
+          <a:bodyPr vert="horz" lIns="91440" tIns="45720" rIns="91440" bIns="45720" rtlCol="0" anchor="ctr">
+            <a:noAutofit/>
+          </a:bodyPr>
+          <a:lstStyle/>
+          <a:p>
+            <a:pPr lvl="0"/>
+            <a:r>
+              <a:rPr lang="en-US" sz="8000" baseline="0" dirty="0">
+                <a:ln w="3175" cmpd="sng">
+                  <a:noFill/>
+                </a:ln>
+                <a:solidFill>
+                  <a:schemeClr val="accent1"/>
+                </a:solidFill>
+                <a:effectLst/>
+                <a:latin typeface="Arial"/>
+              </a:rPr>
+              <a:t>”</a:t>
+            </a:r>
+          </a:p>
+        </p:txBody>
+      </p:sp>
+    </p:spTree>
+    <p:extLst>
+      <p:ext uri="{BB962C8B-B14F-4D97-AF65-F5344CB8AC3E}">
+        <p14:creationId xmlns:p14="http://schemas.microsoft.com/office/powerpoint/2010/main" val="2272689490"/>
+      </p:ext>
+    </p:extLst>
+  </p:cSld>
+  <p:clrMapOvr>
+    <a:masterClrMapping/>
+  </p:clrMapOvr>
+</p:sldLayout>
+</file>
+
+<file path=ppt/slideLayouts/slideLayout25.xml><?xml version="1.0" encoding="utf-8"?>
+<p:sldLayout xmlns:a="http://schemas.openxmlformats.org/drawingml/2006/main" xmlns:r="http://schemas.openxmlformats.org/officeDocument/2006/relationships" xmlns:p="http://schemas.openxmlformats.org/presentationml/2006/main" preserve="1">
+  <p:cSld name="Verdadero o falso">
+    <p:spTree>
+      <p:nvGrpSpPr>
+        <p:cNvPr id="1" name=""/>
+        <p:cNvGrpSpPr/>
+        <p:nvPr/>
+      </p:nvGrpSpPr>
+      <p:grpSpPr>
+        <a:xfrm>
+          <a:off x="0" y="0"/>
+          <a:ext cx="0" cy="0"/>
+          <a:chOff x="0" y="0"/>
+          <a:chExt cx="0" cy="0"/>
+        </a:xfrm>
+      </p:grpSpPr>
+      <p:sp>
+        <p:nvSpPr>
+          <p:cNvPr id="2" name="Title 1"/>
+          <p:cNvSpPr>
+            <a:spLocks noGrp="1"/>
+          </p:cNvSpPr>
+          <p:nvPr>
+            <p:ph type="title"/>
+          </p:nvPr>
+        </p:nvSpPr>
+        <p:spPr>
+          <a:xfrm>
+            <a:off x="2589212" y="627407"/>
+            <a:ext cx="8915399" cy="2880020"/>
+          </a:xfrm>
+        </p:spPr>
+        <p:txBody>
+          <a:bodyPr anchor="ctr">
+            <a:normAutofit/>
+          </a:bodyPr>
+          <a:lstStyle>
+            <a:lvl1pPr algn="l">
+              <a:defRPr sz="4800" b="0"/>
+            </a:lvl1pPr>
+          </a:lstStyle>
+          <a:p>
+            <a:r>
+              <a:rPr lang="es-ES"/>
+              <a:t>Haga clic para modificar el estilo de título del patrón</a:t>
+            </a:r>
+            <a:endParaRPr lang="en-US" dirty="0"/>
+          </a:p>
+        </p:txBody>
+      </p:sp>
+      <p:sp>
+        <p:nvSpPr>
+          <p:cNvPr id="21" name="Text Placeholder 9"/>
+          <p:cNvSpPr>
+            <a:spLocks noGrp="1"/>
+          </p:cNvSpPr>
+          <p:nvPr>
+            <p:ph type="body" sz="quarter" idx="13"/>
+          </p:nvPr>
+        </p:nvSpPr>
+        <p:spPr>
+          <a:xfrm>
+            <a:off x="2589212" y="4343400"/>
+            <a:ext cx="8915400" cy="838200"/>
+          </a:xfrm>
+        </p:spPr>
+        <p:txBody>
+          <a:bodyPr anchor="b">
+            <a:noAutofit/>
+          </a:bodyPr>
+          <a:lstStyle>
+            <a:lvl1pPr marL="0" indent="0">
+              <a:buFontTx/>
+              <a:buNone/>
+              <a:defRPr sz="2400">
+                <a:solidFill>
+                  <a:schemeClr val="accent1"/>
+                </a:solidFill>
+              </a:defRPr>
+            </a:lvl1pPr>
+            <a:lvl2pPr marL="457200" indent="0">
+              <a:buFontTx/>
+              <a:buNone/>
+              <a:defRPr/>
+            </a:lvl2pPr>
+            <a:lvl3pPr marL="914400" indent="0">
+              <a:buFontTx/>
+              <a:buNone/>
+              <a:defRPr/>
+            </a:lvl3pPr>
+            <a:lvl4pPr marL="1371600" indent="0">
+              <a:buFontTx/>
+              <a:buNone/>
+              <a:defRPr/>
+            </a:lvl4pPr>
+            <a:lvl5pPr marL="1828800" indent="0">
+              <a:buFontTx/>
+              <a:buNone/>
+              <a:defRPr/>
+            </a:lvl5pPr>
+          </a:lstStyle>
+          <a:p>
+            <a:pPr lvl="0"/>
+            <a:r>
+              <a:rPr lang="es-ES"/>
+              <a:t>Haga clic para modificar los estilos de texto del patrón</a:t>
+            </a:r>
+          </a:p>
+        </p:txBody>
+      </p:sp>
+      <p:sp>
+        <p:nvSpPr>
+          <p:cNvPr id="4" name="Text Placeholder 3"/>
+          <p:cNvSpPr>
+            <a:spLocks noGrp="1"/>
+          </p:cNvSpPr>
+          <p:nvPr>
+            <p:ph type="body" sz="half" idx="2"/>
+          </p:nvPr>
+        </p:nvSpPr>
+        <p:spPr>
+          <a:xfrm>
+            <a:off x="2589213" y="5181600"/>
+            <a:ext cx="8915400" cy="729622"/>
+          </a:xfrm>
+        </p:spPr>
+        <p:txBody>
+          <a:bodyPr vert="horz" lIns="91440" tIns="45720" rIns="91440" bIns="45720" rtlCol="0" anchor="t">
+            <a:normAutofit/>
+          </a:bodyPr>
+          <a:lstStyle>
+            <a:lvl1pPr>
+              <a:buNone/>
+              <a:defRPr lang="en-US">
+                <a:solidFill>
+                  <a:schemeClr val="tx1">
+                    <a:lumMod val="65000"/>
+                    <a:lumOff val="35000"/>
+                  </a:schemeClr>
+                </a:solidFill>
+              </a:defRPr>
+            </a:lvl1pPr>
+          </a:lstStyle>
+          <a:p>
+            <a:pPr marL="0" lvl="0" indent="0">
+              <a:buNone/>
+            </a:pPr>
+            <a:r>
+              <a:rPr lang="es-ES"/>
+              <a:t>Haga clic para modificar los estilos de texto del patrón</a:t>
+            </a:r>
+          </a:p>
+        </p:txBody>
+      </p:sp>
+      <p:sp>
+        <p:nvSpPr>
+          <p:cNvPr id="5" name="Date Placeholder 4"/>
+          <p:cNvSpPr>
+            <a:spLocks noGrp="1"/>
+          </p:cNvSpPr>
+          <p:nvPr>
+            <p:ph type="dt" sz="half" idx="10"/>
+          </p:nvPr>
+        </p:nvSpPr>
+        <p:spPr/>
+        <p:txBody>
+          <a:bodyPr/>
+          <a:lstStyle/>
+          <a:p>
+            <a:fld id="{156F32FC-E0FE-45CF-AE1E-604DAEA3C56A}" type="datetimeFigureOut">
+              <a:rPr lang="es-MX" smtClean="0"/>
+              <a:t>08/05/2019</a:t>
+            </a:fld>
+            <a:endParaRPr lang="es-MX"/>
+          </a:p>
+        </p:txBody>
+      </p:sp>
+      <p:sp>
+        <p:nvSpPr>
+          <p:cNvPr id="6" name="Footer Placeholder 5"/>
+          <p:cNvSpPr>
+            <a:spLocks noGrp="1"/>
+          </p:cNvSpPr>
+          <p:nvPr>
+            <p:ph type="ftr" sz="quarter" idx="11"/>
+          </p:nvPr>
+        </p:nvSpPr>
+        <p:spPr/>
+        <p:txBody>
+          <a:bodyPr/>
+          <a:lstStyle/>
+          <a:p>
+            <a:endParaRPr lang="es-MX"/>
+          </a:p>
+        </p:txBody>
+      </p:sp>
+      <p:sp>
+        <p:nvSpPr>
+          <p:cNvPr id="9" name="Freeform 11"/>
+          <p:cNvSpPr/>
+          <p:nvPr/>
+        </p:nvSpPr>
+        <p:spPr bwMode="auto">
+          <a:xfrm flipV="1">
+            <a:off x="-4189" y="4911725"/>
+            <a:ext cx="1588527" cy="507297"/>
+          </a:xfrm>
+          <a:custGeom>
+            <a:avLst/>
+            <a:gdLst/>
+            <a:ahLst/>
+            <a:cxnLst/>
+            <a:rect l="l" t="t" r="r" b="b"/>
+            <a:pathLst>
+              <a:path w="9248" h="10000">
+                <a:moveTo>
+                  <a:pt x="9248" y="4701"/>
+                </a:moveTo>
+                <a:lnTo>
+                  <a:pt x="7915" y="188"/>
+                </a:lnTo>
+                <a:cubicBezTo>
+                  <a:pt x="7906" y="156"/>
+                  <a:pt x="7895" y="126"/>
+                  <a:pt x="7886" y="94"/>
+                </a:cubicBezTo>
+                <a:cubicBezTo>
+                  <a:pt x="7859" y="0"/>
+                  <a:pt x="7831" y="0"/>
+                  <a:pt x="7803" y="0"/>
+                </a:cubicBezTo>
+                <a:lnTo>
+                  <a:pt x="7275" y="0"/>
+                </a:lnTo>
+                <a:lnTo>
+                  <a:pt x="0" y="70"/>
+                </a:lnTo>
+                <a:cubicBezTo>
+                  <a:pt x="8" y="3380"/>
+                  <a:pt x="17" y="6690"/>
+                  <a:pt x="25" y="10000"/>
+                </a:cubicBezTo>
+                <a:lnTo>
+                  <a:pt x="7275" y="9966"/>
+                </a:lnTo>
+                <a:lnTo>
+                  <a:pt x="7803" y="9966"/>
+                </a:lnTo>
+                <a:cubicBezTo>
+                  <a:pt x="7831" y="9966"/>
+                  <a:pt x="7859" y="9872"/>
+                  <a:pt x="7886" y="9872"/>
+                </a:cubicBezTo>
+                <a:cubicBezTo>
+                  <a:pt x="7886" y="9778"/>
+                  <a:pt x="7915" y="9778"/>
+                  <a:pt x="7915" y="9778"/>
+                </a:cubicBezTo>
+                <a:lnTo>
+                  <a:pt x="9248" y="5265"/>
+                </a:lnTo>
+                <a:cubicBezTo>
+                  <a:pt x="9303" y="5077"/>
+                  <a:pt x="9303" y="4889"/>
+                  <a:pt x="9248" y="4701"/>
+                </a:cubicBezTo>
+                <a:close/>
+              </a:path>
+            </a:pathLst>
+          </a:custGeom>
+          <a:solidFill>
+            <a:schemeClr val="accent1"/>
+          </a:solidFill>
+          <a:ln>
+            <a:noFill/>
+          </a:ln>
+        </p:spPr>
+      </p:sp>
+      <p:sp>
+        <p:nvSpPr>
+          <p:cNvPr id="7" name="Slide Number Placeholder 6"/>
+          <p:cNvSpPr>
+            <a:spLocks noGrp="1"/>
+          </p:cNvSpPr>
+          <p:nvPr>
+            <p:ph type="sldNum" sz="quarter" idx="12"/>
+          </p:nvPr>
+        </p:nvSpPr>
+        <p:spPr>
+          <a:xfrm>
+            <a:off x="531812" y="4983087"/>
+            <a:ext cx="779767" cy="365125"/>
+          </a:xfrm>
+        </p:spPr>
+        <p:txBody>
+          <a:bodyPr/>
+          <a:lstStyle/>
+          <a:p>
+            <a:fld id="{315E141C-80C7-4D49-948F-B64DEFB3BC22}" type="slidenum">
+              <a:rPr lang="es-MX" smtClean="0"/>
+              <a:t>‹Nº›</a:t>
+            </a:fld>
+            <a:endParaRPr lang="es-MX"/>
+          </a:p>
+        </p:txBody>
+      </p:sp>
+    </p:spTree>
+    <p:extLst>
+      <p:ext uri="{BB962C8B-B14F-4D97-AF65-F5344CB8AC3E}">
+        <p14:creationId xmlns:p14="http://schemas.microsoft.com/office/powerpoint/2010/main" val="1185994582"/>
+      </p:ext>
+    </p:extLst>
+  </p:cSld>
+  <p:clrMapOvr>
+    <a:masterClrMapping/>
+  </p:clrMapOvr>
+</p:sldLayout>
+</file>
+
+<file path=ppt/slideLayouts/slideLayout26.xml><?xml version="1.0" encoding="utf-8"?>
+<p:sldLayout xmlns:a="http://schemas.openxmlformats.org/drawingml/2006/main" xmlns:r="http://schemas.openxmlformats.org/officeDocument/2006/relationships" xmlns:p="http://schemas.openxmlformats.org/presentationml/2006/main" type="vertTx" preserve="1">
+  <p:cSld name="Título y texto vertical">
+    <p:spTree>
+      <p:nvGrpSpPr>
+        <p:cNvPr id="1" name=""/>
+        <p:cNvGrpSpPr/>
+        <p:nvPr/>
+      </p:nvGrpSpPr>
+      <p:grpSpPr>
+        <a:xfrm>
+          <a:off x="0" y="0"/>
+          <a:ext cx="0" cy="0"/>
+          <a:chOff x="0" y="0"/>
+          <a:chExt cx="0" cy="0"/>
+        </a:xfrm>
+      </p:grpSpPr>
+      <p:sp>
+        <p:nvSpPr>
+          <p:cNvPr id="2" name="Title 1"/>
+          <p:cNvSpPr>
+            <a:spLocks noGrp="1"/>
+          </p:cNvSpPr>
+          <p:nvPr>
+            <p:ph type="title"/>
+          </p:nvPr>
+        </p:nvSpPr>
+        <p:spPr/>
+        <p:txBody>
+          <a:bodyPr/>
+          <a:lstStyle/>
+          <a:p>
+            <a:r>
+              <a:rPr lang="es-ES"/>
+              <a:t>Haga clic para modificar el estilo de título del patrón</a:t>
+            </a:r>
+            <a:endParaRPr lang="en-US" dirty="0"/>
+          </a:p>
+        </p:txBody>
+      </p:sp>
+      <p:sp>
+        <p:nvSpPr>
+          <p:cNvPr id="3" name="Vertical Text Placeholder 2"/>
+          <p:cNvSpPr>
+            <a:spLocks noGrp="1"/>
+          </p:cNvSpPr>
+          <p:nvPr>
+            <p:ph type="body" orient="vert" idx="1"/>
+          </p:nvPr>
+        </p:nvSpPr>
+        <p:spPr/>
+        <p:txBody>
+          <a:bodyPr vert="eaVert" anchor="t"/>
+          <a:lstStyle/>
+          <a:p>
+            <a:pPr lvl="0"/>
+            <a:r>
+              <a:rPr lang="es-ES"/>
+              <a:t>Haga clic para modificar los estilos de texto del patrón</a:t>
+            </a:r>
+          </a:p>
+          <a:p>
+            <a:pPr lvl="1"/>
+            <a:r>
+              <a:rPr lang="es-ES"/>
+              <a:t>Segundo nivel</a:t>
+            </a:r>
+          </a:p>
+          <a:p>
+            <a:pPr lvl="2"/>
+            <a:r>
+              <a:rPr lang="es-ES"/>
+              <a:t>Tercer nivel</a:t>
+            </a:r>
+          </a:p>
+          <a:p>
+            <a:pPr lvl="3"/>
+            <a:r>
+              <a:rPr lang="es-ES"/>
+              <a:t>Cuarto nivel</a:t>
+            </a:r>
+          </a:p>
+          <a:p>
+            <a:pPr lvl="4"/>
+            <a:r>
+              <a:rPr lang="es-ES"/>
+              <a:t>Quinto nivel</a:t>
+            </a:r>
+            <a:endParaRPr lang="en-US" dirty="0"/>
+          </a:p>
+        </p:txBody>
+      </p:sp>
+      <p:sp>
+        <p:nvSpPr>
+          <p:cNvPr id="4" name="Date Placeholder 3"/>
+          <p:cNvSpPr>
+            <a:spLocks noGrp="1"/>
+          </p:cNvSpPr>
+          <p:nvPr>
+            <p:ph type="dt" sz="half" idx="10"/>
+          </p:nvPr>
+        </p:nvSpPr>
+        <p:spPr/>
+        <p:txBody>
+          <a:bodyPr/>
+          <a:lstStyle/>
+          <a:p>
+            <a:fld id="{156F32FC-E0FE-45CF-AE1E-604DAEA3C56A}" type="datetimeFigureOut">
+              <a:rPr lang="es-MX" smtClean="0"/>
+              <a:t>08/05/2019</a:t>
+            </a:fld>
+            <a:endParaRPr lang="es-MX"/>
+          </a:p>
+        </p:txBody>
+      </p:sp>
+      <p:sp>
+        <p:nvSpPr>
+          <p:cNvPr id="5" name="Footer Placeholder 4"/>
+          <p:cNvSpPr>
+            <a:spLocks noGrp="1"/>
+          </p:cNvSpPr>
+          <p:nvPr>
+            <p:ph type="ftr" sz="quarter" idx="11"/>
+          </p:nvPr>
+        </p:nvSpPr>
+        <p:spPr/>
+        <p:txBody>
+          <a:bodyPr/>
+          <a:lstStyle/>
+          <a:p>
+            <a:endParaRPr lang="es-MX"/>
+          </a:p>
+        </p:txBody>
+      </p:sp>
+      <p:sp>
+        <p:nvSpPr>
+          <p:cNvPr id="8" name="Freeform 11"/>
+          <p:cNvSpPr/>
+          <p:nvPr/>
+        </p:nvSpPr>
+        <p:spPr bwMode="auto">
+          <a:xfrm flipV="1">
+            <a:off x="-4189" y="714375"/>
+            <a:ext cx="1588527" cy="507297"/>
+          </a:xfrm>
+          <a:custGeom>
+            <a:avLst/>
+            <a:gdLst/>
+            <a:ahLst/>
+            <a:cxnLst/>
+            <a:rect l="l" t="t" r="r" b="b"/>
+            <a:pathLst>
+              <a:path w="9248" h="10000">
+                <a:moveTo>
+                  <a:pt x="9248" y="4701"/>
+                </a:moveTo>
+                <a:lnTo>
+                  <a:pt x="7915" y="188"/>
+                </a:lnTo>
+                <a:cubicBezTo>
+                  <a:pt x="7906" y="156"/>
+                  <a:pt x="7895" y="126"/>
+                  <a:pt x="7886" y="94"/>
+                </a:cubicBezTo>
+                <a:cubicBezTo>
+                  <a:pt x="7859" y="0"/>
+                  <a:pt x="7831" y="0"/>
+                  <a:pt x="7803" y="0"/>
+                </a:cubicBezTo>
+                <a:lnTo>
+                  <a:pt x="7275" y="0"/>
+                </a:lnTo>
+                <a:lnTo>
+                  <a:pt x="0" y="70"/>
+                </a:lnTo>
+                <a:cubicBezTo>
+                  <a:pt x="8" y="3380"/>
+                  <a:pt x="17" y="6690"/>
+                  <a:pt x="25" y="10000"/>
+                </a:cubicBezTo>
+                <a:lnTo>
+                  <a:pt x="7275" y="9966"/>
+                </a:lnTo>
+                <a:lnTo>
+                  <a:pt x="7803" y="9966"/>
+                </a:lnTo>
+                <a:cubicBezTo>
+                  <a:pt x="7831" y="9966"/>
+                  <a:pt x="7859" y="9872"/>
+                  <a:pt x="7886" y="9872"/>
+                </a:cubicBezTo>
+                <a:cubicBezTo>
+                  <a:pt x="7886" y="9778"/>
+                  <a:pt x="7915" y="9778"/>
+                  <a:pt x="7915" y="9778"/>
+                </a:cubicBezTo>
+                <a:lnTo>
+                  <a:pt x="9248" y="5265"/>
+                </a:lnTo>
+                <a:cubicBezTo>
+                  <a:pt x="9303" y="5077"/>
+                  <a:pt x="9303" y="4889"/>
+                  <a:pt x="9248" y="4701"/>
+                </a:cubicBezTo>
+                <a:close/>
+              </a:path>
+            </a:pathLst>
+          </a:custGeom>
+          <a:solidFill>
+            <a:schemeClr val="accent1"/>
+          </a:solidFill>
+          <a:ln>
+            <a:noFill/>
+          </a:ln>
+        </p:spPr>
+      </p:sp>
+      <p:sp>
+        <p:nvSpPr>
+          <p:cNvPr id="6" name="Slide Number Placeholder 5"/>
+          <p:cNvSpPr>
+            <a:spLocks noGrp="1"/>
+          </p:cNvSpPr>
+          <p:nvPr>
+            <p:ph type="sldNum" sz="quarter" idx="12"/>
+          </p:nvPr>
+        </p:nvSpPr>
+        <p:spPr/>
+        <p:txBody>
+          <a:bodyPr/>
+          <a:lstStyle/>
+          <a:p>
+            <a:fld id="{315E141C-80C7-4D49-948F-B64DEFB3BC22}" type="slidenum">
+              <a:rPr lang="es-MX" smtClean="0"/>
+              <a:t>‹Nº›</a:t>
+            </a:fld>
+            <a:endParaRPr lang="es-MX"/>
+          </a:p>
+        </p:txBody>
+      </p:sp>
+    </p:spTree>
+    <p:extLst>
+      <p:ext uri="{BB962C8B-B14F-4D97-AF65-F5344CB8AC3E}">
+        <p14:creationId xmlns:p14="http://schemas.microsoft.com/office/powerpoint/2010/main" val="2677990467"/>
+      </p:ext>
+    </p:extLst>
+  </p:cSld>
+  <p:clrMapOvr>
+    <a:masterClrMapping/>
+  </p:clrMapOvr>
+</p:sldLayout>
+</file>
+
+<file path=ppt/slideLayouts/slideLayout27.xml><?xml version="1.0" encoding="utf-8"?>
+<p:sldLayout xmlns:a="http://schemas.openxmlformats.org/drawingml/2006/main" xmlns:r="http://schemas.openxmlformats.org/officeDocument/2006/relationships" xmlns:p="http://schemas.openxmlformats.org/presentationml/2006/main" type="vertTitleAndTx" preserve="1">
+  <p:cSld name="Título vertical y texto">
+    <p:spTree>
+      <p:nvGrpSpPr>
+        <p:cNvPr id="1" name=""/>
+        <p:cNvGrpSpPr/>
+        <p:nvPr/>
+      </p:nvGrpSpPr>
+      <p:grpSpPr>
+        <a:xfrm>
+          <a:off x="0" y="0"/>
+          <a:ext cx="0" cy="0"/>
+          <a:chOff x="0" y="0"/>
+          <a:chExt cx="0" cy="0"/>
+        </a:xfrm>
+      </p:grpSpPr>
+      <p:sp>
+        <p:nvSpPr>
+          <p:cNvPr id="2" name="Vertical Title 1"/>
+          <p:cNvSpPr>
+            <a:spLocks noGrp="1"/>
+          </p:cNvSpPr>
+          <p:nvPr>
+            <p:ph type="title" orient="vert"/>
+          </p:nvPr>
+        </p:nvSpPr>
+        <p:spPr>
+          <a:xfrm>
+            <a:off x="9294812" y="627405"/>
+            <a:ext cx="2207601" cy="5283817"/>
+          </a:xfrm>
+        </p:spPr>
+        <p:txBody>
+          <a:bodyPr vert="eaVert" anchor="ctr"/>
+          <a:lstStyle/>
+          <a:p>
+            <a:r>
+              <a:rPr lang="es-ES"/>
+              <a:t>Haga clic para modificar el estilo de título del patrón</a:t>
+            </a:r>
+            <a:endParaRPr lang="en-US" dirty="0"/>
+          </a:p>
+        </p:txBody>
+      </p:sp>
+      <p:sp>
+        <p:nvSpPr>
+          <p:cNvPr id="3" name="Vertical Text Placeholder 2"/>
+          <p:cNvSpPr>
+            <a:spLocks noGrp="1"/>
+          </p:cNvSpPr>
+          <p:nvPr>
+            <p:ph type="body" orient="vert" idx="1"/>
+          </p:nvPr>
+        </p:nvSpPr>
+        <p:spPr>
+          <a:xfrm>
+            <a:off x="2589212" y="627405"/>
+            <a:ext cx="6477000" cy="5283817"/>
+          </a:xfrm>
+        </p:spPr>
+        <p:txBody>
+          <a:bodyPr vert="eaVert"/>
+          <a:lstStyle/>
+          <a:p>
+            <a:pPr lvl="0"/>
+            <a:r>
+              <a:rPr lang="es-ES"/>
+              <a:t>Haga clic para modificar los estilos de texto del patrón</a:t>
+            </a:r>
+          </a:p>
+          <a:p>
+            <a:pPr lvl="1"/>
+            <a:r>
+              <a:rPr lang="es-ES"/>
+              <a:t>Segundo nivel</a:t>
+            </a:r>
+          </a:p>
+          <a:p>
+            <a:pPr lvl="2"/>
+            <a:r>
+              <a:rPr lang="es-ES"/>
+              <a:t>Tercer nivel</a:t>
+            </a:r>
+          </a:p>
+          <a:p>
+            <a:pPr lvl="3"/>
+            <a:r>
+              <a:rPr lang="es-ES"/>
+              <a:t>Cuarto nivel</a:t>
+            </a:r>
+          </a:p>
+          <a:p>
+            <a:pPr lvl="4"/>
+            <a:r>
+              <a:rPr lang="es-ES"/>
+              <a:t>Quinto nivel</a:t>
+            </a:r>
+            <a:endParaRPr lang="en-US" dirty="0"/>
+          </a:p>
+        </p:txBody>
+      </p:sp>
+      <p:sp>
+        <p:nvSpPr>
+          <p:cNvPr id="4" name="Date Placeholder 3"/>
+          <p:cNvSpPr>
+            <a:spLocks noGrp="1"/>
+          </p:cNvSpPr>
+          <p:nvPr>
+            <p:ph type="dt" sz="half" idx="10"/>
+          </p:nvPr>
+        </p:nvSpPr>
+        <p:spPr/>
+        <p:txBody>
+          <a:bodyPr/>
+          <a:lstStyle/>
+          <a:p>
+            <a:fld id="{156F32FC-E0FE-45CF-AE1E-604DAEA3C56A}" type="datetimeFigureOut">
+              <a:rPr lang="es-MX" smtClean="0"/>
+              <a:t>08/05/2019</a:t>
+            </a:fld>
+            <a:endParaRPr lang="es-MX"/>
+          </a:p>
+        </p:txBody>
+      </p:sp>
+      <p:sp>
+        <p:nvSpPr>
+          <p:cNvPr id="5" name="Footer Placeholder 4"/>
+          <p:cNvSpPr>
+            <a:spLocks noGrp="1"/>
+          </p:cNvSpPr>
+          <p:nvPr>
+            <p:ph type="ftr" sz="quarter" idx="11"/>
+          </p:nvPr>
+        </p:nvSpPr>
+        <p:spPr/>
+        <p:txBody>
+          <a:bodyPr/>
+          <a:lstStyle/>
+          <a:p>
+            <a:endParaRPr lang="es-MX"/>
+          </a:p>
+        </p:txBody>
+      </p:sp>
+      <p:sp>
+        <p:nvSpPr>
+          <p:cNvPr id="8" name="Freeform 11"/>
+          <p:cNvSpPr/>
+          <p:nvPr/>
+        </p:nvSpPr>
+        <p:spPr bwMode="auto">
+          <a:xfrm flipV="1">
+            <a:off x="-4189" y="714375"/>
+            <a:ext cx="1588527" cy="507297"/>
+          </a:xfrm>
+          <a:custGeom>
+            <a:avLst/>
+            <a:gdLst/>
+            <a:ahLst/>
+            <a:cxnLst/>
+            <a:rect l="l" t="t" r="r" b="b"/>
+            <a:pathLst>
+              <a:path w="9248" h="10000">
+                <a:moveTo>
+                  <a:pt x="9248" y="4701"/>
+                </a:moveTo>
+                <a:lnTo>
+                  <a:pt x="7915" y="188"/>
+                </a:lnTo>
+                <a:cubicBezTo>
+                  <a:pt x="7906" y="156"/>
+                  <a:pt x="7895" y="126"/>
+                  <a:pt x="7886" y="94"/>
+                </a:cubicBezTo>
+                <a:cubicBezTo>
+                  <a:pt x="7859" y="0"/>
+                  <a:pt x="7831" y="0"/>
+                  <a:pt x="7803" y="0"/>
+                </a:cubicBezTo>
+                <a:lnTo>
+                  <a:pt x="7275" y="0"/>
+                </a:lnTo>
+                <a:lnTo>
+                  <a:pt x="0" y="70"/>
+                </a:lnTo>
+                <a:cubicBezTo>
+                  <a:pt x="8" y="3380"/>
+                  <a:pt x="17" y="6690"/>
+                  <a:pt x="25" y="10000"/>
+                </a:cubicBezTo>
+                <a:lnTo>
+                  <a:pt x="7275" y="9966"/>
+                </a:lnTo>
+                <a:lnTo>
+                  <a:pt x="7803" y="9966"/>
+                </a:lnTo>
+                <a:cubicBezTo>
+                  <a:pt x="7831" y="9966"/>
+                  <a:pt x="7859" y="9872"/>
+                  <a:pt x="7886" y="9872"/>
+                </a:cubicBezTo>
+                <a:cubicBezTo>
+                  <a:pt x="7886" y="9778"/>
+                  <a:pt x="7915" y="9778"/>
+                  <a:pt x="7915" y="9778"/>
+                </a:cubicBezTo>
+                <a:lnTo>
+                  <a:pt x="9248" y="5265"/>
+                </a:lnTo>
+                <a:cubicBezTo>
+                  <a:pt x="9303" y="5077"/>
+                  <a:pt x="9303" y="4889"/>
+                  <a:pt x="9248" y="4701"/>
+                </a:cubicBezTo>
+                <a:close/>
+              </a:path>
+            </a:pathLst>
+          </a:custGeom>
+          <a:solidFill>
+            <a:schemeClr val="accent1"/>
+          </a:solidFill>
+          <a:ln>
+            <a:noFill/>
+          </a:ln>
+        </p:spPr>
+      </p:sp>
+      <p:sp>
+        <p:nvSpPr>
+          <p:cNvPr id="6" name="Slide Number Placeholder 5"/>
+          <p:cNvSpPr>
+            <a:spLocks noGrp="1"/>
+          </p:cNvSpPr>
+          <p:nvPr>
+            <p:ph type="sldNum" sz="quarter" idx="12"/>
+          </p:nvPr>
+        </p:nvSpPr>
+        <p:spPr/>
+        <p:txBody>
+          <a:bodyPr/>
+          <a:lstStyle/>
+          <a:p>
+            <a:fld id="{315E141C-80C7-4D49-948F-B64DEFB3BC22}" type="slidenum">
+              <a:rPr lang="es-MX" smtClean="0"/>
+              <a:t>‹Nº›</a:t>
+            </a:fld>
+            <a:endParaRPr lang="es-MX"/>
+          </a:p>
+        </p:txBody>
+      </p:sp>
+    </p:spTree>
+    <p:extLst>
+      <p:ext uri="{BB962C8B-B14F-4D97-AF65-F5344CB8AC3E}">
+        <p14:creationId xmlns:p14="http://schemas.microsoft.com/office/powerpoint/2010/main" val="503211688"/>
       </p:ext>
     </p:extLst>
   </p:cSld>
@@ -1193,7 +6272,7 @@
           <a:p>
             <a:fld id="{156F32FC-E0FE-45CF-AE1E-604DAEA3C56A}" type="datetimeFigureOut">
               <a:rPr lang="es-MX" smtClean="0"/>
-              <a:t>07/05/2019</a:t>
+              <a:t>08/05/2019</a:t>
             </a:fld>
             <a:endParaRPr lang="es-MX"/>
           </a:p>
@@ -1497,7 +6576,7 @@
           <a:p>
             <a:fld id="{156F32FC-E0FE-45CF-AE1E-604DAEA3C56A}" type="datetimeFigureOut">
               <a:rPr lang="es-MX" smtClean="0"/>
-              <a:t>07/05/2019</a:t>
+              <a:t>08/05/2019</a:t>
             </a:fld>
             <a:endParaRPr lang="es-MX"/>
           </a:p>
@@ -1919,7 +6998,7 @@
           <a:p>
             <a:fld id="{156F32FC-E0FE-45CF-AE1E-604DAEA3C56A}" type="datetimeFigureOut">
               <a:rPr lang="es-MX" smtClean="0"/>
-              <a:t>07/05/2019</a:t>
+              <a:t>08/05/2019</a:t>
             </a:fld>
             <a:endParaRPr lang="es-MX"/>
           </a:p>
@@ -2037,7 +7116,7 @@
           <a:p>
             <a:fld id="{156F32FC-E0FE-45CF-AE1E-604DAEA3C56A}" type="datetimeFigureOut">
               <a:rPr lang="es-MX" smtClean="0"/>
-              <a:t>07/05/2019</a:t>
+              <a:t>08/05/2019</a:t>
             </a:fld>
             <a:endParaRPr lang="es-MX"/>
           </a:p>
@@ -2132,7 +7211,7 @@
           <a:p>
             <a:fld id="{156F32FC-E0FE-45CF-AE1E-604DAEA3C56A}" type="datetimeFigureOut">
               <a:rPr lang="es-MX" smtClean="0"/>
-              <a:t>07/05/2019</a:t>
+              <a:t>08/05/2019</a:t>
             </a:fld>
             <a:endParaRPr lang="es-MX"/>
           </a:p>
@@ -2405,7 +7484,7 @@
           <a:p>
             <a:fld id="{156F32FC-E0FE-45CF-AE1E-604DAEA3C56A}" type="datetimeFigureOut">
               <a:rPr lang="es-MX" smtClean="0"/>
-              <a:t>07/05/2019</a:t>
+              <a:t>08/05/2019</a:t>
             </a:fld>
             <a:endParaRPr lang="es-MX"/>
           </a:p>
@@ -2670,7 +7749,7 @@
           <a:p>
             <a:fld id="{156F32FC-E0FE-45CF-AE1E-604DAEA3C56A}" type="datetimeFigureOut">
               <a:rPr lang="es-MX" smtClean="0"/>
-              <a:t>07/05/2019</a:t>
+              <a:t>08/05/2019</a:t>
             </a:fld>
             <a:endParaRPr lang="es-MX"/>
           </a:p>
@@ -2919,7 +7998,7 @@
           <a:p>
             <a:fld id="{156F32FC-E0FE-45CF-AE1E-604DAEA3C56A}" type="datetimeFigureOut">
               <a:rPr lang="es-MX" smtClean="0"/>
-              <a:t>07/05/2019</a:t>
+              <a:t>08/05/2019</a:t>
             </a:fld>
             <a:endParaRPr lang="es-MX"/>
           </a:p>
@@ -3357,6 +8436,2476 @@
 </p:sldMaster>
 </file>
 
+<file path=ppt/slideMasters/slideMaster2.xml><?xml version="1.0" encoding="utf-8"?>
+<p:sldMaster xmlns:a="http://schemas.openxmlformats.org/drawingml/2006/main" xmlns:r="http://schemas.openxmlformats.org/officeDocument/2006/relationships" xmlns:p="http://schemas.openxmlformats.org/presentationml/2006/main">
+  <p:cSld>
+    <p:bg>
+      <p:bgRef idx="1003">
+        <a:schemeClr val="bg2"/>
+      </p:bgRef>
+    </p:bg>
+    <p:spTree>
+      <p:nvGrpSpPr>
+        <p:cNvPr id="1" name=""/>
+        <p:cNvGrpSpPr/>
+        <p:nvPr/>
+      </p:nvGrpSpPr>
+      <p:grpSpPr>
+        <a:xfrm>
+          <a:off x="0" y="0"/>
+          <a:ext cx="0" cy="0"/>
+          <a:chOff x="0" y="0"/>
+          <a:chExt cx="0" cy="0"/>
+        </a:xfrm>
+      </p:grpSpPr>
+      <p:grpSp>
+        <p:nvGrpSpPr>
+          <p:cNvPr id="23" name="Group 22"/>
+          <p:cNvGrpSpPr/>
+          <p:nvPr/>
+        </p:nvGrpSpPr>
+        <p:grpSpPr>
+          <a:xfrm>
+            <a:off x="1" y="228600"/>
+            <a:ext cx="2851516" cy="6638628"/>
+            <a:chOff x="2487613" y="285750"/>
+            <a:chExt cx="2428875" cy="5654676"/>
+          </a:xfrm>
+        </p:grpSpPr>
+        <p:sp>
+          <p:nvSpPr>
+            <p:cNvPr id="24" name="Freeform 11"/>
+            <p:cNvSpPr/>
+            <p:nvPr/>
+          </p:nvSpPr>
+          <p:spPr bwMode="auto">
+            <a:xfrm>
+              <a:off x="2487613" y="2284413"/>
+              <a:ext cx="85725" cy="533400"/>
+            </a:xfrm>
+            <a:custGeom>
+              <a:avLst/>
+              <a:gdLst/>
+              <a:ahLst/>
+              <a:cxnLst/>
+              <a:rect l="0" t="0" r="r" b="b"/>
+              <a:pathLst>
+                <a:path w="22" h="136">
+                  <a:moveTo>
+                    <a:pt x="22" y="136"/>
+                  </a:moveTo>
+                  <a:cubicBezTo>
+                    <a:pt x="20" y="117"/>
+                    <a:pt x="19" y="99"/>
+                    <a:pt x="17" y="80"/>
+                  </a:cubicBezTo>
+                  <a:cubicBezTo>
+                    <a:pt x="11" y="54"/>
+                    <a:pt x="6" y="27"/>
+                    <a:pt x="0" y="0"/>
+                  </a:cubicBezTo>
+                  <a:cubicBezTo>
+                    <a:pt x="0" y="35"/>
+                    <a:pt x="0" y="35"/>
+                    <a:pt x="0" y="35"/>
+                  </a:cubicBezTo>
+                  <a:cubicBezTo>
+                    <a:pt x="6" y="64"/>
+                    <a:pt x="13" y="94"/>
+                    <a:pt x="20" y="124"/>
+                  </a:cubicBezTo>
+                  <a:cubicBezTo>
+                    <a:pt x="20" y="128"/>
+                    <a:pt x="21" y="132"/>
+                    <a:pt x="22" y="136"/>
+                  </a:cubicBezTo>
+                  <a:close/>
+                </a:path>
+              </a:pathLst>
+            </a:custGeom>
+            <a:solidFill>
+              <a:schemeClr val="tx2">
+                <a:alpha val="20000"/>
+              </a:schemeClr>
+            </a:solidFill>
+            <a:ln>
+              <a:noFill/>
+            </a:ln>
+          </p:spPr>
+        </p:sp>
+        <p:sp>
+          <p:nvSpPr>
+            <p:cNvPr id="25" name="Freeform 12"/>
+            <p:cNvSpPr/>
+            <p:nvPr/>
+          </p:nvSpPr>
+          <p:spPr bwMode="auto">
+            <a:xfrm>
+              <a:off x="2597151" y="2779713"/>
+              <a:ext cx="550863" cy="1978025"/>
+            </a:xfrm>
+            <a:custGeom>
+              <a:avLst/>
+              <a:gdLst/>
+              <a:ahLst/>
+              <a:cxnLst/>
+              <a:rect l="0" t="0" r="r" b="b"/>
+              <a:pathLst>
+                <a:path w="140" h="504">
+                  <a:moveTo>
+                    <a:pt x="86" y="350"/>
+                  </a:moveTo>
+                  <a:cubicBezTo>
+                    <a:pt x="103" y="402"/>
+                    <a:pt x="120" y="453"/>
+                    <a:pt x="139" y="504"/>
+                  </a:cubicBezTo>
+                  <a:cubicBezTo>
+                    <a:pt x="139" y="495"/>
+                    <a:pt x="139" y="487"/>
+                    <a:pt x="140" y="478"/>
+                  </a:cubicBezTo>
+                  <a:cubicBezTo>
+                    <a:pt x="124" y="435"/>
+                    <a:pt x="109" y="391"/>
+                    <a:pt x="95" y="347"/>
+                  </a:cubicBezTo>
+                  <a:cubicBezTo>
+                    <a:pt x="58" y="233"/>
+                    <a:pt x="27" y="117"/>
+                    <a:pt x="0" y="0"/>
+                  </a:cubicBezTo>
+                  <a:cubicBezTo>
+                    <a:pt x="2" y="20"/>
+                    <a:pt x="4" y="41"/>
+                    <a:pt x="6" y="61"/>
+                  </a:cubicBezTo>
+                  <a:cubicBezTo>
+                    <a:pt x="30" y="158"/>
+                    <a:pt x="56" y="255"/>
+                    <a:pt x="86" y="350"/>
+                  </a:cubicBezTo>
+                  <a:close/>
+                </a:path>
+              </a:pathLst>
+            </a:custGeom>
+            <a:solidFill>
+              <a:schemeClr val="tx2">
+                <a:alpha val="20000"/>
+              </a:schemeClr>
+            </a:solidFill>
+            <a:ln>
+              <a:noFill/>
+            </a:ln>
+          </p:spPr>
+        </p:sp>
+        <p:sp>
+          <p:nvSpPr>
+            <p:cNvPr id="26" name="Freeform 13"/>
+            <p:cNvSpPr/>
+            <p:nvPr/>
+          </p:nvSpPr>
+          <p:spPr bwMode="auto">
+            <a:xfrm>
+              <a:off x="3175001" y="4730750"/>
+              <a:ext cx="519113" cy="1209675"/>
+            </a:xfrm>
+            <a:custGeom>
+              <a:avLst/>
+              <a:gdLst/>
+              <a:ahLst/>
+              <a:cxnLst/>
+              <a:rect l="0" t="0" r="r" b="b"/>
+              <a:pathLst>
+                <a:path w="132" h="308">
+                  <a:moveTo>
+                    <a:pt x="8" y="22"/>
+                  </a:moveTo>
+                  <a:cubicBezTo>
+                    <a:pt x="5" y="15"/>
+                    <a:pt x="2" y="8"/>
+                    <a:pt x="0" y="0"/>
+                  </a:cubicBezTo>
+                  <a:cubicBezTo>
+                    <a:pt x="0" y="10"/>
+                    <a:pt x="0" y="19"/>
+                    <a:pt x="0" y="29"/>
+                  </a:cubicBezTo>
+                  <a:cubicBezTo>
+                    <a:pt x="21" y="85"/>
+                    <a:pt x="44" y="140"/>
+                    <a:pt x="68" y="194"/>
+                  </a:cubicBezTo>
+                  <a:cubicBezTo>
+                    <a:pt x="85" y="232"/>
+                    <a:pt x="104" y="270"/>
+                    <a:pt x="123" y="308"/>
+                  </a:cubicBezTo>
+                  <a:cubicBezTo>
+                    <a:pt x="132" y="308"/>
+                    <a:pt x="132" y="308"/>
+                    <a:pt x="132" y="308"/>
+                  </a:cubicBezTo>
+                  <a:cubicBezTo>
+                    <a:pt x="113" y="269"/>
+                    <a:pt x="94" y="230"/>
+                    <a:pt x="77" y="190"/>
+                  </a:cubicBezTo>
+                  <a:cubicBezTo>
+                    <a:pt x="52" y="135"/>
+                    <a:pt x="29" y="79"/>
+                    <a:pt x="8" y="22"/>
+                  </a:cubicBezTo>
+                  <a:close/>
+                </a:path>
+              </a:pathLst>
+            </a:custGeom>
+            <a:solidFill>
+              <a:schemeClr val="tx2">
+                <a:alpha val="20000"/>
+              </a:schemeClr>
+            </a:solidFill>
+            <a:ln>
+              <a:noFill/>
+            </a:ln>
+          </p:spPr>
+        </p:sp>
+        <p:sp>
+          <p:nvSpPr>
+            <p:cNvPr id="27" name="Freeform 14"/>
+            <p:cNvSpPr/>
+            <p:nvPr/>
+          </p:nvSpPr>
+          <p:spPr bwMode="auto">
+            <a:xfrm>
+              <a:off x="3305176" y="5630863"/>
+              <a:ext cx="146050" cy="309563"/>
+            </a:xfrm>
+            <a:custGeom>
+              <a:avLst/>
+              <a:gdLst/>
+              <a:ahLst/>
+              <a:cxnLst/>
+              <a:rect l="0" t="0" r="r" b="b"/>
+              <a:pathLst>
+                <a:path w="37" h="79">
+                  <a:moveTo>
+                    <a:pt x="28" y="79"/>
+                  </a:moveTo>
+                  <a:cubicBezTo>
+                    <a:pt x="37" y="79"/>
+                    <a:pt x="37" y="79"/>
+                    <a:pt x="37" y="79"/>
+                  </a:cubicBezTo>
+                  <a:cubicBezTo>
+                    <a:pt x="24" y="53"/>
+                    <a:pt x="12" y="27"/>
+                    <a:pt x="0" y="0"/>
+                  </a:cubicBezTo>
+                  <a:cubicBezTo>
+                    <a:pt x="8" y="27"/>
+                    <a:pt x="17" y="53"/>
+                    <a:pt x="28" y="79"/>
+                  </a:cubicBezTo>
+                  <a:close/>
+                </a:path>
+              </a:pathLst>
+            </a:custGeom>
+            <a:solidFill>
+              <a:schemeClr val="tx2">
+                <a:alpha val="20000"/>
+              </a:schemeClr>
+            </a:solidFill>
+            <a:ln>
+              <a:noFill/>
+            </a:ln>
+          </p:spPr>
+        </p:sp>
+        <p:sp>
+          <p:nvSpPr>
+            <p:cNvPr id="28" name="Freeform 15"/>
+            <p:cNvSpPr/>
+            <p:nvPr/>
+          </p:nvSpPr>
+          <p:spPr bwMode="auto">
+            <a:xfrm>
+              <a:off x="2573338" y="2817813"/>
+              <a:ext cx="700088" cy="2835275"/>
+            </a:xfrm>
+            <a:custGeom>
+              <a:avLst/>
+              <a:gdLst/>
+              <a:ahLst/>
+              <a:cxnLst/>
+              <a:rect l="0" t="0" r="r" b="b"/>
+              <a:pathLst>
+                <a:path w="178" h="722">
+                  <a:moveTo>
+                    <a:pt x="162" y="660"/>
+                  </a:moveTo>
+                  <a:cubicBezTo>
+                    <a:pt x="145" y="618"/>
+                    <a:pt x="130" y="576"/>
+                    <a:pt x="116" y="534"/>
+                  </a:cubicBezTo>
+                  <a:cubicBezTo>
+                    <a:pt x="84" y="437"/>
+                    <a:pt x="59" y="337"/>
+                    <a:pt x="40" y="236"/>
+                  </a:cubicBezTo>
+                  <a:cubicBezTo>
+                    <a:pt x="29" y="175"/>
+                    <a:pt x="20" y="113"/>
+                    <a:pt x="12" y="51"/>
+                  </a:cubicBezTo>
+                  <a:cubicBezTo>
+                    <a:pt x="8" y="34"/>
+                    <a:pt x="4" y="17"/>
+                    <a:pt x="0" y="0"/>
+                  </a:cubicBezTo>
+                  <a:cubicBezTo>
+                    <a:pt x="8" y="79"/>
+                    <a:pt x="19" y="159"/>
+                    <a:pt x="33" y="237"/>
+                  </a:cubicBezTo>
+                  <a:cubicBezTo>
+                    <a:pt x="51" y="339"/>
+                    <a:pt x="76" y="439"/>
+                    <a:pt x="107" y="537"/>
+                  </a:cubicBezTo>
+                  <a:cubicBezTo>
+                    <a:pt x="123" y="586"/>
+                    <a:pt x="141" y="634"/>
+                    <a:pt x="160" y="681"/>
+                  </a:cubicBezTo>
+                  <a:cubicBezTo>
+                    <a:pt x="166" y="695"/>
+                    <a:pt x="172" y="708"/>
+                    <a:pt x="178" y="722"/>
+                  </a:cubicBezTo>
+                  <a:cubicBezTo>
+                    <a:pt x="176" y="717"/>
+                    <a:pt x="175" y="713"/>
+                    <a:pt x="174" y="708"/>
+                  </a:cubicBezTo>
+                  <a:cubicBezTo>
+                    <a:pt x="169" y="692"/>
+                    <a:pt x="165" y="676"/>
+                    <a:pt x="162" y="660"/>
+                  </a:cubicBezTo>
+                  <a:close/>
+                </a:path>
+              </a:pathLst>
+            </a:custGeom>
+            <a:solidFill>
+              <a:schemeClr val="tx2">
+                <a:alpha val="20000"/>
+              </a:schemeClr>
+            </a:solidFill>
+            <a:ln>
+              <a:noFill/>
+            </a:ln>
+          </p:spPr>
+        </p:sp>
+        <p:sp>
+          <p:nvSpPr>
+            <p:cNvPr id="29" name="Freeform 16"/>
+            <p:cNvSpPr/>
+            <p:nvPr/>
+          </p:nvSpPr>
+          <p:spPr bwMode="auto">
+            <a:xfrm>
+              <a:off x="2506663" y="285750"/>
+              <a:ext cx="90488" cy="2493963"/>
+            </a:xfrm>
+            <a:custGeom>
+              <a:avLst/>
+              <a:gdLst/>
+              <a:ahLst/>
+              <a:cxnLst/>
+              <a:rect l="0" t="0" r="r" b="b"/>
+              <a:pathLst>
+                <a:path w="23" h="635">
+                  <a:moveTo>
+                    <a:pt x="11" y="577"/>
+                  </a:moveTo>
+                  <a:cubicBezTo>
+                    <a:pt x="12" y="581"/>
+                    <a:pt x="12" y="585"/>
+                    <a:pt x="12" y="589"/>
+                  </a:cubicBezTo>
+                  <a:cubicBezTo>
+                    <a:pt x="15" y="603"/>
+                    <a:pt x="19" y="617"/>
+                    <a:pt x="22" y="632"/>
+                  </a:cubicBezTo>
+                  <a:cubicBezTo>
+                    <a:pt x="22" y="633"/>
+                    <a:pt x="22" y="634"/>
+                    <a:pt x="23" y="635"/>
+                  </a:cubicBezTo>
+                  <a:cubicBezTo>
+                    <a:pt x="21" y="615"/>
+                    <a:pt x="19" y="596"/>
+                    <a:pt x="17" y="576"/>
+                  </a:cubicBezTo>
+                  <a:cubicBezTo>
+                    <a:pt x="9" y="474"/>
+                    <a:pt x="5" y="372"/>
+                    <a:pt x="5" y="269"/>
+                  </a:cubicBezTo>
+                  <a:cubicBezTo>
+                    <a:pt x="6" y="179"/>
+                    <a:pt x="9" y="90"/>
+                    <a:pt x="15" y="0"/>
+                  </a:cubicBezTo>
+                  <a:cubicBezTo>
+                    <a:pt x="12" y="0"/>
+                    <a:pt x="12" y="0"/>
+                    <a:pt x="12" y="0"/>
+                  </a:cubicBezTo>
+                  <a:cubicBezTo>
+                    <a:pt x="5" y="89"/>
+                    <a:pt x="2" y="179"/>
+                    <a:pt x="1" y="269"/>
+                  </a:cubicBezTo>
+                  <a:cubicBezTo>
+                    <a:pt x="0" y="372"/>
+                    <a:pt x="3" y="474"/>
+                    <a:pt x="11" y="577"/>
+                  </a:cubicBezTo>
+                  <a:close/>
+                </a:path>
+              </a:pathLst>
+            </a:custGeom>
+            <a:solidFill>
+              <a:schemeClr val="tx2">
+                <a:alpha val="20000"/>
+              </a:schemeClr>
+            </a:solidFill>
+            <a:ln>
+              <a:noFill/>
+            </a:ln>
+          </p:spPr>
+        </p:sp>
+        <p:sp>
+          <p:nvSpPr>
+            <p:cNvPr id="30" name="Freeform 17"/>
+            <p:cNvSpPr/>
+            <p:nvPr/>
+          </p:nvSpPr>
+          <p:spPr bwMode="auto">
+            <a:xfrm>
+              <a:off x="2554288" y="2598738"/>
+              <a:ext cx="66675" cy="420688"/>
+            </a:xfrm>
+            <a:custGeom>
+              <a:avLst/>
+              <a:gdLst/>
+              <a:ahLst/>
+              <a:cxnLst/>
+              <a:rect l="0" t="0" r="r" b="b"/>
+              <a:pathLst>
+                <a:path w="17" h="107">
+                  <a:moveTo>
+                    <a:pt x="0" y="0"/>
+                  </a:moveTo>
+                  <a:cubicBezTo>
+                    <a:pt x="2" y="19"/>
+                    <a:pt x="3" y="37"/>
+                    <a:pt x="5" y="56"/>
+                  </a:cubicBezTo>
+                  <a:cubicBezTo>
+                    <a:pt x="9" y="73"/>
+                    <a:pt x="13" y="90"/>
+                    <a:pt x="17" y="107"/>
+                  </a:cubicBezTo>
+                  <a:cubicBezTo>
+                    <a:pt x="15" y="87"/>
+                    <a:pt x="13" y="66"/>
+                    <a:pt x="11" y="46"/>
+                  </a:cubicBezTo>
+                  <a:cubicBezTo>
+                    <a:pt x="10" y="45"/>
+                    <a:pt x="10" y="44"/>
+                    <a:pt x="10" y="43"/>
+                  </a:cubicBezTo>
+                  <a:cubicBezTo>
+                    <a:pt x="7" y="28"/>
+                    <a:pt x="3" y="14"/>
+                    <a:pt x="0" y="0"/>
+                  </a:cubicBezTo>
+                  <a:close/>
+                </a:path>
+              </a:pathLst>
+            </a:custGeom>
+            <a:solidFill>
+              <a:schemeClr val="tx2">
+                <a:alpha val="20000"/>
+              </a:schemeClr>
+            </a:solidFill>
+            <a:ln>
+              <a:noFill/>
+            </a:ln>
+          </p:spPr>
+        </p:sp>
+        <p:sp>
+          <p:nvSpPr>
+            <p:cNvPr id="31" name="Freeform 18"/>
+            <p:cNvSpPr/>
+            <p:nvPr/>
+          </p:nvSpPr>
+          <p:spPr bwMode="auto">
+            <a:xfrm>
+              <a:off x="3143251" y="4757738"/>
+              <a:ext cx="161925" cy="873125"/>
+            </a:xfrm>
+            <a:custGeom>
+              <a:avLst/>
+              <a:gdLst/>
+              <a:ahLst/>
+              <a:cxnLst/>
+              <a:rect l="0" t="0" r="r" b="b"/>
+              <a:pathLst>
+                <a:path w="41" h="222">
+                  <a:moveTo>
+                    <a:pt x="0" y="0"/>
+                  </a:moveTo>
+                  <a:cubicBezTo>
+                    <a:pt x="0" y="31"/>
+                    <a:pt x="2" y="62"/>
+                    <a:pt x="5" y="93"/>
+                  </a:cubicBezTo>
+                  <a:cubicBezTo>
+                    <a:pt x="8" y="117"/>
+                    <a:pt x="12" y="142"/>
+                    <a:pt x="17" y="166"/>
+                  </a:cubicBezTo>
+                  <a:cubicBezTo>
+                    <a:pt x="19" y="172"/>
+                    <a:pt x="22" y="178"/>
+                    <a:pt x="24" y="184"/>
+                  </a:cubicBezTo>
+                  <a:cubicBezTo>
+                    <a:pt x="30" y="197"/>
+                    <a:pt x="35" y="209"/>
+                    <a:pt x="41" y="222"/>
+                  </a:cubicBezTo>
+                  <a:cubicBezTo>
+                    <a:pt x="40" y="219"/>
+                    <a:pt x="39" y="215"/>
+                    <a:pt x="38" y="212"/>
+                  </a:cubicBezTo>
+                  <a:cubicBezTo>
+                    <a:pt x="26" y="172"/>
+                    <a:pt x="18" y="132"/>
+                    <a:pt x="13" y="92"/>
+                  </a:cubicBezTo>
+                  <a:cubicBezTo>
+                    <a:pt x="11" y="68"/>
+                    <a:pt x="9" y="45"/>
+                    <a:pt x="8" y="22"/>
+                  </a:cubicBezTo>
+                  <a:cubicBezTo>
+                    <a:pt x="8" y="21"/>
+                    <a:pt x="7" y="20"/>
+                    <a:pt x="7" y="18"/>
+                  </a:cubicBezTo>
+                  <a:cubicBezTo>
+                    <a:pt x="5" y="12"/>
+                    <a:pt x="2" y="6"/>
+                    <a:pt x="0" y="0"/>
+                  </a:cubicBezTo>
+                  <a:close/>
+                </a:path>
+              </a:pathLst>
+            </a:custGeom>
+            <a:solidFill>
+              <a:schemeClr val="tx2">
+                <a:alpha val="20000"/>
+              </a:schemeClr>
+            </a:solidFill>
+            <a:ln>
+              <a:noFill/>
+            </a:ln>
+          </p:spPr>
+        </p:sp>
+        <p:sp>
+          <p:nvSpPr>
+            <p:cNvPr id="32" name="Freeform 19"/>
+            <p:cNvSpPr/>
+            <p:nvPr/>
+          </p:nvSpPr>
+          <p:spPr bwMode="auto">
+            <a:xfrm>
+              <a:off x="3148013" y="1282700"/>
+              <a:ext cx="1768475" cy="3448050"/>
+            </a:xfrm>
+            <a:custGeom>
+              <a:avLst/>
+              <a:gdLst/>
+              <a:ahLst/>
+              <a:cxnLst/>
+              <a:rect l="0" t="0" r="r" b="b"/>
+              <a:pathLst>
+                <a:path w="450" h="878">
+                  <a:moveTo>
+                    <a:pt x="7" y="854"/>
+                  </a:moveTo>
+                  <a:cubicBezTo>
+                    <a:pt x="10" y="772"/>
+                    <a:pt x="26" y="691"/>
+                    <a:pt x="50" y="613"/>
+                  </a:cubicBezTo>
+                  <a:cubicBezTo>
+                    <a:pt x="75" y="535"/>
+                    <a:pt x="109" y="460"/>
+                    <a:pt x="149" y="388"/>
+                  </a:cubicBezTo>
+                  <a:cubicBezTo>
+                    <a:pt x="189" y="316"/>
+                    <a:pt x="235" y="248"/>
+                    <a:pt x="285" y="183"/>
+                  </a:cubicBezTo>
+                  <a:cubicBezTo>
+                    <a:pt x="310" y="151"/>
+                    <a:pt x="337" y="119"/>
+                    <a:pt x="364" y="89"/>
+                  </a:cubicBezTo>
+                  <a:cubicBezTo>
+                    <a:pt x="378" y="74"/>
+                    <a:pt x="392" y="58"/>
+                    <a:pt x="406" y="44"/>
+                  </a:cubicBezTo>
+                  <a:cubicBezTo>
+                    <a:pt x="421" y="29"/>
+                    <a:pt x="435" y="15"/>
+                    <a:pt x="450" y="1"/>
+                  </a:cubicBezTo>
+                  <a:cubicBezTo>
+                    <a:pt x="450" y="0"/>
+                    <a:pt x="450" y="0"/>
+                    <a:pt x="450" y="0"/>
+                  </a:cubicBezTo>
+                  <a:cubicBezTo>
+                    <a:pt x="434" y="14"/>
+                    <a:pt x="420" y="28"/>
+                    <a:pt x="405" y="43"/>
+                  </a:cubicBezTo>
+                  <a:cubicBezTo>
+                    <a:pt x="391" y="57"/>
+                    <a:pt x="377" y="72"/>
+                    <a:pt x="363" y="88"/>
+                  </a:cubicBezTo>
+                  <a:cubicBezTo>
+                    <a:pt x="335" y="118"/>
+                    <a:pt x="308" y="149"/>
+                    <a:pt x="283" y="181"/>
+                  </a:cubicBezTo>
+                  <a:cubicBezTo>
+                    <a:pt x="232" y="246"/>
+                    <a:pt x="185" y="314"/>
+                    <a:pt x="145" y="386"/>
+                  </a:cubicBezTo>
+                  <a:cubicBezTo>
+                    <a:pt x="104" y="457"/>
+                    <a:pt x="70" y="533"/>
+                    <a:pt x="45" y="611"/>
+                  </a:cubicBezTo>
+                  <a:cubicBezTo>
+                    <a:pt x="19" y="690"/>
+                    <a:pt x="3" y="771"/>
+                    <a:pt x="0" y="854"/>
+                  </a:cubicBezTo>
+                  <a:cubicBezTo>
+                    <a:pt x="0" y="856"/>
+                    <a:pt x="0" y="857"/>
+                    <a:pt x="0" y="859"/>
+                  </a:cubicBezTo>
+                  <a:cubicBezTo>
+                    <a:pt x="2" y="865"/>
+                    <a:pt x="4" y="872"/>
+                    <a:pt x="7" y="878"/>
+                  </a:cubicBezTo>
+                  <a:cubicBezTo>
+                    <a:pt x="7" y="870"/>
+                    <a:pt x="7" y="862"/>
+                    <a:pt x="7" y="854"/>
+                  </a:cubicBezTo>
+                  <a:close/>
+                </a:path>
+              </a:pathLst>
+            </a:custGeom>
+            <a:solidFill>
+              <a:schemeClr val="tx2">
+                <a:alpha val="20000"/>
+              </a:schemeClr>
+            </a:solidFill>
+            <a:ln>
+              <a:noFill/>
+            </a:ln>
+          </p:spPr>
+        </p:sp>
+        <p:sp>
+          <p:nvSpPr>
+            <p:cNvPr id="33" name="Freeform 20"/>
+            <p:cNvSpPr/>
+            <p:nvPr/>
+          </p:nvSpPr>
+          <p:spPr bwMode="auto">
+            <a:xfrm>
+              <a:off x="3273426" y="5653088"/>
+              <a:ext cx="138113" cy="287338"/>
+            </a:xfrm>
+            <a:custGeom>
+              <a:avLst/>
+              <a:gdLst/>
+              <a:ahLst/>
+              <a:cxnLst/>
+              <a:rect l="0" t="0" r="r" b="b"/>
+              <a:pathLst>
+                <a:path w="35" h="73">
+                  <a:moveTo>
+                    <a:pt x="0" y="0"/>
+                  </a:moveTo>
+                  <a:cubicBezTo>
+                    <a:pt x="7" y="24"/>
+                    <a:pt x="16" y="49"/>
+                    <a:pt x="26" y="73"/>
+                  </a:cubicBezTo>
+                  <a:cubicBezTo>
+                    <a:pt x="35" y="73"/>
+                    <a:pt x="35" y="73"/>
+                    <a:pt x="35" y="73"/>
+                  </a:cubicBezTo>
+                  <a:cubicBezTo>
+                    <a:pt x="23" y="49"/>
+                    <a:pt x="11" y="24"/>
+                    <a:pt x="0" y="0"/>
+                  </a:cubicBezTo>
+                  <a:close/>
+                </a:path>
+              </a:pathLst>
+            </a:custGeom>
+            <a:solidFill>
+              <a:schemeClr val="tx2">
+                <a:alpha val="20000"/>
+              </a:schemeClr>
+            </a:solidFill>
+            <a:ln>
+              <a:noFill/>
+            </a:ln>
+          </p:spPr>
+        </p:sp>
+        <p:sp>
+          <p:nvSpPr>
+            <p:cNvPr id="34" name="Freeform 21"/>
+            <p:cNvSpPr/>
+            <p:nvPr/>
+          </p:nvSpPr>
+          <p:spPr bwMode="auto">
+            <a:xfrm>
+              <a:off x="3143251" y="4656138"/>
+              <a:ext cx="31750" cy="188913"/>
+            </a:xfrm>
+            <a:custGeom>
+              <a:avLst/>
+              <a:gdLst/>
+              <a:ahLst/>
+              <a:cxnLst/>
+              <a:rect l="0" t="0" r="r" b="b"/>
+              <a:pathLst>
+                <a:path w="8" h="48">
+                  <a:moveTo>
+                    <a:pt x="7" y="44"/>
+                  </a:moveTo>
+                  <a:cubicBezTo>
+                    <a:pt x="7" y="46"/>
+                    <a:pt x="8" y="47"/>
+                    <a:pt x="8" y="48"/>
+                  </a:cubicBezTo>
+                  <a:cubicBezTo>
+                    <a:pt x="8" y="38"/>
+                    <a:pt x="8" y="29"/>
+                    <a:pt x="8" y="19"/>
+                  </a:cubicBezTo>
+                  <a:cubicBezTo>
+                    <a:pt x="5" y="13"/>
+                    <a:pt x="3" y="6"/>
+                    <a:pt x="1" y="0"/>
+                  </a:cubicBezTo>
+                  <a:cubicBezTo>
+                    <a:pt x="0" y="9"/>
+                    <a:pt x="0" y="17"/>
+                    <a:pt x="0" y="26"/>
+                  </a:cubicBezTo>
+                  <a:cubicBezTo>
+                    <a:pt x="2" y="32"/>
+                    <a:pt x="5" y="38"/>
+                    <a:pt x="7" y="44"/>
+                  </a:cubicBezTo>
+                  <a:close/>
+                </a:path>
+              </a:pathLst>
+            </a:custGeom>
+            <a:solidFill>
+              <a:schemeClr val="tx2">
+                <a:alpha val="20000"/>
+              </a:schemeClr>
+            </a:solidFill>
+            <a:ln>
+              <a:noFill/>
+            </a:ln>
+          </p:spPr>
+        </p:sp>
+        <p:sp>
+          <p:nvSpPr>
+            <p:cNvPr id="35" name="Freeform 22"/>
+            <p:cNvSpPr/>
+            <p:nvPr/>
+          </p:nvSpPr>
+          <p:spPr bwMode="auto">
+            <a:xfrm>
+              <a:off x="3211513" y="5410200"/>
+              <a:ext cx="203200" cy="530225"/>
+            </a:xfrm>
+            <a:custGeom>
+              <a:avLst/>
+              <a:gdLst/>
+              <a:ahLst/>
+              <a:cxnLst/>
+              <a:rect l="0" t="0" r="r" b="b"/>
+              <a:pathLst>
+                <a:path w="52" h="135">
+                  <a:moveTo>
+                    <a:pt x="7" y="18"/>
+                  </a:moveTo>
+                  <a:cubicBezTo>
+                    <a:pt x="5" y="12"/>
+                    <a:pt x="2" y="6"/>
+                    <a:pt x="0" y="0"/>
+                  </a:cubicBezTo>
+                  <a:cubicBezTo>
+                    <a:pt x="3" y="16"/>
+                    <a:pt x="7" y="32"/>
+                    <a:pt x="12" y="48"/>
+                  </a:cubicBezTo>
+                  <a:cubicBezTo>
+                    <a:pt x="13" y="53"/>
+                    <a:pt x="14" y="57"/>
+                    <a:pt x="16" y="62"/>
+                  </a:cubicBezTo>
+                  <a:cubicBezTo>
+                    <a:pt x="27" y="86"/>
+                    <a:pt x="39" y="111"/>
+                    <a:pt x="51" y="135"/>
+                  </a:cubicBezTo>
+                  <a:cubicBezTo>
+                    <a:pt x="52" y="135"/>
+                    <a:pt x="52" y="135"/>
+                    <a:pt x="52" y="135"/>
+                  </a:cubicBezTo>
+                  <a:cubicBezTo>
+                    <a:pt x="41" y="109"/>
+                    <a:pt x="32" y="83"/>
+                    <a:pt x="24" y="56"/>
+                  </a:cubicBezTo>
+                  <a:cubicBezTo>
+                    <a:pt x="18" y="43"/>
+                    <a:pt x="13" y="31"/>
+                    <a:pt x="7" y="18"/>
+                  </a:cubicBezTo>
+                  <a:close/>
+                </a:path>
+              </a:pathLst>
+            </a:custGeom>
+            <a:solidFill>
+              <a:schemeClr val="tx2">
+                <a:alpha val="20000"/>
+              </a:schemeClr>
+            </a:solidFill>
+            <a:ln>
+              <a:noFill/>
+            </a:ln>
+          </p:spPr>
+        </p:sp>
+      </p:grpSp>
+      <p:grpSp>
+        <p:nvGrpSpPr>
+          <p:cNvPr id="10" name="Group 9"/>
+          <p:cNvGrpSpPr/>
+          <p:nvPr/>
+        </p:nvGrpSpPr>
+        <p:grpSpPr>
+          <a:xfrm>
+            <a:off x="27221" y="-786"/>
+            <a:ext cx="2356674" cy="6854039"/>
+            <a:chOff x="6627813" y="194833"/>
+            <a:chExt cx="1952625" cy="5678918"/>
+          </a:xfrm>
+        </p:grpSpPr>
+        <p:sp>
+          <p:nvSpPr>
+            <p:cNvPr id="11" name="Freeform 27"/>
+            <p:cNvSpPr/>
+            <p:nvPr/>
+          </p:nvSpPr>
+          <p:spPr bwMode="auto">
+            <a:xfrm>
+              <a:off x="6627813" y="194833"/>
+              <a:ext cx="409575" cy="3646488"/>
+            </a:xfrm>
+            <a:custGeom>
+              <a:avLst/>
+              <a:gdLst/>
+              <a:ahLst/>
+              <a:cxnLst/>
+              <a:rect l="0" t="0" r="r" b="b"/>
+              <a:pathLst>
+                <a:path w="103" h="920">
+                  <a:moveTo>
+                    <a:pt x="7" y="210"/>
+                  </a:moveTo>
+                  <a:cubicBezTo>
+                    <a:pt x="11" y="288"/>
+                    <a:pt x="17" y="367"/>
+                    <a:pt x="26" y="445"/>
+                  </a:cubicBezTo>
+                  <a:cubicBezTo>
+                    <a:pt x="34" y="523"/>
+                    <a:pt x="44" y="601"/>
+                    <a:pt x="57" y="679"/>
+                  </a:cubicBezTo>
+                  <a:cubicBezTo>
+                    <a:pt x="69" y="757"/>
+                    <a:pt x="84" y="834"/>
+                    <a:pt x="101" y="911"/>
+                  </a:cubicBezTo>
+                  <a:cubicBezTo>
+                    <a:pt x="102" y="914"/>
+                    <a:pt x="103" y="917"/>
+                    <a:pt x="103" y="920"/>
+                  </a:cubicBezTo>
+                  <a:cubicBezTo>
+                    <a:pt x="102" y="905"/>
+                    <a:pt x="100" y="889"/>
+                    <a:pt x="99" y="874"/>
+                  </a:cubicBezTo>
+                  <a:cubicBezTo>
+                    <a:pt x="99" y="871"/>
+                    <a:pt x="99" y="868"/>
+                    <a:pt x="99" y="866"/>
+                  </a:cubicBezTo>
+                  <a:cubicBezTo>
+                    <a:pt x="85" y="803"/>
+                    <a:pt x="73" y="741"/>
+                    <a:pt x="63" y="678"/>
+                  </a:cubicBezTo>
+                  <a:cubicBezTo>
+                    <a:pt x="50" y="600"/>
+                    <a:pt x="39" y="523"/>
+                    <a:pt x="30" y="444"/>
+                  </a:cubicBezTo>
+                  <a:cubicBezTo>
+                    <a:pt x="21" y="366"/>
+                    <a:pt x="14" y="288"/>
+                    <a:pt x="9" y="209"/>
+                  </a:cubicBezTo>
+                  <a:cubicBezTo>
+                    <a:pt x="7" y="170"/>
+                    <a:pt x="5" y="131"/>
+                    <a:pt x="3" y="92"/>
+                  </a:cubicBezTo>
+                  <a:cubicBezTo>
+                    <a:pt x="2" y="61"/>
+                    <a:pt x="1" y="31"/>
+                    <a:pt x="1" y="0"/>
+                  </a:cubicBezTo>
+                  <a:cubicBezTo>
+                    <a:pt x="0" y="0"/>
+                    <a:pt x="0" y="0"/>
+                    <a:pt x="0" y="0"/>
+                  </a:cubicBezTo>
+                  <a:cubicBezTo>
+                    <a:pt x="0" y="31"/>
+                    <a:pt x="1" y="61"/>
+                    <a:pt x="1" y="92"/>
+                  </a:cubicBezTo>
+                  <a:cubicBezTo>
+                    <a:pt x="3" y="131"/>
+                    <a:pt x="4" y="170"/>
+                    <a:pt x="7" y="210"/>
+                  </a:cubicBezTo>
+                  <a:close/>
+                </a:path>
+              </a:pathLst>
+            </a:custGeom>
+            <a:solidFill>
+              <a:schemeClr val="tx2"/>
+            </a:solidFill>
+            <a:ln>
+              <a:noFill/>
+            </a:ln>
+          </p:spPr>
+        </p:sp>
+        <p:sp>
+          <p:nvSpPr>
+            <p:cNvPr id="12" name="Freeform 28"/>
+            <p:cNvSpPr/>
+            <p:nvPr/>
+          </p:nvSpPr>
+          <p:spPr bwMode="auto">
+            <a:xfrm>
+              <a:off x="7061201" y="3771900"/>
+              <a:ext cx="350838" cy="1309688"/>
+            </a:xfrm>
+            <a:custGeom>
+              <a:avLst/>
+              <a:gdLst/>
+              <a:ahLst/>
+              <a:cxnLst/>
+              <a:rect l="0" t="0" r="r" b="b"/>
+              <a:pathLst>
+                <a:path w="88" h="330">
+                  <a:moveTo>
+                    <a:pt x="53" y="229"/>
+                  </a:moveTo>
+                  <a:cubicBezTo>
+                    <a:pt x="64" y="263"/>
+                    <a:pt x="75" y="297"/>
+                    <a:pt x="88" y="330"/>
+                  </a:cubicBezTo>
+                  <a:cubicBezTo>
+                    <a:pt x="88" y="323"/>
+                    <a:pt x="88" y="315"/>
+                    <a:pt x="88" y="308"/>
+                  </a:cubicBezTo>
+                  <a:cubicBezTo>
+                    <a:pt x="88" y="307"/>
+                    <a:pt x="88" y="305"/>
+                    <a:pt x="88" y="304"/>
+                  </a:cubicBezTo>
+                  <a:cubicBezTo>
+                    <a:pt x="79" y="278"/>
+                    <a:pt x="70" y="252"/>
+                    <a:pt x="62" y="226"/>
+                  </a:cubicBezTo>
+                  <a:cubicBezTo>
+                    <a:pt x="38" y="152"/>
+                    <a:pt x="17" y="76"/>
+                    <a:pt x="0" y="0"/>
+                  </a:cubicBezTo>
+                  <a:cubicBezTo>
+                    <a:pt x="2" y="21"/>
+                    <a:pt x="4" y="42"/>
+                    <a:pt x="7" y="63"/>
+                  </a:cubicBezTo>
+                  <a:cubicBezTo>
+                    <a:pt x="21" y="119"/>
+                    <a:pt x="36" y="174"/>
+                    <a:pt x="53" y="229"/>
+                  </a:cubicBezTo>
+                  <a:close/>
+                </a:path>
+              </a:pathLst>
+            </a:custGeom>
+            <a:solidFill>
+              <a:schemeClr val="tx2"/>
+            </a:solidFill>
+            <a:ln>
+              <a:noFill/>
+            </a:ln>
+          </p:spPr>
+        </p:sp>
+        <p:sp>
+          <p:nvSpPr>
+            <p:cNvPr id="13" name="Freeform 29"/>
+            <p:cNvSpPr/>
+            <p:nvPr/>
+          </p:nvSpPr>
+          <p:spPr bwMode="auto">
+            <a:xfrm>
+              <a:off x="7439026" y="5053013"/>
+              <a:ext cx="357188" cy="820738"/>
+            </a:xfrm>
+            <a:custGeom>
+              <a:avLst/>
+              <a:gdLst/>
+              <a:ahLst/>
+              <a:cxnLst/>
+              <a:rect l="0" t="0" r="r" b="b"/>
+              <a:pathLst>
+                <a:path w="90" h="207">
+                  <a:moveTo>
+                    <a:pt x="6" y="15"/>
+                  </a:moveTo>
+                  <a:cubicBezTo>
+                    <a:pt x="4" y="10"/>
+                    <a:pt x="2" y="5"/>
+                    <a:pt x="0" y="0"/>
+                  </a:cubicBezTo>
+                  <a:cubicBezTo>
+                    <a:pt x="0" y="9"/>
+                    <a:pt x="0" y="19"/>
+                    <a:pt x="1" y="29"/>
+                  </a:cubicBezTo>
+                  <a:cubicBezTo>
+                    <a:pt x="14" y="62"/>
+                    <a:pt x="27" y="95"/>
+                    <a:pt x="42" y="127"/>
+                  </a:cubicBezTo>
+                  <a:cubicBezTo>
+                    <a:pt x="54" y="154"/>
+                    <a:pt x="67" y="181"/>
+                    <a:pt x="80" y="207"/>
+                  </a:cubicBezTo>
+                  <a:cubicBezTo>
+                    <a:pt x="90" y="207"/>
+                    <a:pt x="90" y="207"/>
+                    <a:pt x="90" y="207"/>
+                  </a:cubicBezTo>
+                  <a:cubicBezTo>
+                    <a:pt x="76" y="180"/>
+                    <a:pt x="63" y="152"/>
+                    <a:pt x="50" y="123"/>
+                  </a:cubicBezTo>
+                  <a:cubicBezTo>
+                    <a:pt x="34" y="88"/>
+                    <a:pt x="20" y="51"/>
+                    <a:pt x="6" y="15"/>
+                  </a:cubicBezTo>
+                  <a:close/>
+                </a:path>
+              </a:pathLst>
+            </a:custGeom>
+            <a:solidFill>
+              <a:schemeClr val="tx2"/>
+            </a:solidFill>
+            <a:ln>
+              <a:noFill/>
+            </a:ln>
+          </p:spPr>
+        </p:sp>
+        <p:sp>
+          <p:nvSpPr>
+            <p:cNvPr id="14" name="Freeform 30"/>
+            <p:cNvSpPr/>
+            <p:nvPr/>
+          </p:nvSpPr>
+          <p:spPr bwMode="auto">
+            <a:xfrm>
+              <a:off x="7037388" y="3811588"/>
+              <a:ext cx="457200" cy="1852613"/>
+            </a:xfrm>
+            <a:custGeom>
+              <a:avLst/>
+              <a:gdLst/>
+              <a:ahLst/>
+              <a:cxnLst/>
+              <a:rect l="0" t="0" r="r" b="b"/>
+              <a:pathLst>
+                <a:path w="115" h="467">
+                  <a:moveTo>
+                    <a:pt x="101" y="409"/>
+                  </a:moveTo>
+                  <a:cubicBezTo>
+                    <a:pt x="93" y="388"/>
+                    <a:pt x="85" y="366"/>
+                    <a:pt x="78" y="344"/>
+                  </a:cubicBezTo>
+                  <a:cubicBezTo>
+                    <a:pt x="57" y="281"/>
+                    <a:pt x="41" y="216"/>
+                    <a:pt x="29" y="151"/>
+                  </a:cubicBezTo>
+                  <a:cubicBezTo>
+                    <a:pt x="22" y="119"/>
+                    <a:pt x="17" y="86"/>
+                    <a:pt x="13" y="53"/>
+                  </a:cubicBezTo>
+                  <a:cubicBezTo>
+                    <a:pt x="9" y="35"/>
+                    <a:pt x="4" y="18"/>
+                    <a:pt x="0" y="0"/>
+                  </a:cubicBezTo>
+                  <a:cubicBezTo>
+                    <a:pt x="5" y="51"/>
+                    <a:pt x="12" y="102"/>
+                    <a:pt x="21" y="152"/>
+                  </a:cubicBezTo>
+                  <a:cubicBezTo>
+                    <a:pt x="33" y="218"/>
+                    <a:pt x="49" y="283"/>
+                    <a:pt x="69" y="347"/>
+                  </a:cubicBezTo>
+                  <a:cubicBezTo>
+                    <a:pt x="79" y="378"/>
+                    <a:pt x="90" y="410"/>
+                    <a:pt x="103" y="441"/>
+                  </a:cubicBezTo>
+                  <a:cubicBezTo>
+                    <a:pt x="107" y="449"/>
+                    <a:pt x="111" y="458"/>
+                    <a:pt x="115" y="467"/>
+                  </a:cubicBezTo>
+                  <a:cubicBezTo>
+                    <a:pt x="114" y="464"/>
+                    <a:pt x="113" y="461"/>
+                    <a:pt x="112" y="458"/>
+                  </a:cubicBezTo>
+                  <a:cubicBezTo>
+                    <a:pt x="108" y="442"/>
+                    <a:pt x="104" y="425"/>
+                    <a:pt x="101" y="409"/>
+                  </a:cubicBezTo>
+                  <a:close/>
+                </a:path>
+              </a:pathLst>
+            </a:custGeom>
+            <a:solidFill>
+              <a:schemeClr val="tx2"/>
+            </a:solidFill>
+            <a:ln>
+              <a:noFill/>
+            </a:ln>
+          </p:spPr>
+        </p:sp>
+        <p:sp>
+          <p:nvSpPr>
+            <p:cNvPr id="15" name="Freeform 31"/>
+            <p:cNvSpPr/>
+            <p:nvPr/>
+          </p:nvSpPr>
+          <p:spPr bwMode="auto">
+            <a:xfrm>
+              <a:off x="6992938" y="1263650"/>
+              <a:ext cx="144463" cy="2508250"/>
+            </a:xfrm>
+            <a:custGeom>
+              <a:avLst/>
+              <a:gdLst/>
+              <a:ahLst/>
+              <a:cxnLst/>
+              <a:rect l="0" t="0" r="r" b="b"/>
+              <a:pathLst>
+                <a:path w="36" h="633">
+                  <a:moveTo>
+                    <a:pt x="17" y="633"/>
+                  </a:moveTo>
+                  <a:cubicBezTo>
+                    <a:pt x="15" y="621"/>
+                    <a:pt x="14" y="609"/>
+                    <a:pt x="13" y="597"/>
+                  </a:cubicBezTo>
+                  <a:cubicBezTo>
+                    <a:pt x="8" y="530"/>
+                    <a:pt x="5" y="464"/>
+                    <a:pt x="5" y="398"/>
+                  </a:cubicBezTo>
+                  <a:cubicBezTo>
+                    <a:pt x="5" y="331"/>
+                    <a:pt x="8" y="265"/>
+                    <a:pt x="13" y="198"/>
+                  </a:cubicBezTo>
+                  <a:cubicBezTo>
+                    <a:pt x="15" y="165"/>
+                    <a:pt x="18" y="132"/>
+                    <a:pt x="22" y="99"/>
+                  </a:cubicBezTo>
+                  <a:cubicBezTo>
+                    <a:pt x="26" y="66"/>
+                    <a:pt x="30" y="33"/>
+                    <a:pt x="36" y="0"/>
+                  </a:cubicBezTo>
+                  <a:cubicBezTo>
+                    <a:pt x="35" y="0"/>
+                    <a:pt x="35" y="0"/>
+                    <a:pt x="35" y="0"/>
+                  </a:cubicBezTo>
+                  <a:cubicBezTo>
+                    <a:pt x="29" y="33"/>
+                    <a:pt x="24" y="66"/>
+                    <a:pt x="20" y="99"/>
+                  </a:cubicBezTo>
+                  <a:cubicBezTo>
+                    <a:pt x="16" y="132"/>
+                    <a:pt x="13" y="165"/>
+                    <a:pt x="10" y="198"/>
+                  </a:cubicBezTo>
+                  <a:cubicBezTo>
+                    <a:pt x="4" y="264"/>
+                    <a:pt x="1" y="331"/>
+                    <a:pt x="1" y="398"/>
+                  </a:cubicBezTo>
+                  <a:cubicBezTo>
+                    <a:pt x="0" y="461"/>
+                    <a:pt x="2" y="525"/>
+                    <a:pt x="7" y="589"/>
+                  </a:cubicBezTo>
+                  <a:cubicBezTo>
+                    <a:pt x="10" y="603"/>
+                    <a:pt x="13" y="618"/>
+                    <a:pt x="16" y="632"/>
+                  </a:cubicBezTo>
+                  <a:cubicBezTo>
+                    <a:pt x="16" y="632"/>
+                    <a:pt x="17" y="633"/>
+                    <a:pt x="17" y="633"/>
+                  </a:cubicBezTo>
+                  <a:close/>
+                </a:path>
+              </a:pathLst>
+            </a:custGeom>
+            <a:solidFill>
+              <a:schemeClr val="tx2"/>
+            </a:solidFill>
+            <a:ln>
+              <a:noFill/>
+            </a:ln>
+          </p:spPr>
+        </p:sp>
+        <p:sp>
+          <p:nvSpPr>
+            <p:cNvPr id="16" name="Freeform 32"/>
+            <p:cNvSpPr/>
+            <p:nvPr/>
+          </p:nvSpPr>
+          <p:spPr bwMode="auto">
+            <a:xfrm>
+              <a:off x="7526338" y="5640388"/>
+              <a:ext cx="111125" cy="233363"/>
+            </a:xfrm>
+            <a:custGeom>
+              <a:avLst/>
+              <a:gdLst/>
+              <a:ahLst/>
+              <a:cxnLst/>
+              <a:rect l="0" t="0" r="r" b="b"/>
+              <a:pathLst>
+                <a:path w="28" h="59">
+                  <a:moveTo>
+                    <a:pt x="22" y="59"/>
+                  </a:moveTo>
+                  <a:cubicBezTo>
+                    <a:pt x="28" y="59"/>
+                    <a:pt x="28" y="59"/>
+                    <a:pt x="28" y="59"/>
+                  </a:cubicBezTo>
+                  <a:cubicBezTo>
+                    <a:pt x="18" y="40"/>
+                    <a:pt x="9" y="20"/>
+                    <a:pt x="0" y="0"/>
+                  </a:cubicBezTo>
+                  <a:cubicBezTo>
+                    <a:pt x="6" y="20"/>
+                    <a:pt x="13" y="40"/>
+                    <a:pt x="22" y="59"/>
+                  </a:cubicBezTo>
+                  <a:close/>
+                </a:path>
+              </a:pathLst>
+            </a:custGeom>
+            <a:solidFill>
+              <a:schemeClr val="tx2"/>
+            </a:solidFill>
+            <a:ln>
+              <a:noFill/>
+            </a:ln>
+          </p:spPr>
+        </p:sp>
+        <p:sp>
+          <p:nvSpPr>
+            <p:cNvPr id="17" name="Freeform 33"/>
+            <p:cNvSpPr/>
+            <p:nvPr/>
+          </p:nvSpPr>
+          <p:spPr bwMode="auto">
+            <a:xfrm>
+              <a:off x="7021513" y="3598863"/>
+              <a:ext cx="68263" cy="423863"/>
+            </a:xfrm>
+            <a:custGeom>
+              <a:avLst/>
+              <a:gdLst/>
+              <a:ahLst/>
+              <a:cxnLst/>
+              <a:rect l="0" t="0" r="r" b="b"/>
+              <a:pathLst>
+                <a:path w="17" h="107">
+                  <a:moveTo>
+                    <a:pt x="4" y="54"/>
+                  </a:moveTo>
+                  <a:cubicBezTo>
+                    <a:pt x="8" y="72"/>
+                    <a:pt x="13" y="89"/>
+                    <a:pt x="17" y="107"/>
+                  </a:cubicBezTo>
+                  <a:cubicBezTo>
+                    <a:pt x="14" y="86"/>
+                    <a:pt x="12" y="65"/>
+                    <a:pt x="10" y="44"/>
+                  </a:cubicBezTo>
+                  <a:cubicBezTo>
+                    <a:pt x="10" y="44"/>
+                    <a:pt x="9" y="43"/>
+                    <a:pt x="9" y="43"/>
+                  </a:cubicBezTo>
+                  <a:cubicBezTo>
+                    <a:pt x="6" y="29"/>
+                    <a:pt x="3" y="14"/>
+                    <a:pt x="0" y="0"/>
+                  </a:cubicBezTo>
+                  <a:cubicBezTo>
+                    <a:pt x="0" y="2"/>
+                    <a:pt x="0" y="5"/>
+                    <a:pt x="0" y="8"/>
+                  </a:cubicBezTo>
+                  <a:cubicBezTo>
+                    <a:pt x="1" y="23"/>
+                    <a:pt x="3" y="39"/>
+                    <a:pt x="4" y="54"/>
+                  </a:cubicBezTo>
+                  <a:close/>
+                </a:path>
+              </a:pathLst>
+            </a:custGeom>
+            <a:solidFill>
+              <a:schemeClr val="tx2"/>
+            </a:solidFill>
+            <a:ln>
+              <a:noFill/>
+            </a:ln>
+          </p:spPr>
+        </p:sp>
+        <p:sp>
+          <p:nvSpPr>
+            <p:cNvPr id="18" name="Freeform 34"/>
+            <p:cNvSpPr/>
+            <p:nvPr/>
+          </p:nvSpPr>
+          <p:spPr bwMode="auto">
+            <a:xfrm>
+              <a:off x="7412038" y="2801938"/>
+              <a:ext cx="1168400" cy="2251075"/>
+            </a:xfrm>
+            <a:custGeom>
+              <a:avLst/>
+              <a:gdLst/>
+              <a:ahLst/>
+              <a:cxnLst/>
+              <a:rect l="0" t="0" r="r" b="b"/>
+              <a:pathLst>
+                <a:path w="294" h="568">
+                  <a:moveTo>
+                    <a:pt x="8" y="553"/>
+                  </a:moveTo>
+                  <a:cubicBezTo>
+                    <a:pt x="9" y="501"/>
+                    <a:pt x="19" y="448"/>
+                    <a:pt x="35" y="397"/>
+                  </a:cubicBezTo>
+                  <a:cubicBezTo>
+                    <a:pt x="51" y="347"/>
+                    <a:pt x="73" y="298"/>
+                    <a:pt x="99" y="252"/>
+                  </a:cubicBezTo>
+                  <a:cubicBezTo>
+                    <a:pt x="124" y="205"/>
+                    <a:pt x="154" y="161"/>
+                    <a:pt x="187" y="119"/>
+                  </a:cubicBezTo>
+                  <a:cubicBezTo>
+                    <a:pt x="203" y="98"/>
+                    <a:pt x="220" y="77"/>
+                    <a:pt x="238" y="58"/>
+                  </a:cubicBezTo>
+                  <a:cubicBezTo>
+                    <a:pt x="247" y="48"/>
+                    <a:pt x="256" y="38"/>
+                    <a:pt x="265" y="28"/>
+                  </a:cubicBezTo>
+                  <a:cubicBezTo>
+                    <a:pt x="274" y="19"/>
+                    <a:pt x="284" y="9"/>
+                    <a:pt x="294" y="0"/>
+                  </a:cubicBezTo>
+                  <a:cubicBezTo>
+                    <a:pt x="293" y="0"/>
+                    <a:pt x="293" y="0"/>
+                    <a:pt x="293" y="0"/>
+                  </a:cubicBezTo>
+                  <a:cubicBezTo>
+                    <a:pt x="283" y="9"/>
+                    <a:pt x="273" y="18"/>
+                    <a:pt x="264" y="27"/>
+                  </a:cubicBezTo>
+                  <a:cubicBezTo>
+                    <a:pt x="255" y="37"/>
+                    <a:pt x="246" y="47"/>
+                    <a:pt x="237" y="56"/>
+                  </a:cubicBezTo>
+                  <a:cubicBezTo>
+                    <a:pt x="218" y="76"/>
+                    <a:pt x="201" y="96"/>
+                    <a:pt x="185" y="117"/>
+                  </a:cubicBezTo>
+                  <a:cubicBezTo>
+                    <a:pt x="151" y="159"/>
+                    <a:pt x="121" y="203"/>
+                    <a:pt x="95" y="249"/>
+                  </a:cubicBezTo>
+                  <a:cubicBezTo>
+                    <a:pt x="68" y="296"/>
+                    <a:pt x="46" y="345"/>
+                    <a:pt x="30" y="396"/>
+                  </a:cubicBezTo>
+                  <a:cubicBezTo>
+                    <a:pt x="13" y="445"/>
+                    <a:pt x="3" y="497"/>
+                    <a:pt x="0" y="549"/>
+                  </a:cubicBezTo>
+                  <a:cubicBezTo>
+                    <a:pt x="3" y="555"/>
+                    <a:pt x="5" y="561"/>
+                    <a:pt x="7" y="568"/>
+                  </a:cubicBezTo>
+                  <a:cubicBezTo>
+                    <a:pt x="7" y="563"/>
+                    <a:pt x="7" y="558"/>
+                    <a:pt x="8" y="553"/>
+                  </a:cubicBezTo>
+                  <a:close/>
+                </a:path>
+              </a:pathLst>
+            </a:custGeom>
+            <a:solidFill>
+              <a:schemeClr val="tx2"/>
+            </a:solidFill>
+            <a:ln>
+              <a:noFill/>
+            </a:ln>
+          </p:spPr>
+        </p:sp>
+        <p:sp>
+          <p:nvSpPr>
+            <p:cNvPr id="19" name="Freeform 35"/>
+            <p:cNvSpPr/>
+            <p:nvPr/>
+          </p:nvSpPr>
+          <p:spPr bwMode="auto">
+            <a:xfrm>
+              <a:off x="7494588" y="5664200"/>
+              <a:ext cx="100013" cy="209550"/>
+            </a:xfrm>
+            <a:custGeom>
+              <a:avLst/>
+              <a:gdLst/>
+              <a:ahLst/>
+              <a:cxnLst/>
+              <a:rect l="0" t="0" r="r" b="b"/>
+              <a:pathLst>
+                <a:path w="25" h="53">
+                  <a:moveTo>
+                    <a:pt x="0" y="0"/>
+                  </a:moveTo>
+                  <a:cubicBezTo>
+                    <a:pt x="5" y="18"/>
+                    <a:pt x="12" y="36"/>
+                    <a:pt x="19" y="53"/>
+                  </a:cubicBezTo>
+                  <a:cubicBezTo>
+                    <a:pt x="25" y="53"/>
+                    <a:pt x="25" y="53"/>
+                    <a:pt x="25" y="53"/>
+                  </a:cubicBezTo>
+                  <a:cubicBezTo>
+                    <a:pt x="16" y="36"/>
+                    <a:pt x="8" y="18"/>
+                    <a:pt x="0" y="0"/>
+                  </a:cubicBezTo>
+                  <a:close/>
+                </a:path>
+              </a:pathLst>
+            </a:custGeom>
+            <a:solidFill>
+              <a:schemeClr val="tx2"/>
+            </a:solidFill>
+            <a:ln>
+              <a:noFill/>
+            </a:ln>
+          </p:spPr>
+        </p:sp>
+        <p:sp>
+          <p:nvSpPr>
+            <p:cNvPr id="20" name="Freeform 36"/>
+            <p:cNvSpPr/>
+            <p:nvPr/>
+          </p:nvSpPr>
+          <p:spPr bwMode="auto">
+            <a:xfrm>
+              <a:off x="7412038" y="5081588"/>
+              <a:ext cx="114300" cy="558800"/>
+            </a:xfrm>
+            <a:custGeom>
+              <a:avLst/>
+              <a:gdLst/>
+              <a:ahLst/>
+              <a:cxnLst/>
+              <a:rect l="0" t="0" r="r" b="b"/>
+              <a:pathLst>
+                <a:path w="29" h="141">
+                  <a:moveTo>
+                    <a:pt x="0" y="0"/>
+                  </a:moveTo>
+                  <a:cubicBezTo>
+                    <a:pt x="0" y="30"/>
+                    <a:pt x="2" y="60"/>
+                    <a:pt x="7" y="89"/>
+                  </a:cubicBezTo>
+                  <a:cubicBezTo>
+                    <a:pt x="11" y="98"/>
+                    <a:pt x="14" y="108"/>
+                    <a:pt x="18" y="117"/>
+                  </a:cubicBezTo>
+                  <a:cubicBezTo>
+                    <a:pt x="22" y="125"/>
+                    <a:pt x="25" y="133"/>
+                    <a:pt x="29" y="141"/>
+                  </a:cubicBezTo>
+                  <a:cubicBezTo>
+                    <a:pt x="28" y="139"/>
+                    <a:pt x="28" y="137"/>
+                    <a:pt x="27" y="135"/>
+                  </a:cubicBezTo>
+                  <a:cubicBezTo>
+                    <a:pt x="16" y="98"/>
+                    <a:pt x="10" y="60"/>
+                    <a:pt x="8" y="22"/>
+                  </a:cubicBezTo>
+                  <a:cubicBezTo>
+                    <a:pt x="7" y="18"/>
+                    <a:pt x="5" y="15"/>
+                    <a:pt x="4" y="11"/>
+                  </a:cubicBezTo>
+                  <a:cubicBezTo>
+                    <a:pt x="2" y="7"/>
+                    <a:pt x="1" y="3"/>
+                    <a:pt x="0" y="0"/>
+                  </a:cubicBezTo>
+                  <a:close/>
+                </a:path>
+              </a:pathLst>
+            </a:custGeom>
+            <a:solidFill>
+              <a:schemeClr val="tx2"/>
+            </a:solidFill>
+            <a:ln>
+              <a:noFill/>
+            </a:ln>
+          </p:spPr>
+        </p:sp>
+        <p:sp>
+          <p:nvSpPr>
+            <p:cNvPr id="21" name="Freeform 37"/>
+            <p:cNvSpPr/>
+            <p:nvPr/>
+          </p:nvSpPr>
+          <p:spPr bwMode="auto">
+            <a:xfrm>
+              <a:off x="7412038" y="4978400"/>
+              <a:ext cx="31750" cy="188913"/>
+            </a:xfrm>
+            <a:custGeom>
+              <a:avLst/>
+              <a:gdLst/>
+              <a:ahLst/>
+              <a:cxnLst/>
+              <a:rect l="0" t="0" r="r" b="b"/>
+              <a:pathLst>
+                <a:path w="8" h="48">
+                  <a:moveTo>
+                    <a:pt x="0" y="26"/>
+                  </a:moveTo>
+                  <a:cubicBezTo>
+                    <a:pt x="1" y="29"/>
+                    <a:pt x="2" y="33"/>
+                    <a:pt x="4" y="37"/>
+                  </a:cubicBezTo>
+                  <a:cubicBezTo>
+                    <a:pt x="5" y="41"/>
+                    <a:pt x="7" y="44"/>
+                    <a:pt x="8" y="48"/>
+                  </a:cubicBezTo>
+                  <a:cubicBezTo>
+                    <a:pt x="7" y="38"/>
+                    <a:pt x="7" y="28"/>
+                    <a:pt x="7" y="19"/>
+                  </a:cubicBezTo>
+                  <a:cubicBezTo>
+                    <a:pt x="5" y="12"/>
+                    <a:pt x="3" y="6"/>
+                    <a:pt x="0" y="0"/>
+                  </a:cubicBezTo>
+                  <a:cubicBezTo>
+                    <a:pt x="0" y="1"/>
+                    <a:pt x="0" y="3"/>
+                    <a:pt x="0" y="4"/>
+                  </a:cubicBezTo>
+                  <a:cubicBezTo>
+                    <a:pt x="0" y="11"/>
+                    <a:pt x="0" y="19"/>
+                    <a:pt x="0" y="26"/>
+                  </a:cubicBezTo>
+                  <a:close/>
+                </a:path>
+              </a:pathLst>
+            </a:custGeom>
+            <a:solidFill>
+              <a:schemeClr val="tx2"/>
+            </a:solidFill>
+            <a:ln>
+              <a:noFill/>
+            </a:ln>
+          </p:spPr>
+        </p:sp>
+        <p:sp>
+          <p:nvSpPr>
+            <p:cNvPr id="22" name="Freeform 38"/>
+            <p:cNvSpPr/>
+            <p:nvPr/>
+          </p:nvSpPr>
+          <p:spPr bwMode="auto">
+            <a:xfrm>
+              <a:off x="7439026" y="5434013"/>
+              <a:ext cx="174625" cy="439738"/>
+            </a:xfrm>
+            <a:custGeom>
+              <a:avLst/>
+              <a:gdLst/>
+              <a:ahLst/>
+              <a:cxnLst/>
+              <a:rect l="0" t="0" r="r" b="b"/>
+              <a:pathLst>
+                <a:path w="44" h="111">
+                  <a:moveTo>
+                    <a:pt x="11" y="28"/>
+                  </a:moveTo>
+                  <a:cubicBezTo>
+                    <a:pt x="7" y="19"/>
+                    <a:pt x="4" y="9"/>
+                    <a:pt x="0" y="0"/>
+                  </a:cubicBezTo>
+                  <a:cubicBezTo>
+                    <a:pt x="3" y="16"/>
+                    <a:pt x="7" y="33"/>
+                    <a:pt x="11" y="49"/>
+                  </a:cubicBezTo>
+                  <a:cubicBezTo>
+                    <a:pt x="12" y="52"/>
+                    <a:pt x="13" y="55"/>
+                    <a:pt x="14" y="58"/>
+                  </a:cubicBezTo>
+                  <a:cubicBezTo>
+                    <a:pt x="22" y="76"/>
+                    <a:pt x="30" y="94"/>
+                    <a:pt x="39" y="111"/>
+                  </a:cubicBezTo>
+                  <a:cubicBezTo>
+                    <a:pt x="44" y="111"/>
+                    <a:pt x="44" y="111"/>
+                    <a:pt x="44" y="111"/>
+                  </a:cubicBezTo>
+                  <a:cubicBezTo>
+                    <a:pt x="35" y="92"/>
+                    <a:pt x="28" y="72"/>
+                    <a:pt x="22" y="52"/>
+                  </a:cubicBezTo>
+                  <a:cubicBezTo>
+                    <a:pt x="18" y="44"/>
+                    <a:pt x="15" y="36"/>
+                    <a:pt x="11" y="28"/>
+                  </a:cubicBezTo>
+                  <a:close/>
+                </a:path>
+              </a:pathLst>
+            </a:custGeom>
+            <a:solidFill>
+              <a:schemeClr val="tx2"/>
+            </a:solidFill>
+            <a:ln>
+              <a:noFill/>
+            </a:ln>
+          </p:spPr>
+        </p:sp>
+      </p:grpSp>
+      <p:sp>
+        <p:nvSpPr>
+          <p:cNvPr id="7" name="Rectangle 6"/>
+          <p:cNvSpPr/>
+          <p:nvPr/>
+        </p:nvSpPr>
+        <p:spPr>
+          <a:xfrm>
+            <a:off x="0" y="0"/>
+            <a:ext cx="182880" cy="6858000"/>
+          </a:xfrm>
+          <a:prstGeom prst="rect">
+            <a:avLst/>
+          </a:prstGeom>
+          <a:solidFill>
+            <a:schemeClr val="tx2"/>
+          </a:solidFill>
+          <a:ln>
+            <a:noFill/>
+          </a:ln>
+          <a:effectLst/>
+        </p:spPr>
+        <p:style>
+          <a:lnRef idx="1">
+            <a:schemeClr val="accent1"/>
+          </a:lnRef>
+          <a:fillRef idx="3">
+            <a:schemeClr val="accent1"/>
+          </a:fillRef>
+          <a:effectRef idx="2">
+            <a:schemeClr val="accent1"/>
+          </a:effectRef>
+          <a:fontRef idx="minor">
+            <a:schemeClr val="lt1"/>
+          </a:fontRef>
+        </p:style>
+      </p:sp>
+      <p:sp>
+        <p:nvSpPr>
+          <p:cNvPr id="2" name="Title Placeholder 1"/>
+          <p:cNvSpPr>
+            <a:spLocks noGrp="1"/>
+          </p:cNvSpPr>
+          <p:nvPr>
+            <p:ph type="title"/>
+          </p:nvPr>
+        </p:nvSpPr>
+        <p:spPr>
+          <a:xfrm>
+            <a:off x="2592924" y="624110"/>
+            <a:ext cx="8911687" cy="1280890"/>
+          </a:xfrm>
+          <a:prstGeom prst="rect">
+            <a:avLst/>
+          </a:prstGeom>
+        </p:spPr>
+        <p:txBody>
+          <a:bodyPr vert="horz" lIns="91440" tIns="45720" rIns="91440" bIns="45720" rtlCol="0" anchor="t">
+            <a:normAutofit/>
+          </a:bodyPr>
+          <a:lstStyle/>
+          <a:p>
+            <a:r>
+              <a:rPr lang="es-ES"/>
+              <a:t>Haga clic para modificar el estilo de título del patrón</a:t>
+            </a:r>
+            <a:endParaRPr lang="en-US" dirty="0"/>
+          </a:p>
+        </p:txBody>
+      </p:sp>
+      <p:sp>
+        <p:nvSpPr>
+          <p:cNvPr id="3" name="Text Placeholder 2"/>
+          <p:cNvSpPr>
+            <a:spLocks noGrp="1"/>
+          </p:cNvSpPr>
+          <p:nvPr>
+            <p:ph type="body" idx="1"/>
+          </p:nvPr>
+        </p:nvSpPr>
+        <p:spPr>
+          <a:xfrm>
+            <a:off x="2589212" y="2133600"/>
+            <a:ext cx="8915400" cy="3886200"/>
+          </a:xfrm>
+          <a:prstGeom prst="rect">
+            <a:avLst/>
+          </a:prstGeom>
+        </p:spPr>
+        <p:txBody>
+          <a:bodyPr vert="horz" lIns="91440" tIns="45720" rIns="91440" bIns="45720" rtlCol="0">
+            <a:normAutofit/>
+          </a:bodyPr>
+          <a:lstStyle/>
+          <a:p>
+            <a:pPr lvl="0"/>
+            <a:r>
+              <a:rPr lang="es-ES"/>
+              <a:t>Haga clic para modificar los estilos de texto del patrón</a:t>
+            </a:r>
+          </a:p>
+          <a:p>
+            <a:pPr lvl="1"/>
+            <a:r>
+              <a:rPr lang="es-ES"/>
+              <a:t>Segundo nivel</a:t>
+            </a:r>
+          </a:p>
+          <a:p>
+            <a:pPr lvl="2"/>
+            <a:r>
+              <a:rPr lang="es-ES"/>
+              <a:t>Tercer nivel</a:t>
+            </a:r>
+          </a:p>
+          <a:p>
+            <a:pPr lvl="3"/>
+            <a:r>
+              <a:rPr lang="es-ES"/>
+              <a:t>Cuarto nivel</a:t>
+            </a:r>
+          </a:p>
+          <a:p>
+            <a:pPr lvl="4"/>
+            <a:r>
+              <a:rPr lang="es-ES"/>
+              <a:t>Quinto nivel</a:t>
+            </a:r>
+            <a:endParaRPr lang="en-US" dirty="0"/>
+          </a:p>
+        </p:txBody>
+      </p:sp>
+      <p:sp>
+        <p:nvSpPr>
+          <p:cNvPr id="4" name="Date Placeholder 3"/>
+          <p:cNvSpPr>
+            <a:spLocks noGrp="1"/>
+          </p:cNvSpPr>
+          <p:nvPr>
+            <p:ph type="dt" sz="half" idx="2"/>
+          </p:nvPr>
+        </p:nvSpPr>
+        <p:spPr>
+          <a:xfrm>
+            <a:off x="10361612" y="6130437"/>
+            <a:ext cx="1146283" cy="370396"/>
+          </a:xfrm>
+          <a:prstGeom prst="rect">
+            <a:avLst/>
+          </a:prstGeom>
+        </p:spPr>
+        <p:txBody>
+          <a:bodyPr vert="horz" lIns="91440" tIns="45720" rIns="91440" bIns="45720" rtlCol="0" anchor="ctr"/>
+          <a:lstStyle>
+            <a:lvl1pPr algn="r">
+              <a:defRPr sz="900">
+                <a:solidFill>
+                  <a:schemeClr val="tx1">
+                    <a:tint val="75000"/>
+                  </a:schemeClr>
+                </a:solidFill>
+              </a:defRPr>
+            </a:lvl1pPr>
+          </a:lstStyle>
+          <a:p>
+            <a:fld id="{156F32FC-E0FE-45CF-AE1E-604DAEA3C56A}" type="datetimeFigureOut">
+              <a:rPr lang="es-MX" smtClean="0"/>
+              <a:t>08/05/2019</a:t>
+            </a:fld>
+            <a:endParaRPr lang="es-MX"/>
+          </a:p>
+        </p:txBody>
+      </p:sp>
+      <p:sp>
+        <p:nvSpPr>
+          <p:cNvPr id="5" name="Footer Placeholder 4"/>
+          <p:cNvSpPr>
+            <a:spLocks noGrp="1"/>
+          </p:cNvSpPr>
+          <p:nvPr>
+            <p:ph type="ftr" sz="quarter" idx="3"/>
+          </p:nvPr>
+        </p:nvSpPr>
+        <p:spPr>
+          <a:xfrm>
+            <a:off x="2589212" y="6135808"/>
+            <a:ext cx="7619999" cy="365125"/>
+          </a:xfrm>
+          <a:prstGeom prst="rect">
+            <a:avLst/>
+          </a:prstGeom>
+        </p:spPr>
+        <p:txBody>
+          <a:bodyPr vert="horz" lIns="91440" tIns="45720" rIns="91440" bIns="45720" rtlCol="0" anchor="ctr"/>
+          <a:lstStyle>
+            <a:lvl1pPr algn="l">
+              <a:defRPr sz="900">
+                <a:solidFill>
+                  <a:schemeClr val="tx1">
+                    <a:tint val="75000"/>
+                  </a:schemeClr>
+                </a:solidFill>
+              </a:defRPr>
+            </a:lvl1pPr>
+          </a:lstStyle>
+          <a:p>
+            <a:endParaRPr lang="es-MX"/>
+          </a:p>
+        </p:txBody>
+      </p:sp>
+      <p:sp>
+        <p:nvSpPr>
+          <p:cNvPr id="6" name="Slide Number Placeholder 5"/>
+          <p:cNvSpPr>
+            <a:spLocks noGrp="1"/>
+          </p:cNvSpPr>
+          <p:nvPr>
+            <p:ph type="sldNum" sz="quarter" idx="4"/>
+          </p:nvPr>
+        </p:nvSpPr>
+        <p:spPr bwMode="gray">
+          <a:xfrm>
+            <a:off x="531812" y="787782"/>
+            <a:ext cx="779767" cy="365125"/>
+          </a:xfrm>
+          <a:prstGeom prst="rect">
+            <a:avLst/>
+          </a:prstGeom>
+        </p:spPr>
+        <p:txBody>
+          <a:bodyPr vert="horz" lIns="91440" tIns="45720" rIns="91440" bIns="45720" rtlCol="0" anchor="ctr"/>
+          <a:lstStyle>
+            <a:lvl1pPr algn="r">
+              <a:defRPr sz="2000">
+                <a:solidFill>
+                  <a:srgbClr val="FEFFFF"/>
+                </a:solidFill>
+              </a:defRPr>
+            </a:lvl1pPr>
+          </a:lstStyle>
+          <a:p>
+            <a:fld id="{315E141C-80C7-4D49-948F-B64DEFB3BC22}" type="slidenum">
+              <a:rPr lang="es-MX" smtClean="0"/>
+              <a:t>‹Nº›</a:t>
+            </a:fld>
+            <a:endParaRPr lang="es-MX"/>
+          </a:p>
+        </p:txBody>
+      </p:sp>
+    </p:spTree>
+    <p:extLst>
+      <p:ext uri="{BB962C8B-B14F-4D97-AF65-F5344CB8AC3E}">
+        <p14:creationId xmlns:p14="http://schemas.microsoft.com/office/powerpoint/2010/main" val="963725987"/>
+      </p:ext>
+    </p:extLst>
+  </p:cSld>
+  <p:clrMap bg1="lt1" tx1="dk1" bg2="lt2" tx2="dk2" accent1="accent1" accent2="accent2" accent3="accent3" accent4="accent4" accent5="accent5" accent6="accent6" hlink="hlink" folHlink="folHlink"/>
+  <p:sldLayoutIdLst>
+    <p:sldLayoutId id="2147483673" r:id="rId1"/>
+    <p:sldLayoutId id="2147483674" r:id="rId2"/>
+    <p:sldLayoutId id="2147483675" r:id="rId3"/>
+    <p:sldLayoutId id="2147483676" r:id="rId4"/>
+    <p:sldLayoutId id="2147483677" r:id="rId5"/>
+    <p:sldLayoutId id="2147483678" r:id="rId6"/>
+    <p:sldLayoutId id="2147483679" r:id="rId7"/>
+    <p:sldLayoutId id="2147483680" r:id="rId8"/>
+    <p:sldLayoutId id="2147483681" r:id="rId9"/>
+    <p:sldLayoutId id="2147483682" r:id="rId10"/>
+    <p:sldLayoutId id="2147483683" r:id="rId11"/>
+    <p:sldLayoutId id="2147483684" r:id="rId12"/>
+    <p:sldLayoutId id="2147483685" r:id="rId13"/>
+    <p:sldLayoutId id="2147483686" r:id="rId14"/>
+    <p:sldLayoutId id="2147483687" r:id="rId15"/>
+    <p:sldLayoutId id="2147483688" r:id="rId16"/>
+  </p:sldLayoutIdLst>
+  <p:txStyles>
+    <p:titleStyle>
+      <a:lvl1pPr algn="l" defTabSz="457200" rtl="0" eaLnBrk="1" latinLnBrk="0" hangingPunct="1">
+        <a:spcBef>
+          <a:spcPct val="0"/>
+        </a:spcBef>
+        <a:buNone/>
+        <a:defRPr sz="3600" kern="1200">
+          <a:solidFill>
+            <a:schemeClr val="tx1">
+              <a:lumMod val="85000"/>
+              <a:lumOff val="15000"/>
+            </a:schemeClr>
+          </a:solidFill>
+          <a:latin typeface="+mj-lt"/>
+          <a:ea typeface="+mj-ea"/>
+          <a:cs typeface="+mj-cs"/>
+        </a:defRPr>
+      </a:lvl1pPr>
+      <a:lvl2pPr eaLnBrk="1" hangingPunct="1">
+        <a:defRPr>
+          <a:solidFill>
+            <a:schemeClr val="tx2"/>
+          </a:solidFill>
+        </a:defRPr>
+      </a:lvl2pPr>
+      <a:lvl3pPr eaLnBrk="1" hangingPunct="1">
+        <a:defRPr>
+          <a:solidFill>
+            <a:schemeClr val="tx2"/>
+          </a:solidFill>
+        </a:defRPr>
+      </a:lvl3pPr>
+      <a:lvl4pPr eaLnBrk="1" hangingPunct="1">
+        <a:defRPr>
+          <a:solidFill>
+            <a:schemeClr val="tx2"/>
+          </a:solidFill>
+        </a:defRPr>
+      </a:lvl4pPr>
+      <a:lvl5pPr eaLnBrk="1" hangingPunct="1">
+        <a:defRPr>
+          <a:solidFill>
+            <a:schemeClr val="tx2"/>
+          </a:solidFill>
+        </a:defRPr>
+      </a:lvl5pPr>
+      <a:lvl6pPr eaLnBrk="1" hangingPunct="1">
+        <a:defRPr>
+          <a:solidFill>
+            <a:schemeClr val="tx2"/>
+          </a:solidFill>
+        </a:defRPr>
+      </a:lvl6pPr>
+      <a:lvl7pPr eaLnBrk="1" hangingPunct="1">
+        <a:defRPr>
+          <a:solidFill>
+            <a:schemeClr val="tx2"/>
+          </a:solidFill>
+        </a:defRPr>
+      </a:lvl7pPr>
+      <a:lvl8pPr eaLnBrk="1" hangingPunct="1">
+        <a:defRPr>
+          <a:solidFill>
+            <a:schemeClr val="tx2"/>
+          </a:solidFill>
+        </a:defRPr>
+      </a:lvl8pPr>
+      <a:lvl9pPr eaLnBrk="1" hangingPunct="1">
+        <a:defRPr>
+          <a:solidFill>
+            <a:schemeClr val="tx2"/>
+          </a:solidFill>
+        </a:defRPr>
+      </a:lvl9pPr>
+    </p:titleStyle>
+    <p:bodyStyle>
+      <a:lvl1pPr marL="342900" indent="-342900" algn="l" defTabSz="457200" rtl="0" eaLnBrk="1" latinLnBrk="0" hangingPunct="1">
+        <a:spcBef>
+          <a:spcPts val="1000"/>
+        </a:spcBef>
+        <a:spcAft>
+          <a:spcPts val="0"/>
+        </a:spcAft>
+        <a:buClr>
+          <a:schemeClr val="accent1"/>
+        </a:buClr>
+        <a:buFont typeface="Wingdings 3" charset="2"/>
+        <a:buChar char=""/>
+        <a:defRPr sz="1800" kern="1200">
+          <a:solidFill>
+            <a:schemeClr val="tx1">
+              <a:lumMod val="75000"/>
+              <a:lumOff val="25000"/>
+            </a:schemeClr>
+          </a:solidFill>
+          <a:latin typeface="+mn-lt"/>
+          <a:ea typeface="+mn-ea"/>
+          <a:cs typeface="+mn-cs"/>
+        </a:defRPr>
+      </a:lvl1pPr>
+      <a:lvl2pPr marL="742950" indent="-285750" algn="l" defTabSz="457200" rtl="0" eaLnBrk="1" latinLnBrk="0" hangingPunct="1">
+        <a:spcBef>
+          <a:spcPts val="1000"/>
+        </a:spcBef>
+        <a:spcAft>
+          <a:spcPts val="0"/>
+        </a:spcAft>
+        <a:buClr>
+          <a:schemeClr val="accent1"/>
+        </a:buClr>
+        <a:buFont typeface="Wingdings 3" charset="2"/>
+        <a:buChar char=""/>
+        <a:defRPr sz="1600" kern="1200">
+          <a:solidFill>
+            <a:schemeClr val="tx1">
+              <a:lumMod val="75000"/>
+              <a:lumOff val="25000"/>
+            </a:schemeClr>
+          </a:solidFill>
+          <a:latin typeface="+mn-lt"/>
+          <a:ea typeface="+mn-ea"/>
+          <a:cs typeface="+mn-cs"/>
+        </a:defRPr>
+      </a:lvl2pPr>
+      <a:lvl3pPr marL="1143000" indent="-228600" algn="l" defTabSz="457200" rtl="0" eaLnBrk="1" latinLnBrk="0" hangingPunct="1">
+        <a:spcBef>
+          <a:spcPts val="1000"/>
+        </a:spcBef>
+        <a:spcAft>
+          <a:spcPts val="0"/>
+        </a:spcAft>
+        <a:buClr>
+          <a:schemeClr val="accent1"/>
+        </a:buClr>
+        <a:buFont typeface="Wingdings 3" charset="2"/>
+        <a:buChar char=""/>
+        <a:defRPr sz="1400" kern="1200">
+          <a:solidFill>
+            <a:schemeClr val="tx1">
+              <a:lumMod val="75000"/>
+              <a:lumOff val="25000"/>
+            </a:schemeClr>
+          </a:solidFill>
+          <a:latin typeface="+mn-lt"/>
+          <a:ea typeface="+mn-ea"/>
+          <a:cs typeface="+mn-cs"/>
+        </a:defRPr>
+      </a:lvl3pPr>
+      <a:lvl4pPr marL="1600200" indent="-228600" algn="l" defTabSz="457200" rtl="0" eaLnBrk="1" latinLnBrk="0" hangingPunct="1">
+        <a:spcBef>
+          <a:spcPts val="1000"/>
+        </a:spcBef>
+        <a:spcAft>
+          <a:spcPts val="0"/>
+        </a:spcAft>
+        <a:buClr>
+          <a:schemeClr val="accent1"/>
+        </a:buClr>
+        <a:buFont typeface="Wingdings 3" charset="2"/>
+        <a:buChar char=""/>
+        <a:defRPr sz="1200" kern="1200">
+          <a:solidFill>
+            <a:schemeClr val="tx1">
+              <a:lumMod val="75000"/>
+              <a:lumOff val="25000"/>
+            </a:schemeClr>
+          </a:solidFill>
+          <a:latin typeface="+mn-lt"/>
+          <a:ea typeface="+mn-ea"/>
+          <a:cs typeface="+mn-cs"/>
+        </a:defRPr>
+      </a:lvl4pPr>
+      <a:lvl5pPr marL="2057400" indent="-228600" algn="l" defTabSz="457200" rtl="0" eaLnBrk="1" latinLnBrk="0" hangingPunct="1">
+        <a:spcBef>
+          <a:spcPts val="1000"/>
+        </a:spcBef>
+        <a:spcAft>
+          <a:spcPts val="0"/>
+        </a:spcAft>
+        <a:buClr>
+          <a:schemeClr val="accent1"/>
+        </a:buClr>
+        <a:buFont typeface="Wingdings 3" charset="2"/>
+        <a:buChar char=""/>
+        <a:defRPr sz="1200" kern="1200">
+          <a:solidFill>
+            <a:schemeClr val="tx1">
+              <a:lumMod val="75000"/>
+              <a:lumOff val="25000"/>
+            </a:schemeClr>
+          </a:solidFill>
+          <a:latin typeface="+mn-lt"/>
+          <a:ea typeface="+mn-ea"/>
+          <a:cs typeface="+mn-cs"/>
+        </a:defRPr>
+      </a:lvl5pPr>
+      <a:lvl6pPr marL="2514600" indent="-228600" algn="l" defTabSz="457200" rtl="0" eaLnBrk="1" latinLnBrk="0" hangingPunct="1">
+        <a:spcBef>
+          <a:spcPts val="1000"/>
+        </a:spcBef>
+        <a:spcAft>
+          <a:spcPts val="0"/>
+        </a:spcAft>
+        <a:buClr>
+          <a:schemeClr val="accent1"/>
+        </a:buClr>
+        <a:buFont typeface="Wingdings 3" charset="2"/>
+        <a:buChar char=""/>
+        <a:defRPr sz="1200" kern="1200">
+          <a:solidFill>
+            <a:schemeClr val="tx1">
+              <a:lumMod val="75000"/>
+              <a:lumOff val="25000"/>
+            </a:schemeClr>
+          </a:solidFill>
+          <a:latin typeface="+mn-lt"/>
+          <a:ea typeface="+mn-ea"/>
+          <a:cs typeface="+mn-cs"/>
+        </a:defRPr>
+      </a:lvl6pPr>
+      <a:lvl7pPr marL="2971800" indent="-228600" algn="l" defTabSz="457200" rtl="0" eaLnBrk="1" latinLnBrk="0" hangingPunct="1">
+        <a:spcBef>
+          <a:spcPts val="1000"/>
+        </a:spcBef>
+        <a:spcAft>
+          <a:spcPts val="0"/>
+        </a:spcAft>
+        <a:buClr>
+          <a:schemeClr val="accent1"/>
+        </a:buClr>
+        <a:buFont typeface="Wingdings 3" charset="2"/>
+        <a:buChar char=""/>
+        <a:defRPr sz="1200" kern="1200">
+          <a:solidFill>
+            <a:schemeClr val="tx1">
+              <a:lumMod val="75000"/>
+              <a:lumOff val="25000"/>
+            </a:schemeClr>
+          </a:solidFill>
+          <a:latin typeface="+mn-lt"/>
+          <a:ea typeface="+mn-ea"/>
+          <a:cs typeface="+mn-cs"/>
+        </a:defRPr>
+      </a:lvl7pPr>
+      <a:lvl8pPr marL="3429000" indent="-228600" algn="l" defTabSz="457200" rtl="0" eaLnBrk="1" latinLnBrk="0" hangingPunct="1">
+        <a:spcBef>
+          <a:spcPts val="1000"/>
+        </a:spcBef>
+        <a:spcAft>
+          <a:spcPts val="0"/>
+        </a:spcAft>
+        <a:buClr>
+          <a:schemeClr val="accent1"/>
+        </a:buClr>
+        <a:buFont typeface="Wingdings 3" charset="2"/>
+        <a:buChar char=""/>
+        <a:defRPr sz="1200" kern="1200">
+          <a:solidFill>
+            <a:schemeClr val="tx1">
+              <a:lumMod val="75000"/>
+              <a:lumOff val="25000"/>
+            </a:schemeClr>
+          </a:solidFill>
+          <a:latin typeface="+mn-lt"/>
+          <a:ea typeface="+mn-ea"/>
+          <a:cs typeface="+mn-cs"/>
+        </a:defRPr>
+      </a:lvl8pPr>
+      <a:lvl9pPr marL="3886200" indent="-228600" algn="l" defTabSz="457200" rtl="0" eaLnBrk="1" latinLnBrk="0" hangingPunct="1">
+        <a:spcBef>
+          <a:spcPts val="1000"/>
+        </a:spcBef>
+        <a:spcAft>
+          <a:spcPts val="0"/>
+        </a:spcAft>
+        <a:buClr>
+          <a:schemeClr val="accent1"/>
+        </a:buClr>
+        <a:buFont typeface="Wingdings 3" charset="2"/>
+        <a:buChar char=""/>
+        <a:defRPr sz="1200" kern="1200">
+          <a:solidFill>
+            <a:schemeClr val="tx1">
+              <a:lumMod val="75000"/>
+              <a:lumOff val="25000"/>
+            </a:schemeClr>
+          </a:solidFill>
+          <a:latin typeface="+mn-lt"/>
+          <a:ea typeface="+mn-ea"/>
+          <a:cs typeface="+mn-cs"/>
+        </a:defRPr>
+      </a:lvl9pPr>
+    </p:bodyStyle>
+    <p:otherStyle>
+      <a:defPPr>
+        <a:defRPr lang="en-US"/>
+      </a:defPPr>
+      <a:lvl1pPr marL="0" algn="l" defTabSz="457200" rtl="0" eaLnBrk="1" latinLnBrk="0" hangingPunct="1">
+        <a:defRPr sz="1800" kern="1200">
+          <a:solidFill>
+            <a:schemeClr val="tx1"/>
+          </a:solidFill>
+          <a:latin typeface="+mn-lt"/>
+          <a:ea typeface="+mn-ea"/>
+          <a:cs typeface="+mn-cs"/>
+        </a:defRPr>
+      </a:lvl1pPr>
+      <a:lvl2pPr marL="457200" algn="l" defTabSz="457200" rtl="0" eaLnBrk="1" latinLnBrk="0" hangingPunct="1">
+        <a:defRPr sz="1800" kern="1200">
+          <a:solidFill>
+            <a:schemeClr val="tx1"/>
+          </a:solidFill>
+          <a:latin typeface="+mn-lt"/>
+          <a:ea typeface="+mn-ea"/>
+          <a:cs typeface="+mn-cs"/>
+        </a:defRPr>
+      </a:lvl2pPr>
+      <a:lvl3pPr marL="914400" algn="l" defTabSz="457200" rtl="0" eaLnBrk="1" latinLnBrk="0" hangingPunct="1">
+        <a:defRPr sz="1800" kern="1200">
+          <a:solidFill>
+            <a:schemeClr val="tx1"/>
+          </a:solidFill>
+          <a:latin typeface="+mn-lt"/>
+          <a:ea typeface="+mn-ea"/>
+          <a:cs typeface="+mn-cs"/>
+        </a:defRPr>
+      </a:lvl3pPr>
+      <a:lvl4pPr marL="1371600" algn="l" defTabSz="457200" rtl="0" eaLnBrk="1" latinLnBrk="0" hangingPunct="1">
+        <a:defRPr sz="1800" kern="1200">
+          <a:solidFill>
+            <a:schemeClr val="tx1"/>
+          </a:solidFill>
+          <a:latin typeface="+mn-lt"/>
+          <a:ea typeface="+mn-ea"/>
+          <a:cs typeface="+mn-cs"/>
+        </a:defRPr>
+      </a:lvl4pPr>
+      <a:lvl5pPr marL="1828800" algn="l" defTabSz="457200" rtl="0" eaLnBrk="1" latinLnBrk="0" hangingPunct="1">
+        <a:defRPr sz="1800" kern="1200">
+          <a:solidFill>
+            <a:schemeClr val="tx1"/>
+          </a:solidFill>
+          <a:latin typeface="+mn-lt"/>
+          <a:ea typeface="+mn-ea"/>
+          <a:cs typeface="+mn-cs"/>
+        </a:defRPr>
+      </a:lvl5pPr>
+      <a:lvl6pPr marL="2286000" algn="l" defTabSz="457200" rtl="0" eaLnBrk="1" latinLnBrk="0" hangingPunct="1">
+        <a:defRPr sz="1800" kern="1200">
+          <a:solidFill>
+            <a:schemeClr val="tx1"/>
+          </a:solidFill>
+          <a:latin typeface="+mn-lt"/>
+          <a:ea typeface="+mn-ea"/>
+          <a:cs typeface="+mn-cs"/>
+        </a:defRPr>
+      </a:lvl6pPr>
+      <a:lvl7pPr marL="2743200" algn="l" defTabSz="457200" rtl="0" eaLnBrk="1" latinLnBrk="0" hangingPunct="1">
+        <a:defRPr sz="1800" kern="1200">
+          <a:solidFill>
+            <a:schemeClr val="tx1"/>
+          </a:solidFill>
+          <a:latin typeface="+mn-lt"/>
+          <a:ea typeface="+mn-ea"/>
+          <a:cs typeface="+mn-cs"/>
+        </a:defRPr>
+      </a:lvl7pPr>
+      <a:lvl8pPr marL="3200400" algn="l" defTabSz="457200" rtl="0" eaLnBrk="1" latinLnBrk="0" hangingPunct="1">
+        <a:defRPr sz="1800" kern="1200">
+          <a:solidFill>
+            <a:schemeClr val="tx1"/>
+          </a:solidFill>
+          <a:latin typeface="+mn-lt"/>
+          <a:ea typeface="+mn-ea"/>
+          <a:cs typeface="+mn-cs"/>
+        </a:defRPr>
+      </a:lvl8pPr>
+      <a:lvl9pPr marL="3657600" algn="l" defTabSz="457200" rtl="0" eaLnBrk="1" latinLnBrk="0" hangingPunct="1">
+        <a:defRPr sz="1800" kern="1200">
+          <a:solidFill>
+            <a:schemeClr val="tx1"/>
+          </a:solidFill>
+          <a:latin typeface="+mn-lt"/>
+          <a:ea typeface="+mn-ea"/>
+          <a:cs typeface="+mn-cs"/>
+        </a:defRPr>
+      </a:lvl9pPr>
+    </p:otherStyle>
+  </p:txStyles>
+</p:sldMaster>
+</file>
+
 <file path=ppt/slides/slide1.xml><?xml version="1.0" encoding="utf-8"?>
 <p:sld xmlns:a="http://schemas.openxmlformats.org/drawingml/2006/main" xmlns:r="http://schemas.openxmlformats.org/officeDocument/2006/relationships" xmlns:p="http://schemas.openxmlformats.org/presentationml/2006/main">
   <p:cSld>
@@ -4489,42 +12038,6 @@
           </a:p>
         </p:txBody>
       </p:sp>
-      <p:pic>
-        <p:nvPicPr>
-          <p:cNvPr id="5" name="Imagen 4">
-            <a:extLst>
-              <a:ext uri="{FF2B5EF4-FFF2-40B4-BE49-F238E27FC236}">
-                <a16:creationId xmlns:a16="http://schemas.microsoft.com/office/drawing/2014/main" id="{27CA53AD-247C-4F17-915C-9C08143CEC67}"/>
-              </a:ext>
-            </a:extLst>
-          </p:cNvPr>
-          <p:cNvPicPr>
-            <a:picLocks noChangeAspect="1"/>
-          </p:cNvPicPr>
-          <p:nvPr/>
-        </p:nvPicPr>
-        <p:blipFill>
-          <a:blip r:embed="rId2">
-            <a:extLst>
-              <a:ext uri="{28A0092B-C50C-407E-A947-70E740481C1C}">
-                <a14:useLocalDpi xmlns:a14="http://schemas.microsoft.com/office/drawing/2010/main" val="0"/>
-              </a:ext>
-            </a:extLst>
-          </a:blip>
-          <a:stretch>
-            <a:fillRect/>
-          </a:stretch>
-        </p:blipFill>
-        <p:spPr>
-          <a:xfrm rot="16200000">
-            <a:off x="4286249" y="1113069"/>
-            <a:ext cx="3615871" cy="7231742"/>
-          </a:xfrm>
-          <a:prstGeom prst="rect">
-            <a:avLst/>
-          </a:prstGeom>
-        </p:spPr>
-      </p:pic>
       <p:sp>
         <p:nvSpPr>
           <p:cNvPr id="6" name="CuadroTexto 5">
@@ -4656,42 +12169,6 @@
           </a:p>
         </p:txBody>
       </p:sp>
-      <p:pic>
-        <p:nvPicPr>
-          <p:cNvPr id="5" name="Imagen 4">
-            <a:extLst>
-              <a:ext uri="{FF2B5EF4-FFF2-40B4-BE49-F238E27FC236}">
-                <a16:creationId xmlns:a16="http://schemas.microsoft.com/office/drawing/2014/main" id="{27CA53AD-247C-4F17-915C-9C08143CEC67}"/>
-              </a:ext>
-            </a:extLst>
-          </p:cNvPr>
-          <p:cNvPicPr>
-            <a:picLocks noChangeAspect="1"/>
-          </p:cNvPicPr>
-          <p:nvPr/>
-        </p:nvPicPr>
-        <p:blipFill>
-          <a:blip r:embed="rId2">
-            <a:extLst>
-              <a:ext uri="{28A0092B-C50C-407E-A947-70E740481C1C}">
-                <a14:useLocalDpi xmlns:a14="http://schemas.microsoft.com/office/drawing/2010/main" val="0"/>
-              </a:ext>
-            </a:extLst>
-          </a:blip>
-          <a:stretch>
-            <a:fillRect/>
-          </a:stretch>
-        </p:blipFill>
-        <p:spPr>
-          <a:xfrm rot="16200000">
-            <a:off x="4286249" y="1113069"/>
-            <a:ext cx="3615871" cy="7231742"/>
-          </a:xfrm>
-          <a:prstGeom prst="rect">
-            <a:avLst/>
-          </a:prstGeom>
-        </p:spPr>
-      </p:pic>
       <p:sp>
         <p:nvSpPr>
           <p:cNvPr id="6" name="CuadroTexto 5">
@@ -4823,42 +12300,6 @@
           </a:p>
         </p:txBody>
       </p:sp>
-      <p:pic>
-        <p:nvPicPr>
-          <p:cNvPr id="5" name="Imagen 4">
-            <a:extLst>
-              <a:ext uri="{FF2B5EF4-FFF2-40B4-BE49-F238E27FC236}">
-                <a16:creationId xmlns:a16="http://schemas.microsoft.com/office/drawing/2014/main" id="{27CA53AD-247C-4F17-915C-9C08143CEC67}"/>
-              </a:ext>
-            </a:extLst>
-          </p:cNvPr>
-          <p:cNvPicPr>
-            <a:picLocks noChangeAspect="1"/>
-          </p:cNvPicPr>
-          <p:nvPr/>
-        </p:nvPicPr>
-        <p:blipFill>
-          <a:blip r:embed="rId2">
-            <a:extLst>
-              <a:ext uri="{28A0092B-C50C-407E-A947-70E740481C1C}">
-                <a14:useLocalDpi xmlns:a14="http://schemas.microsoft.com/office/drawing/2010/main" val="0"/>
-              </a:ext>
-            </a:extLst>
-          </a:blip>
-          <a:stretch>
-            <a:fillRect/>
-          </a:stretch>
-        </p:blipFill>
-        <p:spPr>
-          <a:xfrm rot="16200000">
-            <a:off x="4287023" y="1150017"/>
-            <a:ext cx="3615871" cy="7231742"/>
-          </a:xfrm>
-          <a:prstGeom prst="rect">
-            <a:avLst/>
-          </a:prstGeom>
-        </p:spPr>
-      </p:pic>
       <p:sp>
         <p:nvSpPr>
           <p:cNvPr id="6" name="CuadroTexto 5">
@@ -4990,12 +12431,52 @@
           </a:p>
         </p:txBody>
       </p:sp>
+      <p:sp>
+        <p:nvSpPr>
+          <p:cNvPr id="6" name="CuadroTexto 5">
+            <a:extLst>
+              <a:ext uri="{FF2B5EF4-FFF2-40B4-BE49-F238E27FC236}">
+                <a16:creationId xmlns:a16="http://schemas.microsoft.com/office/drawing/2014/main" id="{47CC2F0F-8519-4AF1-8873-1B8CE6BDD798}"/>
+              </a:ext>
+            </a:extLst>
+          </p:cNvPr>
+          <p:cNvSpPr txBox="1"/>
+          <p:nvPr/>
+        </p:nvSpPr>
+        <p:spPr>
+          <a:xfrm>
+            <a:off x="1202919" y="1423604"/>
+            <a:ext cx="11092070" cy="369332"/>
+          </a:xfrm>
+          <a:prstGeom prst="rect">
+            <a:avLst/>
+          </a:prstGeom>
+          <a:noFill/>
+        </p:spPr>
+        <p:txBody>
+          <a:bodyPr wrap="square" rtlCol="0">
+            <a:spAutoFit/>
+          </a:bodyPr>
+          <a:lstStyle/>
+          <a:p>
+            <a:r>
+              <a:rPr lang="es-MX" dirty="0">
+                <a:solidFill>
+                  <a:srgbClr val="00B0F0"/>
+                </a:solidFill>
+                <a:latin typeface="Bahnschrift SemiBold" panose="020B0502040204020203" pitchFamily="34" charset="0"/>
+              </a:rPr>
+              <a:t>Objetivo: Poder gestionar los muebles de los usuarios y categorías a través de una plataforma web.</a:t>
+            </a:r>
+          </a:p>
+        </p:txBody>
+      </p:sp>
       <p:pic>
         <p:nvPicPr>
-          <p:cNvPr id="5" name="Imagen 4">
+          <p:cNvPr id="7" name="Imagen 6" descr="Login">
             <a:extLst>
               <a:ext uri="{FF2B5EF4-FFF2-40B4-BE49-F238E27FC236}">
-                <a16:creationId xmlns:a16="http://schemas.microsoft.com/office/drawing/2014/main" id="{27CA53AD-247C-4F17-915C-9C08143CEC67}"/>
+                <a16:creationId xmlns:a16="http://schemas.microsoft.com/office/drawing/2014/main" id="{440EBFAF-7DB3-4576-B417-4F04191846C0}"/>
               </a:ext>
             </a:extLst>
           </p:cNvPr>
@@ -5017,55 +12498,15 @@
           </a:stretch>
         </p:blipFill>
         <p:spPr>
-          <a:xfrm rot="16200000">
-            <a:off x="4287023" y="1255682"/>
-            <a:ext cx="3615871" cy="7231742"/>
+          <a:xfrm>
+            <a:off x="2337647" y="3151008"/>
+            <a:ext cx="7177414" cy="3510833"/>
           </a:xfrm>
           <a:prstGeom prst="rect">
             <a:avLst/>
           </a:prstGeom>
         </p:spPr>
       </p:pic>
-      <p:sp>
-        <p:nvSpPr>
-          <p:cNvPr id="6" name="CuadroTexto 5">
-            <a:extLst>
-              <a:ext uri="{FF2B5EF4-FFF2-40B4-BE49-F238E27FC236}">
-                <a16:creationId xmlns:a16="http://schemas.microsoft.com/office/drawing/2014/main" id="{47CC2F0F-8519-4AF1-8873-1B8CE6BDD798}"/>
-              </a:ext>
-            </a:extLst>
-          </p:cNvPr>
-          <p:cNvSpPr txBox="1"/>
-          <p:nvPr/>
-        </p:nvSpPr>
-        <p:spPr>
-          <a:xfrm>
-            <a:off x="1202919" y="1423604"/>
-            <a:ext cx="11092070" cy="369332"/>
-          </a:xfrm>
-          <a:prstGeom prst="rect">
-            <a:avLst/>
-          </a:prstGeom>
-          <a:noFill/>
-        </p:spPr>
-        <p:txBody>
-          <a:bodyPr wrap="square" rtlCol="0">
-            <a:spAutoFit/>
-          </a:bodyPr>
-          <a:lstStyle/>
-          <a:p>
-            <a:r>
-              <a:rPr lang="es-MX" dirty="0">
-                <a:solidFill>
-                  <a:srgbClr val="00B0F0"/>
-                </a:solidFill>
-                <a:latin typeface="Bahnschrift SemiBold" panose="020B0502040204020203" pitchFamily="34" charset="0"/>
-              </a:rPr>
-              <a:t>Objetivo: Poder gestionar los muebles de los usuarios a través de una plataforma web.</a:t>
-            </a:r>
-          </a:p>
-        </p:txBody>
-      </p:sp>
     </p:spTree>
     <p:extLst>
       <p:ext uri="{BB962C8B-B14F-4D97-AF65-F5344CB8AC3E}">
@@ -5096,74 +12537,12 @@
           <a:chExt cx="0" cy="0"/>
         </a:xfrm>
       </p:grpSpPr>
-      <p:sp>
-        <p:nvSpPr>
-          <p:cNvPr id="2" name="Título 1">
+      <p:pic>
+        <p:nvPicPr>
+          <p:cNvPr id="15" name="Imagen 14">
             <a:extLst>
               <a:ext uri="{FF2B5EF4-FFF2-40B4-BE49-F238E27FC236}">
-                <a16:creationId xmlns:a16="http://schemas.microsoft.com/office/drawing/2014/main" id="{69996CED-F48E-4743-B157-3CC9ECB12C05}"/>
-              </a:ext>
-            </a:extLst>
-          </p:cNvPr>
-          <p:cNvSpPr>
-            <a:spLocks noGrp="1"/>
-          </p:cNvSpPr>
-          <p:nvPr>
-            <p:ph type="title"/>
-          </p:nvPr>
-        </p:nvSpPr>
-        <p:spPr/>
-        <p:txBody>
-          <a:bodyPr/>
-          <a:lstStyle/>
-          <a:p>
-            <a:r>
-              <a:rPr lang="es-MX" dirty="0">
-                <a:latin typeface="Bahnschrift SemiBold" panose="020B0502040204020203" pitchFamily="34" charset="0"/>
-              </a:rPr>
-              <a:t>Iteración 9</a:t>
-            </a:r>
-          </a:p>
-        </p:txBody>
-      </p:sp>
-      <p:sp>
-        <p:nvSpPr>
-          <p:cNvPr id="3" name="Marcador de contenido 2">
-            <a:extLst>
-              <a:ext uri="{FF2B5EF4-FFF2-40B4-BE49-F238E27FC236}">
-                <a16:creationId xmlns:a16="http://schemas.microsoft.com/office/drawing/2014/main" id="{49BE5DF0-668E-4FDD-A724-739B6273742B}"/>
-              </a:ext>
-            </a:extLst>
-          </p:cNvPr>
-          <p:cNvSpPr>
-            <a:spLocks noGrp="1"/>
-          </p:cNvSpPr>
-          <p:nvPr>
-            <p:ph idx="1"/>
-          </p:nvPr>
-        </p:nvSpPr>
-        <p:spPr/>
-        <p:txBody>
-          <a:bodyPr/>
-          <a:lstStyle/>
-          <a:p>
-            <a:pPr marL="0" indent="0" algn="ctr">
-              <a:buNone/>
-            </a:pPr>
-            <a:r>
-              <a:rPr lang="es-ES" dirty="0"/>
-              <a:t>Se desarrollaron las funciones que permitían a un usuario usar los muebles previamente subidos a la plataforma web. También se agregaron funciones para poder seleccionar, borrar y ver precios de muebles.</a:t>
-            </a:r>
-            <a:endParaRPr lang="es-MX" dirty="0"/>
-          </a:p>
-        </p:txBody>
-      </p:sp>
-      <p:pic>
-        <p:nvPicPr>
-          <p:cNvPr id="5" name="Imagen 4">
-            <a:extLst>
-              <a:ext uri="{FF2B5EF4-FFF2-40B4-BE49-F238E27FC236}">
-                <a16:creationId xmlns:a16="http://schemas.microsoft.com/office/drawing/2014/main" id="{27CA53AD-247C-4F17-915C-9C08143CEC67}"/>
+                <a16:creationId xmlns:a16="http://schemas.microsoft.com/office/drawing/2014/main" id="{68132790-F084-425C-9010-B6A9AC8F44F9}"/>
               </a:ext>
             </a:extLst>
           </p:cNvPr>
@@ -5185,15 +12564,248 @@
           </a:stretch>
         </p:blipFill>
         <p:spPr>
-          <a:xfrm rot="16200000">
-            <a:off x="4287023" y="1150017"/>
-            <a:ext cx="3615871" cy="7231742"/>
+          <a:xfrm>
+            <a:off x="0" y="4154904"/>
+            <a:ext cx="6224337" cy="2733743"/>
           </a:xfrm>
           <a:prstGeom prst="rect">
             <a:avLst/>
           </a:prstGeom>
         </p:spPr>
       </p:pic>
+      <p:pic>
+        <p:nvPicPr>
+          <p:cNvPr id="17" name="Imagen 16">
+            <a:extLst>
+              <a:ext uri="{FF2B5EF4-FFF2-40B4-BE49-F238E27FC236}">
+                <a16:creationId xmlns:a16="http://schemas.microsoft.com/office/drawing/2014/main" id="{19727DA1-BE83-44D9-BEC9-83907A32B628}"/>
+              </a:ext>
+            </a:extLst>
+          </p:cNvPr>
+          <p:cNvPicPr>
+            <a:picLocks noChangeAspect="1"/>
+          </p:cNvPicPr>
+          <p:nvPr/>
+        </p:nvPicPr>
+        <p:blipFill>
+          <a:blip r:embed="rId3">
+            <a:extLst>
+              <a:ext uri="{28A0092B-C50C-407E-A947-70E740481C1C}">
+                <a14:useLocalDpi xmlns:a14="http://schemas.microsoft.com/office/drawing/2010/main" val="0"/>
+              </a:ext>
+            </a:extLst>
+          </a:blip>
+          <a:stretch>
+            <a:fillRect/>
+          </a:stretch>
+        </p:blipFill>
+        <p:spPr>
+          <a:xfrm>
+            <a:off x="5766052" y="4154904"/>
+            <a:ext cx="6425948" cy="2733743"/>
+          </a:xfrm>
+          <a:prstGeom prst="rect">
+            <a:avLst/>
+          </a:prstGeom>
+        </p:spPr>
+      </p:pic>
+      <p:pic>
+        <p:nvPicPr>
+          <p:cNvPr id="19" name="Imagen 18">
+            <a:extLst>
+              <a:ext uri="{FF2B5EF4-FFF2-40B4-BE49-F238E27FC236}">
+                <a16:creationId xmlns:a16="http://schemas.microsoft.com/office/drawing/2014/main" id="{95C97395-61C9-46ED-8DD8-7E9FD78585BA}"/>
+              </a:ext>
+            </a:extLst>
+          </p:cNvPr>
+          <p:cNvPicPr>
+            <a:picLocks noChangeAspect="1"/>
+          </p:cNvPicPr>
+          <p:nvPr/>
+        </p:nvPicPr>
+        <p:blipFill>
+          <a:blip r:embed="rId4"/>
+          <a:stretch>
+            <a:fillRect/>
+          </a:stretch>
+        </p:blipFill>
+        <p:spPr>
+          <a:xfrm>
+            <a:off x="-48126" y="609227"/>
+            <a:ext cx="8238665" cy="3545677"/>
+          </a:xfrm>
+          <a:prstGeom prst="rect">
+            <a:avLst/>
+          </a:prstGeom>
+        </p:spPr>
+      </p:pic>
+      <p:pic>
+        <p:nvPicPr>
+          <p:cNvPr id="18" name="Imagen 17">
+            <a:extLst>
+              <a:ext uri="{FF2B5EF4-FFF2-40B4-BE49-F238E27FC236}">
+                <a16:creationId xmlns:a16="http://schemas.microsoft.com/office/drawing/2014/main" id="{AAEF25AF-1AB3-447B-880D-6B1D9E0D97F1}"/>
+              </a:ext>
+            </a:extLst>
+          </p:cNvPr>
+          <p:cNvPicPr>
+            <a:picLocks noChangeAspect="1"/>
+          </p:cNvPicPr>
+          <p:nvPr/>
+        </p:nvPicPr>
+        <p:blipFill>
+          <a:blip r:embed="rId5"/>
+          <a:stretch>
+            <a:fillRect/>
+          </a:stretch>
+        </p:blipFill>
+        <p:spPr>
+          <a:xfrm>
+            <a:off x="6259322" y="609227"/>
+            <a:ext cx="5932678" cy="3545677"/>
+          </a:xfrm>
+          <a:prstGeom prst="rect">
+            <a:avLst/>
+          </a:prstGeom>
+        </p:spPr>
+      </p:pic>
+      <p:sp>
+        <p:nvSpPr>
+          <p:cNvPr id="20" name="Título 1">
+            <a:extLst>
+              <a:ext uri="{FF2B5EF4-FFF2-40B4-BE49-F238E27FC236}">
+                <a16:creationId xmlns:a16="http://schemas.microsoft.com/office/drawing/2014/main" id="{73C14689-C5C9-4967-BA6E-052EADD96B3D}"/>
+              </a:ext>
+            </a:extLst>
+          </p:cNvPr>
+          <p:cNvSpPr>
+            <a:spLocks noGrp="1"/>
+          </p:cNvSpPr>
+          <p:nvPr>
+            <p:ph type="title"/>
+          </p:nvPr>
+        </p:nvSpPr>
+        <p:spPr>
+          <a:xfrm>
+            <a:off x="3912779" y="73522"/>
+            <a:ext cx="6097495" cy="535705"/>
+          </a:xfrm>
+        </p:spPr>
+        <p:txBody>
+          <a:bodyPr vert="horz" lIns="91440" tIns="45720" rIns="91440" bIns="45720" rtlCol="0" anchor="ctr">
+            <a:normAutofit fontScale="90000"/>
+          </a:bodyPr>
+          <a:lstStyle/>
+          <a:p>
+            <a:pPr>
+              <a:lnSpc>
+                <a:spcPct val="80000"/>
+              </a:lnSpc>
+            </a:pPr>
+            <a:r>
+              <a:rPr lang="en-US" sz="4400" spc="150" dirty="0">
+                <a:solidFill>
+                  <a:schemeClr val="tx2"/>
+                </a:solidFill>
+                <a:latin typeface="Bahnschrift SemiBold" panose="020B0502040204020203" pitchFamily="34" charset="0"/>
+              </a:rPr>
+              <a:t>PLATAFORMA WEB</a:t>
+            </a:r>
+          </a:p>
+        </p:txBody>
+      </p:sp>
+    </p:spTree>
+    <p:extLst>
+      <p:ext uri="{BB962C8B-B14F-4D97-AF65-F5344CB8AC3E}">
+        <p14:creationId xmlns:p14="http://schemas.microsoft.com/office/powerpoint/2010/main" val="263537163"/>
+      </p:ext>
+    </p:extLst>
+  </p:cSld>
+  <p:clrMapOvr>
+    <a:masterClrMapping/>
+  </p:clrMapOvr>
+</p:sld>
+</file>
+
+<file path=ppt/slides/slide17.xml><?xml version="1.0" encoding="utf-8"?>
+<p:sld xmlns:a="http://schemas.openxmlformats.org/drawingml/2006/main" xmlns:r="http://schemas.openxmlformats.org/officeDocument/2006/relationships" xmlns:p="http://schemas.openxmlformats.org/presentationml/2006/main">
+  <p:cSld>
+    <p:spTree>
+      <p:nvGrpSpPr>
+        <p:cNvPr id="1" name=""/>
+        <p:cNvGrpSpPr/>
+        <p:nvPr/>
+      </p:nvGrpSpPr>
+      <p:grpSpPr>
+        <a:xfrm>
+          <a:off x="0" y="0"/>
+          <a:ext cx="0" cy="0"/>
+          <a:chOff x="0" y="0"/>
+          <a:chExt cx="0" cy="0"/>
+        </a:xfrm>
+      </p:grpSpPr>
+      <p:sp>
+        <p:nvSpPr>
+          <p:cNvPr id="2" name="Título 1">
+            <a:extLst>
+              <a:ext uri="{FF2B5EF4-FFF2-40B4-BE49-F238E27FC236}">
+                <a16:creationId xmlns:a16="http://schemas.microsoft.com/office/drawing/2014/main" id="{69996CED-F48E-4743-B157-3CC9ECB12C05}"/>
+              </a:ext>
+            </a:extLst>
+          </p:cNvPr>
+          <p:cNvSpPr>
+            <a:spLocks noGrp="1"/>
+          </p:cNvSpPr>
+          <p:nvPr>
+            <p:ph type="title"/>
+          </p:nvPr>
+        </p:nvSpPr>
+        <p:spPr/>
+        <p:txBody>
+          <a:bodyPr/>
+          <a:lstStyle/>
+          <a:p>
+            <a:r>
+              <a:rPr lang="es-MX" dirty="0">
+                <a:latin typeface="Bahnschrift SemiBold" panose="020B0502040204020203" pitchFamily="34" charset="0"/>
+              </a:rPr>
+              <a:t>Iteración 9</a:t>
+            </a:r>
+          </a:p>
+        </p:txBody>
+      </p:sp>
+      <p:sp>
+        <p:nvSpPr>
+          <p:cNvPr id="3" name="Marcador de contenido 2">
+            <a:extLst>
+              <a:ext uri="{FF2B5EF4-FFF2-40B4-BE49-F238E27FC236}">
+                <a16:creationId xmlns:a16="http://schemas.microsoft.com/office/drawing/2014/main" id="{49BE5DF0-668E-4FDD-A724-739B6273742B}"/>
+              </a:ext>
+            </a:extLst>
+          </p:cNvPr>
+          <p:cNvSpPr>
+            <a:spLocks noGrp="1"/>
+          </p:cNvSpPr>
+          <p:nvPr>
+            <p:ph idx="1"/>
+          </p:nvPr>
+        </p:nvSpPr>
+        <p:spPr/>
+        <p:txBody>
+          <a:bodyPr/>
+          <a:lstStyle/>
+          <a:p>
+            <a:pPr marL="0" indent="0" algn="ctr">
+              <a:buNone/>
+            </a:pPr>
+            <a:r>
+              <a:rPr lang="es-ES" dirty="0"/>
+              <a:t>Se desarrollaron las funciones que permitían a un usuario usar los muebles previamente subidos a la plataforma web. También se agregaron funciones para poder seleccionar, borrar y ver precios de muebles.</a:t>
+            </a:r>
+            <a:endParaRPr lang="es-MX" dirty="0"/>
+          </a:p>
+        </p:txBody>
+      </p:sp>
       <p:sp>
         <p:nvSpPr>
           <p:cNvPr id="6" name="CuadroTexto 5">
@@ -5247,7 +12859,7 @@
 </p:sld>
 </file>
 
-<file path=ppt/slides/slide17.xml><?xml version="1.0" encoding="utf-8"?>
+<file path=ppt/slides/slide18.xml><?xml version="1.0" encoding="utf-8"?>
 <p:sld xmlns:a="http://schemas.openxmlformats.org/drawingml/2006/main" xmlns:r="http://schemas.openxmlformats.org/officeDocument/2006/relationships" xmlns:p="http://schemas.openxmlformats.org/presentationml/2006/main">
   <p:cSld>
     <p:bg>
@@ -5610,7 +13222,7 @@
 </p:sld>
 </file>
 
-<file path=ppt/slides/slide18.xml><?xml version="1.0" encoding="utf-8"?>
+<file path=ppt/slides/slide19.xml><?xml version="1.0" encoding="utf-8"?>
 <p:sld xmlns:a="http://schemas.openxmlformats.org/drawingml/2006/main" xmlns:r="http://schemas.openxmlformats.org/officeDocument/2006/relationships" xmlns:p="http://schemas.openxmlformats.org/presentationml/2006/main">
   <p:cSld>
     <p:spTree>
@@ -5690,7 +13302,7 @@
         </p:nvSpPr>
         <p:spPr>
           <a:xfrm>
-            <a:off x="8382319" y="3671213"/>
+            <a:off x="8318151" y="3591003"/>
             <a:ext cx="2716384" cy="1570022"/>
           </a:xfrm>
           <a:prstGeom prst="roundRect">
@@ -5865,7 +13477,7 @@
         </p:nvSpPr>
         <p:spPr>
           <a:xfrm>
-            <a:off x="1922484" y="3668474"/>
+            <a:off x="1858316" y="3604306"/>
             <a:ext cx="2716384" cy="1570022"/>
           </a:xfrm>
           <a:prstGeom prst="roundRect">
@@ -6008,7 +13620,7 @@
         </p:nvSpPr>
         <p:spPr>
           <a:xfrm>
-            <a:off x="2051060" y="3810358"/>
+            <a:off x="1986892" y="3730148"/>
             <a:ext cx="2457973" cy="1308296"/>
           </a:xfrm>
           <a:prstGeom prst="roundRect">
@@ -6104,7 +13716,7 @@
         </p:nvSpPr>
         <p:spPr>
           <a:xfrm>
-            <a:off x="5288233" y="3810358"/>
+            <a:off x="5224065" y="3730148"/>
             <a:ext cx="2457973" cy="1308296"/>
           </a:xfrm>
           <a:prstGeom prst="roundRect">
@@ -6151,7 +13763,7 @@
         </p:nvSpPr>
         <p:spPr>
           <a:xfrm>
-            <a:off x="8525406" y="3810358"/>
+            <a:off x="8461238" y="3746190"/>
             <a:ext cx="2457973" cy="1308296"/>
           </a:xfrm>
           <a:prstGeom prst="roundRect">
@@ -6287,369 +13899,6 @@
   </p:cSld>
   <p:clrMapOvr>
     <a:masterClrMapping/>
-  </p:clrMapOvr>
-</p:sld>
-</file>
-
-<file path=ppt/slides/slide19.xml><?xml version="1.0" encoding="utf-8"?>
-<p:sld xmlns:a="http://schemas.openxmlformats.org/drawingml/2006/main" xmlns:r="http://schemas.openxmlformats.org/officeDocument/2006/relationships" xmlns:p="http://schemas.openxmlformats.org/presentationml/2006/main">
-  <p:cSld>
-    <p:bg>
-      <p:bgPr>
-        <a:solidFill>
-          <a:schemeClr val="bg1"/>
-        </a:solidFill>
-        <a:effectLst/>
-      </p:bgPr>
-    </p:bg>
-    <p:spTree>
-      <p:nvGrpSpPr>
-        <p:cNvPr id="1" name=""/>
-        <p:cNvGrpSpPr/>
-        <p:nvPr/>
-      </p:nvGrpSpPr>
-      <p:grpSpPr>
-        <a:xfrm>
-          <a:off x="0" y="0"/>
-          <a:ext cx="0" cy="0"/>
-          <a:chOff x="0" y="0"/>
-          <a:chExt cx="0" cy="0"/>
-        </a:xfrm>
-      </p:grpSpPr>
-      <p:sp>
-        <p:nvSpPr>
-          <p:cNvPr id="7" name="Rectangle 6">
-            <a:extLst>
-              <a:ext uri="{FF2B5EF4-FFF2-40B4-BE49-F238E27FC236}">
-                <a16:creationId xmlns:a16="http://schemas.microsoft.com/office/drawing/2014/main" id="{13E75778-8865-451E-A418-58B337FE5B33}"/>
-              </a:ext>
-              <a:ext uri="{C183D7F6-B498-43B3-948B-1728B52AA6E4}">
-                <adec:decorative xmlns:adec="http://schemas.microsoft.com/office/drawing/2017/decorative" val="1"/>
-              </a:ext>
-            </a:extLst>
-          </p:cNvPr>
-          <p:cNvSpPr>
-            <a:spLocks noGrp="1" noRot="1" noChangeAspect="1" noMove="1" noResize="1" noEditPoints="1" noAdjustHandles="1" noChangeArrowheads="1" noChangeShapeType="1" noTextEdit="1"/>
-          </p:cNvSpPr>
-          <p:nvPr>
-            <p:extLst>
-              <p:ext uri="{386F3935-93C4-4BCD-93E2-E3B085C9AB24}">
-                <p16:designElem xmlns:p16="http://schemas.microsoft.com/office/powerpoint/2015/main" val="1"/>
-              </p:ext>
-            </p:extLst>
-          </p:nvPr>
-        </p:nvSpPr>
-        <p:spPr>
-          <a:xfrm>
-            <a:off x="-6843" y="2059012"/>
-            <a:ext cx="12195668" cy="1828800"/>
-          </a:xfrm>
-          <a:prstGeom prst="rect">
-            <a:avLst/>
-          </a:prstGeom>
-          <a:solidFill>
-            <a:schemeClr val="tx1"/>
-          </a:solidFill>
-          <a:ln>
-            <a:noFill/>
-          </a:ln>
-        </p:spPr>
-        <p:style>
-          <a:lnRef idx="2">
-            <a:schemeClr val="accent1">
-              <a:shade val="50000"/>
-            </a:schemeClr>
-          </a:lnRef>
-          <a:fillRef idx="1">
-            <a:schemeClr val="accent1"/>
-          </a:fillRef>
-          <a:effectRef idx="0">
-            <a:schemeClr val="accent1"/>
-          </a:effectRef>
-          <a:fontRef idx="minor">
-            <a:schemeClr val="lt1"/>
-          </a:fontRef>
-        </p:style>
-      </p:sp>
-      <p:sp>
-        <p:nvSpPr>
-          <p:cNvPr id="9" name="Rectangle 8">
-            <a:extLst>
-              <a:ext uri="{FF2B5EF4-FFF2-40B4-BE49-F238E27FC236}">
-                <a16:creationId xmlns:a16="http://schemas.microsoft.com/office/drawing/2014/main" id="{CB972422-B794-4FA8-BCC6-BAF6938A1B53}"/>
-              </a:ext>
-              <a:ext uri="{C183D7F6-B498-43B3-948B-1728B52AA6E4}">
-                <adec:decorative xmlns:adec="http://schemas.microsoft.com/office/drawing/2017/decorative" val="1"/>
-              </a:ext>
-            </a:extLst>
-          </p:cNvPr>
-          <p:cNvSpPr>
-            <a:spLocks noGrp="1" noRot="1" noChangeAspect="1" noMove="1" noResize="1" noEditPoints="1" noAdjustHandles="1" noChangeArrowheads="1" noChangeShapeType="1" noTextEdit="1"/>
-          </p:cNvSpPr>
-          <p:nvPr>
-            <p:extLst>
-              <p:ext uri="{386F3935-93C4-4BCD-93E2-E3B085C9AB24}">
-                <p16:designElem xmlns:p16="http://schemas.microsoft.com/office/powerpoint/2015/main" val="1"/>
-              </p:ext>
-            </p:extLst>
-          </p:nvPr>
-        </p:nvSpPr>
-        <p:spPr>
-          <a:xfrm>
-            <a:off x="0" y="0"/>
-            <a:ext cx="12192000" cy="6858000"/>
-          </a:xfrm>
-          <a:prstGeom prst="rect">
-            <a:avLst/>
-          </a:prstGeom>
-          <a:solidFill>
-            <a:schemeClr val="bg1"/>
-          </a:solidFill>
-          <a:ln>
-            <a:noFill/>
-          </a:ln>
-        </p:spPr>
-        <p:style>
-          <a:lnRef idx="2">
-            <a:schemeClr val="accent1">
-              <a:shade val="50000"/>
-            </a:schemeClr>
-          </a:lnRef>
-          <a:fillRef idx="1">
-            <a:schemeClr val="accent1"/>
-          </a:fillRef>
-          <a:effectRef idx="0">
-            <a:schemeClr val="accent1"/>
-          </a:effectRef>
-          <a:fontRef idx="minor">
-            <a:schemeClr val="lt1"/>
-          </a:fontRef>
-        </p:style>
-        <p:txBody>
-          <a:bodyPr rtlCol="0" anchor="ctr"/>
-          <a:lstStyle/>
-          <a:p>
-            <a:pPr algn="ctr"/>
-            <a:endParaRPr lang="en-US"/>
-          </a:p>
-        </p:txBody>
-      </p:sp>
-      <p:sp>
-        <p:nvSpPr>
-          <p:cNvPr id="2" name="Título 1">
-            <a:extLst>
-              <a:ext uri="{FF2B5EF4-FFF2-40B4-BE49-F238E27FC236}">
-                <a16:creationId xmlns:a16="http://schemas.microsoft.com/office/drawing/2014/main" id="{7B1C8146-4F43-4B6D-A738-AD27DF849BE4}"/>
-              </a:ext>
-            </a:extLst>
-          </p:cNvPr>
-          <p:cNvSpPr>
-            <a:spLocks noGrp="1"/>
-          </p:cNvSpPr>
-          <p:nvPr>
-            <p:ph type="title"/>
-          </p:nvPr>
-        </p:nvSpPr>
-        <p:spPr>
-          <a:xfrm>
-            <a:off x="4378000" y="2167391"/>
-            <a:ext cx="6280927" cy="2523219"/>
-          </a:xfrm>
-        </p:spPr>
-        <p:txBody>
-          <a:bodyPr vert="horz" lIns="91440" tIns="45720" rIns="91440" bIns="45720" rtlCol="0" anchor="ctr">
-            <a:normAutofit/>
-          </a:bodyPr>
-          <a:lstStyle/>
-          <a:p>
-            <a:pPr>
-              <a:lnSpc>
-                <a:spcPct val="80000"/>
-              </a:lnSpc>
-            </a:pPr>
-            <a:r>
-              <a:rPr lang="en-US" sz="4400" spc="150" dirty="0">
-                <a:solidFill>
-                  <a:schemeClr val="tx2"/>
-                </a:solidFill>
-                <a:latin typeface="Bahnschrift SemiBold" panose="020B0502040204020203" pitchFamily="34" charset="0"/>
-              </a:rPr>
-              <a:t>TRABAJO A FUTURO</a:t>
-            </a:r>
-          </a:p>
-        </p:txBody>
-      </p:sp>
-      <p:sp>
-        <p:nvSpPr>
-          <p:cNvPr id="11" name="Rectangle 10">
-            <a:extLst>
-              <a:ext uri="{FF2B5EF4-FFF2-40B4-BE49-F238E27FC236}">
-                <a16:creationId xmlns:a16="http://schemas.microsoft.com/office/drawing/2014/main" id="{89DE9E2B-5611-49C8-862E-AD4D43A8AA6D}"/>
-              </a:ext>
-              <a:ext uri="{C183D7F6-B498-43B3-948B-1728B52AA6E4}">
-                <adec:decorative xmlns:adec="http://schemas.microsoft.com/office/drawing/2017/decorative" val="1"/>
-              </a:ext>
-            </a:extLst>
-          </p:cNvPr>
-          <p:cNvSpPr>
-            <a:spLocks noGrp="1" noRot="1" noChangeAspect="1" noMove="1" noResize="1" noEditPoints="1" noAdjustHandles="1" noChangeArrowheads="1" noChangeShapeType="1" noTextEdit="1"/>
-          </p:cNvSpPr>
-          <p:nvPr>
-            <p:extLst>
-              <p:ext uri="{386F3935-93C4-4BCD-93E2-E3B085C9AB24}">
-                <p16:designElem xmlns:p16="http://schemas.microsoft.com/office/powerpoint/2015/main" val="1"/>
-              </p:ext>
-            </p:extLst>
-          </p:nvPr>
-        </p:nvSpPr>
-        <p:spPr>
-          <a:xfrm>
-            <a:off x="0" y="0"/>
-            <a:ext cx="12195668" cy="482600"/>
-          </a:xfrm>
-          <a:prstGeom prst="rect">
-            <a:avLst/>
-          </a:prstGeom>
-          <a:solidFill>
-            <a:schemeClr val="tx2"/>
-          </a:solidFill>
-          <a:ln>
-            <a:noFill/>
-          </a:ln>
-        </p:spPr>
-        <p:style>
-          <a:lnRef idx="2">
-            <a:schemeClr val="accent1">
-              <a:shade val="50000"/>
-            </a:schemeClr>
-          </a:lnRef>
-          <a:fillRef idx="1">
-            <a:schemeClr val="accent1"/>
-          </a:fillRef>
-          <a:effectRef idx="0">
-            <a:schemeClr val="accent1"/>
-          </a:effectRef>
-          <a:fontRef idx="minor">
-            <a:schemeClr val="lt1"/>
-          </a:fontRef>
-        </p:style>
-      </p:sp>
-      <p:cxnSp>
-        <p:nvCxnSpPr>
-          <p:cNvPr id="13" name="Straight Connector 12">
-            <a:extLst>
-              <a:ext uri="{FF2B5EF4-FFF2-40B4-BE49-F238E27FC236}">
-                <a16:creationId xmlns:a16="http://schemas.microsoft.com/office/drawing/2014/main" id="{5296EC4F-8732-481B-94CB-C98E4EF297FF}"/>
-              </a:ext>
-              <a:ext uri="{C183D7F6-B498-43B3-948B-1728B52AA6E4}">
-                <adec:decorative xmlns:adec="http://schemas.microsoft.com/office/drawing/2017/decorative" val="1"/>
-              </a:ext>
-            </a:extLst>
-          </p:cNvPr>
-          <p:cNvCxnSpPr>
-            <a:cxnSpLocks noGrp="1" noRot="1" noChangeAspect="1" noMove="1" noResize="1" noEditPoints="1" noAdjustHandles="1" noChangeArrowheads="1" noChangeShapeType="1"/>
-          </p:cNvCxnSpPr>
-          <p:nvPr>
-            <p:extLst>
-              <p:ext uri="{386F3935-93C4-4BCD-93E2-E3B085C9AB24}">
-                <p16:designElem xmlns:p16="http://schemas.microsoft.com/office/powerpoint/2015/main" val="1"/>
-              </p:ext>
-            </p:extLst>
-          </p:nvPr>
-        </p:nvCxnSpPr>
-        <p:spPr>
-          <a:xfrm>
-            <a:off x="4059935" y="1836869"/>
-            <a:ext cx="0" cy="3184263"/>
-          </a:xfrm>
-          <a:prstGeom prst="line">
-            <a:avLst/>
-          </a:prstGeom>
-          <a:ln w="25400">
-            <a:solidFill>
-              <a:schemeClr val="tx2"/>
-            </a:solidFill>
-          </a:ln>
-        </p:spPr>
-        <p:style>
-          <a:lnRef idx="1">
-            <a:schemeClr val="accent1"/>
-          </a:lnRef>
-          <a:fillRef idx="0">
-            <a:schemeClr val="accent1"/>
-          </a:fillRef>
-          <a:effectRef idx="0">
-            <a:schemeClr val="accent1"/>
-          </a:effectRef>
-          <a:fontRef idx="minor">
-            <a:schemeClr val="tx1"/>
-          </a:fontRef>
-        </p:style>
-      </p:cxnSp>
-      <p:sp>
-        <p:nvSpPr>
-          <p:cNvPr id="15" name="Rectangle 14">
-            <a:extLst>
-              <a:ext uri="{FF2B5EF4-FFF2-40B4-BE49-F238E27FC236}">
-                <a16:creationId xmlns:a16="http://schemas.microsoft.com/office/drawing/2014/main" id="{519C7155-1644-4C60-B0B5-32B1800D6044}"/>
-              </a:ext>
-              <a:ext uri="{C183D7F6-B498-43B3-948B-1728B52AA6E4}">
-                <adec:decorative xmlns:adec="http://schemas.microsoft.com/office/drawing/2017/decorative" val="1"/>
-              </a:ext>
-            </a:extLst>
-          </p:cNvPr>
-          <p:cNvSpPr>
-            <a:spLocks noGrp="1" noRot="1" noChangeAspect="1" noMove="1" noResize="1" noEditPoints="1" noAdjustHandles="1" noChangeArrowheads="1" noChangeShapeType="1" noTextEdit="1"/>
-          </p:cNvSpPr>
-          <p:nvPr>
-            <p:extLst>
-              <p:ext uri="{386F3935-93C4-4BCD-93E2-E3B085C9AB24}">
-                <p16:designElem xmlns:p16="http://schemas.microsoft.com/office/powerpoint/2015/main" val="1"/>
-              </p:ext>
-            </p:extLst>
-          </p:nvPr>
-        </p:nvSpPr>
-        <p:spPr>
-          <a:xfrm>
-            <a:off x="0" y="6375400"/>
-            <a:ext cx="12195668" cy="482600"/>
-          </a:xfrm>
-          <a:prstGeom prst="rect">
-            <a:avLst/>
-          </a:prstGeom>
-          <a:solidFill>
-            <a:schemeClr val="tx2"/>
-          </a:solidFill>
-          <a:ln>
-            <a:noFill/>
-          </a:ln>
-        </p:spPr>
-        <p:style>
-          <a:lnRef idx="2">
-            <a:schemeClr val="accent1">
-              <a:shade val="50000"/>
-            </a:schemeClr>
-          </a:lnRef>
-          <a:fillRef idx="1">
-            <a:schemeClr val="accent1"/>
-          </a:fillRef>
-          <a:effectRef idx="0">
-            <a:schemeClr val="accent1"/>
-          </a:effectRef>
-          <a:fontRef idx="minor">
-            <a:schemeClr val="lt1"/>
-          </a:fontRef>
-        </p:style>
-      </p:sp>
-    </p:spTree>
-    <p:extLst>
-      <p:ext uri="{BB962C8B-B14F-4D97-AF65-F5344CB8AC3E}">
-        <p14:creationId xmlns:p14="http://schemas.microsoft.com/office/powerpoint/2010/main" val="2545859131"/>
-      </p:ext>
-    </p:extLst>
-  </p:cSld>
-  <p:clrMapOvr>
-    <a:overrideClrMapping bg1="lt1" tx1="dk1" bg2="lt2" tx2="dk2" accent1="accent1" accent2="accent2" accent3="accent3" accent4="accent4" accent5="accent5" accent6="accent6" hlink="hlink" folHlink="folHlink"/>
   </p:clrMapOvr>
 </p:sld>
 </file>
@@ -7246,7 +14495,7 @@
                 </a:solidFill>
                 <a:latin typeface="Bahnschrift SemiBold" panose="020B0502040204020203" pitchFamily="34" charset="0"/>
               </a:rPr>
-              <a:t>CONCLUSIÓN</a:t>
+              <a:t>TRABAJO A FUTURO</a:t>
             </a:r>
           </a:p>
         </p:txBody>
@@ -7416,6 +14665,369 @@
     </p:spTree>
     <p:extLst>
       <p:ext uri="{BB962C8B-B14F-4D97-AF65-F5344CB8AC3E}">
+        <p14:creationId xmlns:p14="http://schemas.microsoft.com/office/powerpoint/2010/main" val="2545859131"/>
+      </p:ext>
+    </p:extLst>
+  </p:cSld>
+  <p:clrMapOvr>
+    <a:overrideClrMapping bg1="lt1" tx1="dk1" bg2="lt2" tx2="dk2" accent1="accent1" accent2="accent2" accent3="accent3" accent4="accent4" accent5="accent5" accent6="accent6" hlink="hlink" folHlink="folHlink"/>
+  </p:clrMapOvr>
+</p:sld>
+</file>
+
+<file path=ppt/slides/slide21.xml><?xml version="1.0" encoding="utf-8"?>
+<p:sld xmlns:a="http://schemas.openxmlformats.org/drawingml/2006/main" xmlns:r="http://schemas.openxmlformats.org/officeDocument/2006/relationships" xmlns:p="http://schemas.openxmlformats.org/presentationml/2006/main">
+  <p:cSld>
+    <p:bg>
+      <p:bgPr>
+        <a:solidFill>
+          <a:schemeClr val="bg1"/>
+        </a:solidFill>
+        <a:effectLst/>
+      </p:bgPr>
+    </p:bg>
+    <p:spTree>
+      <p:nvGrpSpPr>
+        <p:cNvPr id="1" name=""/>
+        <p:cNvGrpSpPr/>
+        <p:nvPr/>
+      </p:nvGrpSpPr>
+      <p:grpSpPr>
+        <a:xfrm>
+          <a:off x="0" y="0"/>
+          <a:ext cx="0" cy="0"/>
+          <a:chOff x="0" y="0"/>
+          <a:chExt cx="0" cy="0"/>
+        </a:xfrm>
+      </p:grpSpPr>
+      <p:sp>
+        <p:nvSpPr>
+          <p:cNvPr id="7" name="Rectangle 6">
+            <a:extLst>
+              <a:ext uri="{FF2B5EF4-FFF2-40B4-BE49-F238E27FC236}">
+                <a16:creationId xmlns:a16="http://schemas.microsoft.com/office/drawing/2014/main" id="{13E75778-8865-451E-A418-58B337FE5B33}"/>
+              </a:ext>
+              <a:ext uri="{C183D7F6-B498-43B3-948B-1728B52AA6E4}">
+                <adec:decorative xmlns:adec="http://schemas.microsoft.com/office/drawing/2017/decorative" val="1"/>
+              </a:ext>
+            </a:extLst>
+          </p:cNvPr>
+          <p:cNvSpPr>
+            <a:spLocks noGrp="1" noRot="1" noChangeAspect="1" noMove="1" noResize="1" noEditPoints="1" noAdjustHandles="1" noChangeArrowheads="1" noChangeShapeType="1" noTextEdit="1"/>
+          </p:cNvSpPr>
+          <p:nvPr>
+            <p:extLst>
+              <p:ext uri="{386F3935-93C4-4BCD-93E2-E3B085C9AB24}">
+                <p16:designElem xmlns:p16="http://schemas.microsoft.com/office/powerpoint/2015/main" val="1"/>
+              </p:ext>
+            </p:extLst>
+          </p:nvPr>
+        </p:nvSpPr>
+        <p:spPr>
+          <a:xfrm>
+            <a:off x="-6843" y="2059012"/>
+            <a:ext cx="12195668" cy="1828800"/>
+          </a:xfrm>
+          <a:prstGeom prst="rect">
+            <a:avLst/>
+          </a:prstGeom>
+          <a:solidFill>
+            <a:schemeClr val="tx1"/>
+          </a:solidFill>
+          <a:ln>
+            <a:noFill/>
+          </a:ln>
+        </p:spPr>
+        <p:style>
+          <a:lnRef idx="2">
+            <a:schemeClr val="accent1">
+              <a:shade val="50000"/>
+            </a:schemeClr>
+          </a:lnRef>
+          <a:fillRef idx="1">
+            <a:schemeClr val="accent1"/>
+          </a:fillRef>
+          <a:effectRef idx="0">
+            <a:schemeClr val="accent1"/>
+          </a:effectRef>
+          <a:fontRef idx="minor">
+            <a:schemeClr val="lt1"/>
+          </a:fontRef>
+        </p:style>
+      </p:sp>
+      <p:sp>
+        <p:nvSpPr>
+          <p:cNvPr id="9" name="Rectangle 8">
+            <a:extLst>
+              <a:ext uri="{FF2B5EF4-FFF2-40B4-BE49-F238E27FC236}">
+                <a16:creationId xmlns:a16="http://schemas.microsoft.com/office/drawing/2014/main" id="{CB972422-B794-4FA8-BCC6-BAF6938A1B53}"/>
+              </a:ext>
+              <a:ext uri="{C183D7F6-B498-43B3-948B-1728B52AA6E4}">
+                <adec:decorative xmlns:adec="http://schemas.microsoft.com/office/drawing/2017/decorative" val="1"/>
+              </a:ext>
+            </a:extLst>
+          </p:cNvPr>
+          <p:cNvSpPr>
+            <a:spLocks noGrp="1" noRot="1" noChangeAspect="1" noMove="1" noResize="1" noEditPoints="1" noAdjustHandles="1" noChangeArrowheads="1" noChangeShapeType="1" noTextEdit="1"/>
+          </p:cNvSpPr>
+          <p:nvPr>
+            <p:extLst>
+              <p:ext uri="{386F3935-93C4-4BCD-93E2-E3B085C9AB24}">
+                <p16:designElem xmlns:p16="http://schemas.microsoft.com/office/powerpoint/2015/main" val="1"/>
+              </p:ext>
+            </p:extLst>
+          </p:nvPr>
+        </p:nvSpPr>
+        <p:spPr>
+          <a:xfrm>
+            <a:off x="0" y="0"/>
+            <a:ext cx="12192000" cy="6858000"/>
+          </a:xfrm>
+          <a:prstGeom prst="rect">
+            <a:avLst/>
+          </a:prstGeom>
+          <a:solidFill>
+            <a:schemeClr val="bg1"/>
+          </a:solidFill>
+          <a:ln>
+            <a:noFill/>
+          </a:ln>
+        </p:spPr>
+        <p:style>
+          <a:lnRef idx="2">
+            <a:schemeClr val="accent1">
+              <a:shade val="50000"/>
+            </a:schemeClr>
+          </a:lnRef>
+          <a:fillRef idx="1">
+            <a:schemeClr val="accent1"/>
+          </a:fillRef>
+          <a:effectRef idx="0">
+            <a:schemeClr val="accent1"/>
+          </a:effectRef>
+          <a:fontRef idx="minor">
+            <a:schemeClr val="lt1"/>
+          </a:fontRef>
+        </p:style>
+        <p:txBody>
+          <a:bodyPr rtlCol="0" anchor="ctr"/>
+          <a:lstStyle/>
+          <a:p>
+            <a:pPr algn="ctr"/>
+            <a:endParaRPr lang="en-US"/>
+          </a:p>
+        </p:txBody>
+      </p:sp>
+      <p:sp>
+        <p:nvSpPr>
+          <p:cNvPr id="2" name="Título 1">
+            <a:extLst>
+              <a:ext uri="{FF2B5EF4-FFF2-40B4-BE49-F238E27FC236}">
+                <a16:creationId xmlns:a16="http://schemas.microsoft.com/office/drawing/2014/main" id="{7B1C8146-4F43-4B6D-A738-AD27DF849BE4}"/>
+              </a:ext>
+            </a:extLst>
+          </p:cNvPr>
+          <p:cNvSpPr>
+            <a:spLocks noGrp="1"/>
+          </p:cNvSpPr>
+          <p:nvPr>
+            <p:ph type="title"/>
+          </p:nvPr>
+        </p:nvSpPr>
+        <p:spPr>
+          <a:xfrm>
+            <a:off x="4378000" y="2167391"/>
+            <a:ext cx="6280927" cy="2523219"/>
+          </a:xfrm>
+        </p:spPr>
+        <p:txBody>
+          <a:bodyPr vert="horz" lIns="91440" tIns="45720" rIns="91440" bIns="45720" rtlCol="0" anchor="ctr">
+            <a:normAutofit/>
+          </a:bodyPr>
+          <a:lstStyle/>
+          <a:p>
+            <a:pPr>
+              <a:lnSpc>
+                <a:spcPct val="80000"/>
+              </a:lnSpc>
+            </a:pPr>
+            <a:r>
+              <a:rPr lang="en-US" sz="4400" spc="150" dirty="0">
+                <a:solidFill>
+                  <a:schemeClr val="tx2"/>
+                </a:solidFill>
+                <a:latin typeface="Bahnschrift SemiBold" panose="020B0502040204020203" pitchFamily="34" charset="0"/>
+              </a:rPr>
+              <a:t>CONCLUSIÓN</a:t>
+            </a:r>
+          </a:p>
+        </p:txBody>
+      </p:sp>
+      <p:sp>
+        <p:nvSpPr>
+          <p:cNvPr id="11" name="Rectangle 10">
+            <a:extLst>
+              <a:ext uri="{FF2B5EF4-FFF2-40B4-BE49-F238E27FC236}">
+                <a16:creationId xmlns:a16="http://schemas.microsoft.com/office/drawing/2014/main" id="{89DE9E2B-5611-49C8-862E-AD4D43A8AA6D}"/>
+              </a:ext>
+              <a:ext uri="{C183D7F6-B498-43B3-948B-1728B52AA6E4}">
+                <adec:decorative xmlns:adec="http://schemas.microsoft.com/office/drawing/2017/decorative" val="1"/>
+              </a:ext>
+            </a:extLst>
+          </p:cNvPr>
+          <p:cNvSpPr>
+            <a:spLocks noGrp="1" noRot="1" noChangeAspect="1" noMove="1" noResize="1" noEditPoints="1" noAdjustHandles="1" noChangeArrowheads="1" noChangeShapeType="1" noTextEdit="1"/>
+          </p:cNvSpPr>
+          <p:nvPr>
+            <p:extLst>
+              <p:ext uri="{386F3935-93C4-4BCD-93E2-E3B085C9AB24}">
+                <p16:designElem xmlns:p16="http://schemas.microsoft.com/office/powerpoint/2015/main" val="1"/>
+              </p:ext>
+            </p:extLst>
+          </p:nvPr>
+        </p:nvSpPr>
+        <p:spPr>
+          <a:xfrm>
+            <a:off x="0" y="0"/>
+            <a:ext cx="12195668" cy="482600"/>
+          </a:xfrm>
+          <a:prstGeom prst="rect">
+            <a:avLst/>
+          </a:prstGeom>
+          <a:solidFill>
+            <a:schemeClr val="tx2"/>
+          </a:solidFill>
+          <a:ln>
+            <a:noFill/>
+          </a:ln>
+        </p:spPr>
+        <p:style>
+          <a:lnRef idx="2">
+            <a:schemeClr val="accent1">
+              <a:shade val="50000"/>
+            </a:schemeClr>
+          </a:lnRef>
+          <a:fillRef idx="1">
+            <a:schemeClr val="accent1"/>
+          </a:fillRef>
+          <a:effectRef idx="0">
+            <a:schemeClr val="accent1"/>
+          </a:effectRef>
+          <a:fontRef idx="minor">
+            <a:schemeClr val="lt1"/>
+          </a:fontRef>
+        </p:style>
+      </p:sp>
+      <p:cxnSp>
+        <p:nvCxnSpPr>
+          <p:cNvPr id="13" name="Straight Connector 12">
+            <a:extLst>
+              <a:ext uri="{FF2B5EF4-FFF2-40B4-BE49-F238E27FC236}">
+                <a16:creationId xmlns:a16="http://schemas.microsoft.com/office/drawing/2014/main" id="{5296EC4F-8732-481B-94CB-C98E4EF297FF}"/>
+              </a:ext>
+              <a:ext uri="{C183D7F6-B498-43B3-948B-1728B52AA6E4}">
+                <adec:decorative xmlns:adec="http://schemas.microsoft.com/office/drawing/2017/decorative" val="1"/>
+              </a:ext>
+            </a:extLst>
+          </p:cNvPr>
+          <p:cNvCxnSpPr>
+            <a:cxnSpLocks noGrp="1" noRot="1" noChangeAspect="1" noMove="1" noResize="1" noEditPoints="1" noAdjustHandles="1" noChangeArrowheads="1" noChangeShapeType="1"/>
+          </p:cNvCxnSpPr>
+          <p:nvPr>
+            <p:extLst>
+              <p:ext uri="{386F3935-93C4-4BCD-93E2-E3B085C9AB24}">
+                <p16:designElem xmlns:p16="http://schemas.microsoft.com/office/powerpoint/2015/main" val="1"/>
+              </p:ext>
+            </p:extLst>
+          </p:nvPr>
+        </p:nvCxnSpPr>
+        <p:spPr>
+          <a:xfrm>
+            <a:off x="4059935" y="1836869"/>
+            <a:ext cx="0" cy="3184263"/>
+          </a:xfrm>
+          <a:prstGeom prst="line">
+            <a:avLst/>
+          </a:prstGeom>
+          <a:ln w="25400">
+            <a:solidFill>
+              <a:schemeClr val="tx2"/>
+            </a:solidFill>
+          </a:ln>
+        </p:spPr>
+        <p:style>
+          <a:lnRef idx="1">
+            <a:schemeClr val="accent1"/>
+          </a:lnRef>
+          <a:fillRef idx="0">
+            <a:schemeClr val="accent1"/>
+          </a:fillRef>
+          <a:effectRef idx="0">
+            <a:schemeClr val="accent1"/>
+          </a:effectRef>
+          <a:fontRef idx="minor">
+            <a:schemeClr val="tx1"/>
+          </a:fontRef>
+        </p:style>
+      </p:cxnSp>
+      <p:sp>
+        <p:nvSpPr>
+          <p:cNvPr id="15" name="Rectangle 14">
+            <a:extLst>
+              <a:ext uri="{FF2B5EF4-FFF2-40B4-BE49-F238E27FC236}">
+                <a16:creationId xmlns:a16="http://schemas.microsoft.com/office/drawing/2014/main" id="{519C7155-1644-4C60-B0B5-32B1800D6044}"/>
+              </a:ext>
+              <a:ext uri="{C183D7F6-B498-43B3-948B-1728B52AA6E4}">
+                <adec:decorative xmlns:adec="http://schemas.microsoft.com/office/drawing/2017/decorative" val="1"/>
+              </a:ext>
+            </a:extLst>
+          </p:cNvPr>
+          <p:cNvSpPr>
+            <a:spLocks noGrp="1" noRot="1" noChangeAspect="1" noMove="1" noResize="1" noEditPoints="1" noAdjustHandles="1" noChangeArrowheads="1" noChangeShapeType="1" noTextEdit="1"/>
+          </p:cNvSpPr>
+          <p:nvPr>
+            <p:extLst>
+              <p:ext uri="{386F3935-93C4-4BCD-93E2-E3B085C9AB24}">
+                <p16:designElem xmlns:p16="http://schemas.microsoft.com/office/powerpoint/2015/main" val="1"/>
+              </p:ext>
+            </p:extLst>
+          </p:nvPr>
+        </p:nvSpPr>
+        <p:spPr>
+          <a:xfrm>
+            <a:off x="0" y="6375400"/>
+            <a:ext cx="12195668" cy="482600"/>
+          </a:xfrm>
+          <a:prstGeom prst="rect">
+            <a:avLst/>
+          </a:prstGeom>
+          <a:solidFill>
+            <a:schemeClr val="tx2"/>
+          </a:solidFill>
+          <a:ln>
+            <a:noFill/>
+          </a:ln>
+        </p:spPr>
+        <p:style>
+          <a:lnRef idx="2">
+            <a:schemeClr val="accent1">
+              <a:shade val="50000"/>
+            </a:schemeClr>
+          </a:lnRef>
+          <a:fillRef idx="1">
+            <a:schemeClr val="accent1"/>
+          </a:fillRef>
+          <a:effectRef idx="0">
+            <a:schemeClr val="accent1"/>
+          </a:effectRef>
+          <a:fontRef idx="minor">
+            <a:schemeClr val="lt1"/>
+          </a:fontRef>
+        </p:style>
+      </p:sp>
+    </p:spTree>
+    <p:extLst>
+      <p:ext uri="{BB962C8B-B14F-4D97-AF65-F5344CB8AC3E}">
         <p14:creationId xmlns:p14="http://schemas.microsoft.com/office/powerpoint/2010/main" val="973721859"/>
       </p:ext>
     </p:extLst>
@@ -7426,7 +15038,7 @@
 </p:sld>
 </file>
 
-<file path=ppt/slides/slide21.xml><?xml version="1.0" encoding="utf-8"?>
+<file path=ppt/slides/slide22.xml><?xml version="1.0" encoding="utf-8"?>
 <p:sld xmlns:a="http://schemas.openxmlformats.org/drawingml/2006/main" xmlns:r="http://schemas.openxmlformats.org/officeDocument/2006/relationships" xmlns:p="http://schemas.openxmlformats.org/presentationml/2006/main">
   <p:cSld>
     <p:bg>
@@ -7765,7 +15377,7 @@
 </p:sld>
 </file>
 
-<file path=ppt/slides/slide22.xml><?xml version="1.0" encoding="utf-8"?>
+<file path=ppt/slides/slide23.xml><?xml version="1.0" encoding="utf-8"?>
 <p:sld xmlns:a="http://schemas.openxmlformats.org/drawingml/2006/main" xmlns:r="http://schemas.openxmlformats.org/officeDocument/2006/relationships" xmlns:p="http://schemas.openxmlformats.org/presentationml/2006/main">
   <p:cSld>
     <p:spTree>
@@ -7908,7 +15520,7 @@
 </p:sld>
 </file>
 
-<file path=ppt/slides/slide23.xml><?xml version="1.0" encoding="utf-8"?>
+<file path=ppt/slides/slide24.xml><?xml version="1.0" encoding="utf-8"?>
 <p:sld xmlns:a="http://schemas.openxmlformats.org/drawingml/2006/main" xmlns:r="http://schemas.openxmlformats.org/officeDocument/2006/relationships" xmlns:p="http://schemas.openxmlformats.org/presentationml/2006/main">
   <p:cSld>
     <p:bg>
@@ -8271,7 +15883,7 @@
 </p:sld>
 </file>
 
-<file path=ppt/slides/slide24.xml><?xml version="1.0" encoding="utf-8"?>
+<file path=ppt/slides/slide25.xml><?xml version="1.0" encoding="utf-8"?>
 <p:sld xmlns:a="http://schemas.openxmlformats.org/drawingml/2006/main" xmlns:r="http://schemas.openxmlformats.org/officeDocument/2006/relationships" xmlns:p="http://schemas.openxmlformats.org/presentationml/2006/main">
   <p:cSld>
     <p:spTree>
@@ -9060,7 +16672,7 @@
 </p:sld>
 </file>
 
-<file path=ppt/slides/slide25.xml><?xml version="1.0" encoding="utf-8"?>
+<file path=ppt/slides/slide26.xml><?xml version="1.0" encoding="utf-8"?>
 <p:sld xmlns:a="http://schemas.openxmlformats.org/drawingml/2006/main" xmlns:r="http://schemas.openxmlformats.org/officeDocument/2006/relationships" xmlns:p="http://schemas.openxmlformats.org/presentationml/2006/main">
   <p:cSld>
     <p:spTree>
@@ -9368,66 +16980,6 @@
 </p:sld>
 </file>
 
-<file path=ppt/slides/slide26.xml><?xml version="1.0" encoding="utf-8"?>
-<p:sld xmlns:a="http://schemas.openxmlformats.org/drawingml/2006/main" xmlns:r="http://schemas.openxmlformats.org/officeDocument/2006/relationships" xmlns:p="http://schemas.openxmlformats.org/presentationml/2006/main">
-  <p:cSld>
-    <p:spTree>
-      <p:nvGrpSpPr>
-        <p:cNvPr id="1" name=""/>
-        <p:cNvGrpSpPr/>
-        <p:nvPr/>
-      </p:nvGrpSpPr>
-      <p:grpSpPr>
-        <a:xfrm>
-          <a:off x="0" y="0"/>
-          <a:ext cx="0" cy="0"/>
-          <a:chOff x="0" y="0"/>
-          <a:chExt cx="0" cy="0"/>
-        </a:xfrm>
-      </p:grpSpPr>
-      <p:sp>
-        <p:nvSpPr>
-          <p:cNvPr id="2" name="Título 1">
-            <a:extLst>
-              <a:ext uri="{FF2B5EF4-FFF2-40B4-BE49-F238E27FC236}">
-                <a16:creationId xmlns:a16="http://schemas.microsoft.com/office/drawing/2014/main" id="{DFD09F9B-11F0-47C1-9B17-8ADEC4D099B1}"/>
-              </a:ext>
-            </a:extLst>
-          </p:cNvPr>
-          <p:cNvSpPr>
-            <a:spLocks noGrp="1"/>
-          </p:cNvSpPr>
-          <p:nvPr>
-            <p:ph type="title"/>
-          </p:nvPr>
-        </p:nvSpPr>
-        <p:spPr/>
-        <p:txBody>
-          <a:bodyPr/>
-          <a:lstStyle/>
-          <a:p>
-            <a:r>
-              <a:rPr lang="es-MX" dirty="0">
-                <a:latin typeface="Bahnschrift SemiBold" panose="020B0502040204020203" pitchFamily="34" charset="0"/>
-              </a:rPr>
-              <a:t>PROCESO DE NEGOCIOS DISEÑO DE INTERIORES INICIAL</a:t>
-            </a:r>
-          </a:p>
-        </p:txBody>
-      </p:sp>
-    </p:spTree>
-    <p:extLst>
-      <p:ext uri="{BB962C8B-B14F-4D97-AF65-F5344CB8AC3E}">
-        <p14:creationId xmlns:p14="http://schemas.microsoft.com/office/powerpoint/2010/main" val="736168420"/>
-      </p:ext>
-    </p:extLst>
-  </p:cSld>
-  <p:clrMapOvr>
-    <a:masterClrMapping/>
-  </p:clrMapOvr>
-</p:sld>
-</file>
-
 <file path=ppt/slides/slide27.xml><?xml version="1.0" encoding="utf-8"?>
 <p:sld xmlns:a="http://schemas.openxmlformats.org/drawingml/2006/main" xmlns:r="http://schemas.openxmlformats.org/officeDocument/2006/relationships" xmlns:p="http://schemas.openxmlformats.org/presentationml/2006/main">
   <p:cSld>
@@ -9461,6 +17013,110 @@
             <p:ph type="title"/>
           </p:nvPr>
         </p:nvSpPr>
+        <p:spPr>
+          <a:xfrm>
+            <a:off x="1202919" y="284176"/>
+            <a:ext cx="9784080" cy="1508760"/>
+          </a:xfrm>
+        </p:spPr>
+        <p:txBody>
+          <a:bodyPr/>
+          <a:lstStyle/>
+          <a:p>
+            <a:r>
+              <a:rPr lang="es-MX">
+                <a:latin typeface="Bahnschrift SemiBold" panose="020B0502040204020203" pitchFamily="34" charset="0"/>
+              </a:rPr>
+              <a:t>PROCESO DE NEGOCIOS DISEÑO DE INTERIORES INICIAL</a:t>
+            </a:r>
+            <a:endParaRPr lang="es-MX" dirty="0">
+              <a:latin typeface="Bahnschrift SemiBold" panose="020B0502040204020203" pitchFamily="34" charset="0"/>
+            </a:endParaRPr>
+          </a:p>
+        </p:txBody>
+      </p:sp>
+      <p:pic>
+        <p:nvPicPr>
+          <p:cNvPr id="4" name="Imagen 3" descr="Imagen que contiene captura de pantalla&#10;&#10;Descripción generada automáticamente">
+            <a:extLst>
+              <a:ext uri="{FF2B5EF4-FFF2-40B4-BE49-F238E27FC236}">
+                <a16:creationId xmlns:a16="http://schemas.microsoft.com/office/drawing/2014/main" id="{170C33F9-3BA2-4DD3-87C5-4C381FD058A0}"/>
+              </a:ext>
+            </a:extLst>
+          </p:cNvPr>
+          <p:cNvPicPr>
+            <a:picLocks noChangeAspect="1"/>
+          </p:cNvPicPr>
+          <p:nvPr/>
+        </p:nvPicPr>
+        <p:blipFill>
+          <a:blip r:embed="rId2">
+            <a:extLst>
+              <a:ext uri="{28A0092B-C50C-407E-A947-70E740481C1C}">
+                <a14:useLocalDpi xmlns:a14="http://schemas.microsoft.com/office/drawing/2010/main" val="0"/>
+              </a:ext>
+            </a:extLst>
+          </a:blip>
+          <a:stretch>
+            <a:fillRect/>
+          </a:stretch>
+        </p:blipFill>
+        <p:spPr>
+          <a:xfrm>
+            <a:off x="64168" y="2956949"/>
+            <a:ext cx="12063663" cy="2457995"/>
+          </a:xfrm>
+          <a:prstGeom prst="rect">
+            <a:avLst/>
+          </a:prstGeom>
+        </p:spPr>
+      </p:pic>
+    </p:spTree>
+    <p:extLst>
+      <p:ext uri="{BB962C8B-B14F-4D97-AF65-F5344CB8AC3E}">
+        <p14:creationId xmlns:p14="http://schemas.microsoft.com/office/powerpoint/2010/main" val="736168420"/>
+      </p:ext>
+    </p:extLst>
+  </p:cSld>
+  <p:clrMapOvr>
+    <a:masterClrMapping/>
+  </p:clrMapOvr>
+</p:sld>
+</file>
+
+<file path=ppt/slides/slide28.xml><?xml version="1.0" encoding="utf-8"?>
+<p:sld xmlns:a="http://schemas.openxmlformats.org/drawingml/2006/main" xmlns:r="http://schemas.openxmlformats.org/officeDocument/2006/relationships" xmlns:p="http://schemas.openxmlformats.org/presentationml/2006/main">
+  <p:cSld>
+    <p:spTree>
+      <p:nvGrpSpPr>
+        <p:cNvPr id="1" name=""/>
+        <p:cNvGrpSpPr/>
+        <p:nvPr/>
+      </p:nvGrpSpPr>
+      <p:grpSpPr>
+        <a:xfrm>
+          <a:off x="0" y="0"/>
+          <a:ext cx="0" cy="0"/>
+          <a:chOff x="0" y="0"/>
+          <a:chExt cx="0" cy="0"/>
+        </a:xfrm>
+      </p:grpSpPr>
+      <p:sp>
+        <p:nvSpPr>
+          <p:cNvPr id="2" name="Título 1">
+            <a:extLst>
+              <a:ext uri="{FF2B5EF4-FFF2-40B4-BE49-F238E27FC236}">
+                <a16:creationId xmlns:a16="http://schemas.microsoft.com/office/drawing/2014/main" id="{DFD09F9B-11F0-47C1-9B17-8ADEC4D099B1}"/>
+              </a:ext>
+            </a:extLst>
+          </p:cNvPr>
+          <p:cNvSpPr>
+            <a:spLocks noGrp="1"/>
+          </p:cNvSpPr>
+          <p:nvPr>
+            <p:ph type="title"/>
+          </p:nvPr>
+        </p:nvSpPr>
         <p:spPr/>
         <p:txBody>
           <a:bodyPr/>
@@ -9475,6 +17131,42 @@
           </a:p>
         </p:txBody>
       </p:sp>
+      <p:pic>
+        <p:nvPicPr>
+          <p:cNvPr id="3" name="Imagen 2" descr="Imagen que contiene captura de pantalla&#10;&#10;Descripción generada automáticamente">
+            <a:extLst>
+              <a:ext uri="{FF2B5EF4-FFF2-40B4-BE49-F238E27FC236}">
+                <a16:creationId xmlns:a16="http://schemas.microsoft.com/office/drawing/2014/main" id="{97AC4A38-9F85-4EA5-9318-E54C51D91D04}"/>
+              </a:ext>
+            </a:extLst>
+          </p:cNvPr>
+          <p:cNvPicPr>
+            <a:picLocks noChangeAspect="1"/>
+          </p:cNvPicPr>
+          <p:nvPr/>
+        </p:nvPicPr>
+        <p:blipFill>
+          <a:blip r:embed="rId2">
+            <a:extLst>
+              <a:ext uri="{28A0092B-C50C-407E-A947-70E740481C1C}">
+                <a14:useLocalDpi xmlns:a14="http://schemas.microsoft.com/office/drawing/2010/main" val="0"/>
+              </a:ext>
+            </a:extLst>
+          </a:blip>
+          <a:stretch>
+            <a:fillRect/>
+          </a:stretch>
+        </p:blipFill>
+        <p:spPr>
+          <a:xfrm>
+            <a:off x="64168" y="2956949"/>
+            <a:ext cx="12063663" cy="2457995"/>
+          </a:xfrm>
+          <a:prstGeom prst="rect">
+            <a:avLst/>
+          </a:prstGeom>
+        </p:spPr>
+      </p:pic>
     </p:spTree>
     <p:extLst>
       <p:ext uri="{BB962C8B-B14F-4D97-AF65-F5344CB8AC3E}">
@@ -13490,4 +21182,247 @@
     </a:ext>
   </a:extLst>
 </a:theme>
+</file>
+
+<file path=ppt/theme/theme2.xml><?xml version="1.0" encoding="utf-8"?>
+<a:theme xmlns:a="http://schemas.openxmlformats.org/drawingml/2006/main" name="Espiral">
+  <a:themeElements>
+    <a:clrScheme name="Espiral">
+      <a:dk1>
+        <a:sysClr val="windowText" lastClr="000000"/>
+      </a:dk1>
+      <a:lt1>
+        <a:sysClr val="window" lastClr="FFFFFF"/>
+      </a:lt1>
+      <a:dk2>
+        <a:srgbClr val="766F54"/>
+      </a:dk2>
+      <a:lt2>
+        <a:srgbClr val="E3EACF"/>
+      </a:lt2>
+      <a:accent1>
+        <a:srgbClr val="A53010"/>
+      </a:accent1>
+      <a:accent2>
+        <a:srgbClr val="DE7E18"/>
+      </a:accent2>
+      <a:accent3>
+        <a:srgbClr val="9F8351"/>
+      </a:accent3>
+      <a:accent4>
+        <a:srgbClr val="728653"/>
+      </a:accent4>
+      <a:accent5>
+        <a:srgbClr val="92AA4C"/>
+      </a:accent5>
+      <a:accent6>
+        <a:srgbClr val="6AAC91"/>
+      </a:accent6>
+      <a:hlink>
+        <a:srgbClr val="FB4A18"/>
+      </a:hlink>
+      <a:folHlink>
+        <a:srgbClr val="FB9318"/>
+      </a:folHlink>
+    </a:clrScheme>
+    <a:fontScheme name="Espiral">
+      <a:majorFont>
+        <a:latin typeface="Century Gothic" panose="020B0502020202020204"/>
+        <a:ea typeface=""/>
+        <a:cs typeface=""/>
+        <a:font script="Jpan" typeface="メイリオ"/>
+        <a:font script="Hang" typeface="HY중고딕"/>
+        <a:font script="Hans" typeface="幼圆"/>
+        <a:font script="Hant" typeface="微軟正黑體"/>
+        <a:font script="Arab" typeface="Tahoma"/>
+        <a:font script="Hebr" typeface="Gisha"/>
+        <a:font script="Thai" typeface="DilleniaUPC"/>
+        <a:font script="Ethi" typeface="Nyala"/>
+        <a:font script="Beng" typeface="Vrinda"/>
+        <a:font script="Gujr" typeface="Shruti"/>
+        <a:font script="Khmr" typeface="DaunPenh"/>
+        <a:font script="Knda" typeface="Tunga"/>
+        <a:font script="Guru" typeface="Raavi"/>
+        <a:font script="Cans" typeface="Euphemia"/>
+        <a:font script="Cher" typeface="Plantagenet Cherokee"/>
+        <a:font script="Yiii" typeface="Microsoft Yi Baiti"/>
+        <a:font script="Tibt" typeface="Microsoft Himalaya"/>
+        <a:font script="Thaa" typeface="MV Boli"/>
+        <a:font script="Deva" typeface="Mangal"/>
+        <a:font script="Telu" typeface="Gautami"/>
+        <a:font script="Taml" typeface="Latha"/>
+        <a:font script="Syrc" typeface="Estrangelo Edessa"/>
+        <a:font script="Orya" typeface="Kalinga"/>
+        <a:font script="Mlym" typeface="Kartika"/>
+        <a:font script="Laoo" typeface="DokChampa"/>
+        <a:font script="Sinh" typeface="Iskoola Pota"/>
+        <a:font script="Mong" typeface="Mongolian Baiti"/>
+        <a:font script="Viet" typeface="Tahoma"/>
+        <a:font script="Uigh" typeface="Microsoft Uighur"/>
+        <a:font script="Geor" typeface="Sylfaen"/>
+      </a:majorFont>
+      <a:minorFont>
+        <a:latin typeface="Century Gothic" panose="020B0502020202020204"/>
+        <a:ea typeface=""/>
+        <a:cs typeface=""/>
+        <a:font script="Jpan" typeface="メイリオ"/>
+        <a:font script="Hang" typeface="HY중고딕"/>
+        <a:font script="Hans" typeface="幼圆"/>
+        <a:font script="Hant" typeface="微軟正黑體"/>
+        <a:font script="Arab" typeface="Tahoma"/>
+        <a:font script="Hebr" typeface="Gisha"/>
+        <a:font script="Thai" typeface="DilleniaUPC"/>
+        <a:font script="Ethi" typeface="Nyala"/>
+        <a:font script="Beng" typeface="Vrinda"/>
+        <a:font script="Gujr" typeface="Shruti"/>
+        <a:font script="Khmr" typeface="DaunPenh"/>
+        <a:font script="Knda" typeface="Tunga"/>
+        <a:font script="Guru" typeface="Raavi"/>
+        <a:font script="Cans" typeface="Euphemia"/>
+        <a:font script="Cher" typeface="Plantagenet Cherokee"/>
+        <a:font script="Yiii" typeface="Microsoft Yi Baiti"/>
+        <a:font script="Tibt" typeface="Microsoft Himalaya"/>
+        <a:font script="Thaa" typeface="MV Boli"/>
+        <a:font script="Deva" typeface="Mangal"/>
+        <a:font script="Telu" typeface="Gautami"/>
+        <a:font script="Taml" typeface="Latha"/>
+        <a:font script="Syrc" typeface="Estrangelo Edessa"/>
+        <a:font script="Orya" typeface="Kalinga"/>
+        <a:font script="Mlym" typeface="Kartika"/>
+        <a:font script="Laoo" typeface="DokChampa"/>
+        <a:font script="Sinh" typeface="Iskoola Pota"/>
+        <a:font script="Mong" typeface="Mongolian Baiti"/>
+        <a:font script="Viet" typeface="Tahoma"/>
+        <a:font script="Uigh" typeface="Microsoft Uighur"/>
+        <a:font script="Geor" typeface="Sylfaen"/>
+      </a:minorFont>
+    </a:fontScheme>
+    <a:fmtScheme name="Espiral">
+      <a:fillStyleLst>
+        <a:solidFill>
+          <a:schemeClr val="phClr"/>
+        </a:solidFill>
+        <a:solidFill>
+          <a:schemeClr val="phClr">
+            <a:tint val="70000"/>
+            <a:lumMod val="104000"/>
+          </a:schemeClr>
+        </a:solidFill>
+        <a:gradFill rotWithShape="1">
+          <a:gsLst>
+            <a:gs pos="0">
+              <a:schemeClr val="phClr">
+                <a:tint val="96000"/>
+                <a:lumMod val="104000"/>
+              </a:schemeClr>
+            </a:gs>
+            <a:gs pos="100000">
+              <a:schemeClr val="phClr">
+                <a:shade val="98000"/>
+                <a:lumMod val="94000"/>
+              </a:schemeClr>
+            </a:gs>
+          </a:gsLst>
+          <a:lin ang="5400000" scaled="0"/>
+        </a:gradFill>
+      </a:fillStyleLst>
+      <a:lnStyleLst>
+        <a:ln w="9525" cap="rnd" cmpd="sng" algn="ctr">
+          <a:solidFill>
+            <a:schemeClr val="phClr">
+              <a:shade val="90000"/>
+            </a:schemeClr>
+          </a:solidFill>
+          <a:prstDash val="solid"/>
+        </a:ln>
+        <a:ln w="15875" cap="rnd" cmpd="sng" algn="ctr">
+          <a:solidFill>
+            <a:schemeClr val="phClr"/>
+          </a:solidFill>
+          <a:prstDash val="solid"/>
+        </a:ln>
+        <a:ln w="22225" cap="rnd" cmpd="sng" algn="ctr">
+          <a:solidFill>
+            <a:schemeClr val="phClr"/>
+          </a:solidFill>
+          <a:prstDash val="solid"/>
+        </a:ln>
+      </a:lnStyleLst>
+      <a:effectStyleLst>
+        <a:effectStyle>
+          <a:effectLst/>
+        </a:effectStyle>
+        <a:effectStyle>
+          <a:effectLst>
+            <a:outerShdw blurRad="38100" dist="25400" dir="5400000" rotWithShape="0">
+              <a:srgbClr val="000000">
+                <a:alpha val="25000"/>
+              </a:srgbClr>
+            </a:outerShdw>
+          </a:effectLst>
+        </a:effectStyle>
+        <a:effectStyle>
+          <a:effectLst>
+            <a:outerShdw blurRad="50800" dist="38100" dir="5400000" rotWithShape="0">
+              <a:srgbClr val="000000">
+                <a:alpha val="60000"/>
+              </a:srgbClr>
+            </a:outerShdw>
+          </a:effectLst>
+        </a:effectStyle>
+      </a:effectStyleLst>
+      <a:bgFillStyleLst>
+        <a:solidFill>
+          <a:schemeClr val="phClr"/>
+        </a:solidFill>
+        <a:gradFill rotWithShape="1">
+          <a:gsLst>
+            <a:gs pos="0">
+              <a:schemeClr val="phClr">
+                <a:tint val="90000"/>
+                <a:lumMod val="120000"/>
+              </a:schemeClr>
+            </a:gs>
+            <a:gs pos="100000">
+              <a:schemeClr val="phClr">
+                <a:shade val="98000"/>
+                <a:satMod val="120000"/>
+                <a:lumMod val="98000"/>
+              </a:schemeClr>
+            </a:gs>
+          </a:gsLst>
+          <a:lin ang="5400000" scaled="0"/>
+        </a:gradFill>
+        <a:gradFill rotWithShape="1">
+          <a:gsLst>
+            <a:gs pos="0">
+              <a:schemeClr val="phClr">
+                <a:tint val="90000"/>
+                <a:satMod val="92000"/>
+                <a:lumMod val="120000"/>
+              </a:schemeClr>
+            </a:gs>
+            <a:gs pos="100000">
+              <a:schemeClr val="phClr">
+                <a:shade val="98000"/>
+                <a:satMod val="120000"/>
+                <a:lumMod val="98000"/>
+              </a:schemeClr>
+            </a:gs>
+          </a:gsLst>
+          <a:path path="circle">
+            <a:fillToRect l="50000" t="50000" r="100000" b="100000"/>
+          </a:path>
+        </a:gradFill>
+      </a:bgFillStyleLst>
+    </a:fmtScheme>
+  </a:themeElements>
+  <a:objectDefaults/>
+  <a:extraClrSchemeLst/>
+  <a:extLst>
+    <a:ext uri="{05A4C25C-085E-4340-85A3-A5531E510DB2}">
+      <thm15:themeFamily xmlns:thm15="http://schemas.microsoft.com/office/thememl/2012/main" name="Wisp" id="{7CB32D59-10C0-40DD-B7BD-2E94284A981C}" vid="{24B1A44C-C006-48B2-A4D7-E5549B3D8CD4}"/>
+    </a:ext>
+  </a:extLst>
+</a:theme>
 </file>
--- a/PRESENTACIONTTII.pptx
+++ b/PRESENTACIONTTII.pptx
@@ -12033,7 +12033,7 @@
             </a:pPr>
             <a:r>
               <a:rPr lang="es-MX" dirty="0"/>
-              <a:t>Se desarrollaron las funciones que permiten a un usuario registrarse en la aplicación para poder iniciar sesión, y recuperar su contraseña en caso de olvidarla.</a:t>
+              <a:t>Implementamos una forma de restaurar la contraseña del usuario a través de la aplicación.</a:t>
             </a:r>
           </a:p>
         </p:txBody>
@@ -12073,7 +12073,7 @@
                 </a:solidFill>
                 <a:latin typeface="Bahnschrift SemiBold" panose="020B0502040204020203" pitchFamily="34" charset="0"/>
               </a:rPr>
-              <a:t>Objetivo: Implementar gestión de usuarios en la aplicación</a:t>
+              <a:t>Objetivo: Implementar recuperación de contraseña dentro de la aplicación</a:t>
             </a:r>
           </a:p>
         </p:txBody>
@@ -12164,7 +12164,7 @@
             </a:pPr>
             <a:r>
               <a:rPr lang="es-MX" dirty="0"/>
-              <a:t>Se desarrolló la función para permitir creación de proyectos, mismos que contendrían escenarios.</a:t>
+              <a:t>Se desarrolló la función para permitir la creación de proyectos, mismos que contendrían escenarios.</a:t>
             </a:r>
           </a:p>
         </p:txBody>
@@ -12800,7 +12800,7 @@
             </a:pPr>
             <a:r>
               <a:rPr lang="es-ES" dirty="0"/>
-              <a:t>Se desarrollaron las funciones que permitían a un usuario usar los muebles previamente subidos a la plataforma web. También se agregaron funciones para poder seleccionar, borrar y ver precios de muebles.</a:t>
+              <a:t>Se desarrollaron las funciones que permiten a un usuario usar los muebles previamente subidos a la plataforma web. También se agregaron funciones para poder seleccionar, borrar y ver precios de muebles.</a:t>
             </a:r>
             <a:endParaRPr lang="es-MX" dirty="0"/>
           </a:p>
